--- a/csv2anki/design.pptx
+++ b/csv2anki/design.pptx
@@ -254,7 +254,7 @@
           <a:p>
             <a:fld id="{A96FB359-0509-4226-834D-6F1306F6973B}" type="datetimeFigureOut">
               <a:rPr lang="zh-CN" altLang="en-US" smtClean="0"/>
-              <a:t>2017/3/13</a:t>
+              <a:t>2017/3/15</a:t>
             </a:fld>
             <a:endParaRPr lang="zh-CN" altLang="en-US"/>
           </a:p>
@@ -424,7 +424,7 @@
           <a:p>
             <a:fld id="{A96FB359-0509-4226-834D-6F1306F6973B}" type="datetimeFigureOut">
               <a:rPr lang="zh-CN" altLang="en-US" smtClean="0"/>
-              <a:t>2017/3/13</a:t>
+              <a:t>2017/3/15</a:t>
             </a:fld>
             <a:endParaRPr lang="zh-CN" altLang="en-US"/>
           </a:p>
@@ -604,7 +604,7 @@
           <a:p>
             <a:fld id="{A96FB359-0509-4226-834D-6F1306F6973B}" type="datetimeFigureOut">
               <a:rPr lang="zh-CN" altLang="en-US" smtClean="0"/>
-              <a:t>2017/3/13</a:t>
+              <a:t>2017/3/15</a:t>
             </a:fld>
             <a:endParaRPr lang="zh-CN" altLang="en-US"/>
           </a:p>
@@ -774,7 +774,7 @@
           <a:p>
             <a:fld id="{A96FB359-0509-4226-834D-6F1306F6973B}" type="datetimeFigureOut">
               <a:rPr lang="zh-CN" altLang="en-US" smtClean="0"/>
-              <a:t>2017/3/13</a:t>
+              <a:t>2017/3/15</a:t>
             </a:fld>
             <a:endParaRPr lang="zh-CN" altLang="en-US"/>
           </a:p>
@@ -1020,7 +1020,7 @@
           <a:p>
             <a:fld id="{A96FB359-0509-4226-834D-6F1306F6973B}" type="datetimeFigureOut">
               <a:rPr lang="zh-CN" altLang="en-US" smtClean="0"/>
-              <a:t>2017/3/13</a:t>
+              <a:t>2017/3/15</a:t>
             </a:fld>
             <a:endParaRPr lang="zh-CN" altLang="en-US"/>
           </a:p>
@@ -1252,7 +1252,7 @@
           <a:p>
             <a:fld id="{A96FB359-0509-4226-834D-6F1306F6973B}" type="datetimeFigureOut">
               <a:rPr lang="zh-CN" altLang="en-US" smtClean="0"/>
-              <a:t>2017/3/13</a:t>
+              <a:t>2017/3/15</a:t>
             </a:fld>
             <a:endParaRPr lang="zh-CN" altLang="en-US"/>
           </a:p>
@@ -1619,7 +1619,7 @@
           <a:p>
             <a:fld id="{A96FB359-0509-4226-834D-6F1306F6973B}" type="datetimeFigureOut">
               <a:rPr lang="zh-CN" altLang="en-US" smtClean="0"/>
-              <a:t>2017/3/13</a:t>
+              <a:t>2017/3/15</a:t>
             </a:fld>
             <a:endParaRPr lang="zh-CN" altLang="en-US"/>
           </a:p>
@@ -1737,7 +1737,7 @@
           <a:p>
             <a:fld id="{A96FB359-0509-4226-834D-6F1306F6973B}" type="datetimeFigureOut">
               <a:rPr lang="zh-CN" altLang="en-US" smtClean="0"/>
-              <a:t>2017/3/13</a:t>
+              <a:t>2017/3/15</a:t>
             </a:fld>
             <a:endParaRPr lang="zh-CN" altLang="en-US"/>
           </a:p>
@@ -1832,7 +1832,7 @@
           <a:p>
             <a:fld id="{A96FB359-0509-4226-834D-6F1306F6973B}" type="datetimeFigureOut">
               <a:rPr lang="zh-CN" altLang="en-US" smtClean="0"/>
-              <a:t>2017/3/13</a:t>
+              <a:t>2017/3/15</a:t>
             </a:fld>
             <a:endParaRPr lang="zh-CN" altLang="en-US"/>
           </a:p>
@@ -2109,7 +2109,7 @@
           <a:p>
             <a:fld id="{A96FB359-0509-4226-834D-6F1306F6973B}" type="datetimeFigureOut">
               <a:rPr lang="zh-CN" altLang="en-US" smtClean="0"/>
-              <a:t>2017/3/13</a:t>
+              <a:t>2017/3/15</a:t>
             </a:fld>
             <a:endParaRPr lang="zh-CN" altLang="en-US"/>
           </a:p>
@@ -2362,7 +2362,7 @@
           <a:p>
             <a:fld id="{A96FB359-0509-4226-834D-6F1306F6973B}" type="datetimeFigureOut">
               <a:rPr lang="zh-CN" altLang="en-US" smtClean="0"/>
-              <a:t>2017/3/13</a:t>
+              <a:t>2017/3/15</a:t>
             </a:fld>
             <a:endParaRPr lang="zh-CN" altLang="en-US"/>
           </a:p>
@@ -2575,7 +2575,7 @@
           <a:p>
             <a:fld id="{A96FB359-0509-4226-834D-6F1306F6973B}" type="datetimeFigureOut">
               <a:rPr lang="zh-CN" altLang="en-US" smtClean="0"/>
-              <a:t>2017/3/13</a:t>
+              <a:t>2017/3/15</a:t>
             </a:fld>
             <a:endParaRPr lang="zh-CN" altLang="en-US"/>
           </a:p>
@@ -3014,7 +3014,7 @@
           <a:lstStyle/>
           <a:p>
             <a:r>
-              <a:rPr lang="en-US" altLang="zh-CN" dirty="0" smtClean="0"/>
+              <a:rPr lang="en-US" altLang="zh-CN" smtClean="0"/>
               <a:t>col</a:t>
             </a:r>
             <a:endParaRPr lang="zh-CN" altLang="en-US" dirty="0"/>
@@ -3056,7 +3056,15 @@
           <a:p>
             <a:r>
               <a:rPr lang="en-US" altLang="zh-CN" dirty="0" smtClean="0"/>
-              <a:t>model</a:t>
+              <a:t>Model : </a:t>
+            </a:r>
+            <a:r>
+              <a:rPr lang="en-US" altLang="zh-CN" dirty="0" err="1" smtClean="0"/>
+              <a:t>m’id</a:t>
+            </a:r>
+            <a:r>
+              <a:rPr lang="en-US" altLang="zh-CN" dirty="0" smtClean="0"/>
+              <a:t> did name </a:t>
             </a:r>
             <a:endParaRPr lang="zh-CN" altLang="en-US" dirty="0"/>
           </a:p>
@@ -3142,51 +3150,7 @@
             <a:pPr algn="ctr"/>
             <a:r>
               <a:rPr lang="en-US" altLang="zh-CN" dirty="0" smtClean="0"/>
-              <a:t>csv</a:t>
-            </a:r>
-            <a:endParaRPr lang="zh-CN" altLang="en-US" dirty="0"/>
-          </a:p>
-        </p:txBody>
-      </p:sp>
-      <p:sp>
-        <p:nvSpPr>
-          <p:cNvPr id="10" name="矩形 9"/>
-          <p:cNvSpPr/>
-          <p:nvPr/>
-        </p:nvSpPr>
-        <p:spPr>
-          <a:xfrm>
-            <a:off x="2321520" y="2215847"/>
-            <a:ext cx="1317812" cy="605117"/>
-          </a:xfrm>
-          <a:prstGeom prst="rect">
-            <a:avLst/>
-          </a:prstGeom>
-        </p:spPr>
-        <p:style>
-          <a:lnRef idx="2">
-            <a:schemeClr val="accent1">
-              <a:shade val="50000"/>
-            </a:schemeClr>
-          </a:lnRef>
-          <a:fillRef idx="1">
-            <a:schemeClr val="accent1"/>
-          </a:fillRef>
-          <a:effectRef idx="0">
-            <a:schemeClr val="accent1"/>
-          </a:effectRef>
-          <a:fontRef idx="minor">
-            <a:schemeClr val="lt1"/>
-          </a:fontRef>
-        </p:style>
-        <p:txBody>
-          <a:bodyPr rtlCol="0" anchor="ctr"/>
-          <a:lstStyle/>
-          <a:p>
-            <a:pPr algn="ctr"/>
-            <a:r>
-              <a:rPr lang="en-US" altLang="zh-CN" dirty="0" smtClean="0"/>
-              <a:t>name</a:t>
+              <a:t>Csv [name]</a:t>
             </a:r>
             <a:endParaRPr lang="zh-CN" altLang="en-US" dirty="0"/>
           </a:p>
@@ -3200,7 +3164,7 @@
         </p:nvSpPr>
         <p:spPr>
           <a:xfrm>
-            <a:off x="2321520" y="2952517"/>
+            <a:off x="2321520" y="2209832"/>
             <a:ext cx="1317812" cy="605117"/>
           </a:xfrm>
           <a:prstGeom prst="rect">
@@ -3376,7 +3340,178 @@
         </p:nvSpPr>
         <p:spPr>
           <a:xfrm>
-            <a:off x="3923180" y="533696"/>
+            <a:off x="1113305" y="4365433"/>
+            <a:ext cx="1317812" cy="1451689"/>
+          </a:xfrm>
+          <a:prstGeom prst="rect">
+            <a:avLst/>
+          </a:prstGeom>
+        </p:spPr>
+        <p:style>
+          <a:lnRef idx="2">
+            <a:schemeClr val="accent1">
+              <a:shade val="50000"/>
+            </a:schemeClr>
+          </a:lnRef>
+          <a:fillRef idx="1">
+            <a:schemeClr val="accent1"/>
+          </a:fillRef>
+          <a:effectRef idx="0">
+            <a:schemeClr val="accent1"/>
+          </a:effectRef>
+          <a:fontRef idx="minor">
+            <a:schemeClr val="lt1"/>
+          </a:fontRef>
+        </p:style>
+        <p:txBody>
+          <a:bodyPr rtlCol="0" anchor="ctr"/>
+          <a:lstStyle/>
+          <a:p>
+            <a:pPr algn="ctr"/>
+            <a:r>
+              <a:rPr lang="en-US" altLang="zh-CN" dirty="0" smtClean="0"/>
+              <a:t>Decks</a:t>
+            </a:r>
+          </a:p>
+          <a:p>
+            <a:pPr algn="ctr"/>
+            <a:r>
+              <a:rPr lang="en-US" altLang="zh-CN" dirty="0" smtClean="0"/>
+              <a:t>[{did: id, name}]</a:t>
+            </a:r>
+            <a:endParaRPr lang="zh-CN" altLang="en-US" dirty="0"/>
+          </a:p>
+        </p:txBody>
+      </p:sp>
+      <p:sp>
+        <p:nvSpPr>
+          <p:cNvPr id="15" name="矩形 14"/>
+          <p:cNvSpPr/>
+          <p:nvPr/>
+        </p:nvSpPr>
+        <p:spPr>
+          <a:xfrm>
+            <a:off x="3923179" y="1371896"/>
+            <a:ext cx="1896595" cy="1687902"/>
+          </a:xfrm>
+          <a:prstGeom prst="rect">
+            <a:avLst/>
+          </a:prstGeom>
+        </p:spPr>
+        <p:style>
+          <a:lnRef idx="2">
+            <a:schemeClr val="accent1">
+              <a:shade val="50000"/>
+            </a:schemeClr>
+          </a:lnRef>
+          <a:fillRef idx="1">
+            <a:schemeClr val="accent1"/>
+          </a:fillRef>
+          <a:effectRef idx="0">
+            <a:schemeClr val="accent1"/>
+          </a:effectRef>
+          <a:fontRef idx="minor">
+            <a:schemeClr val="lt1"/>
+          </a:fontRef>
+        </p:style>
+        <p:txBody>
+          <a:bodyPr rtlCol="0" anchor="ctr"/>
+          <a:lstStyle/>
+          <a:p>
+            <a:pPr algn="ctr"/>
+            <a:r>
+              <a:rPr lang="en-US" altLang="zh-CN" dirty="0" err="1" smtClean="0"/>
+              <a:t>Conf</a:t>
+            </a:r>
+            <a:endParaRPr lang="en-US" altLang="zh-CN" dirty="0" smtClean="0"/>
+          </a:p>
+          <a:p>
+            <a:pPr algn="ctr"/>
+            <a:r>
+              <a:rPr lang="en-US" altLang="zh-CN" dirty="0" err="1" smtClean="0"/>
+              <a:t>activeDecks:did</a:t>
+            </a:r>
+            <a:endParaRPr lang="en-US" altLang="zh-CN" dirty="0"/>
+          </a:p>
+          <a:p>
+            <a:pPr algn="ctr"/>
+            <a:r>
+              <a:rPr lang="en-US" altLang="zh-CN" dirty="0" err="1" smtClean="0"/>
+              <a:t>curDeck:did</a:t>
+            </a:r>
+            <a:endParaRPr lang="en-US" altLang="zh-CN" dirty="0" smtClean="0"/>
+          </a:p>
+          <a:p>
+            <a:pPr algn="ctr"/>
+            <a:r>
+              <a:rPr lang="en-US" altLang="zh-CN" dirty="0" err="1" smtClean="0"/>
+              <a:t>curModel:mid</a:t>
+            </a:r>
+            <a:endParaRPr lang="zh-CN" altLang="en-US" dirty="0"/>
+          </a:p>
+        </p:txBody>
+      </p:sp>
+      <p:sp>
+        <p:nvSpPr>
+          <p:cNvPr id="16" name="矩形 15"/>
+          <p:cNvSpPr/>
+          <p:nvPr/>
+        </p:nvSpPr>
+        <p:spPr>
+          <a:xfrm>
+            <a:off x="3907893" y="3308716"/>
+            <a:ext cx="1317812" cy="1056717"/>
+          </a:xfrm>
+          <a:prstGeom prst="rect">
+            <a:avLst/>
+          </a:prstGeom>
+        </p:spPr>
+        <p:style>
+          <a:lnRef idx="2">
+            <a:schemeClr val="accent1">
+              <a:shade val="50000"/>
+            </a:schemeClr>
+          </a:lnRef>
+          <a:fillRef idx="1">
+            <a:schemeClr val="accent1"/>
+          </a:fillRef>
+          <a:effectRef idx="0">
+            <a:schemeClr val="accent1"/>
+          </a:effectRef>
+          <a:fontRef idx="minor">
+            <a:schemeClr val="lt1"/>
+          </a:fontRef>
+        </p:style>
+        <p:txBody>
+          <a:bodyPr rtlCol="0" anchor="ctr"/>
+          <a:lstStyle/>
+          <a:p>
+            <a:pPr algn="ctr"/>
+            <a:r>
+              <a:rPr lang="en-US" altLang="zh-CN" dirty="0" err="1" smtClean="0"/>
+              <a:t>Dconf</a:t>
+            </a:r>
+            <a:endParaRPr lang="en-US" altLang="zh-CN" dirty="0" smtClean="0"/>
+          </a:p>
+          <a:p>
+            <a:pPr algn="ctr"/>
+            <a:r>
+              <a:rPr lang="en-US" altLang="zh-CN" dirty="0" smtClean="0"/>
+              <a:t>[{did: name}]</a:t>
+            </a:r>
+            <a:endParaRPr lang="zh-CN" altLang="en-US" dirty="0"/>
+          </a:p>
+        </p:txBody>
+      </p:sp>
+      <p:sp>
+        <p:nvSpPr>
+          <p:cNvPr id="17" name="矩形 16"/>
+          <p:cNvSpPr/>
+          <p:nvPr/>
+        </p:nvSpPr>
+        <p:spPr>
+          <a:xfrm>
+            <a:off x="3907893" y="4600342"/>
             <a:ext cx="1317812" cy="605117"/>
           </a:xfrm>
           <a:prstGeom prst="rect">
@@ -3406,7 +3541,7 @@
             <a:pPr algn="ctr"/>
             <a:r>
               <a:rPr lang="en-US" altLang="zh-CN" dirty="0" smtClean="0"/>
-              <a:t>decks</a:t>
+              <a:t>tags</a:t>
             </a:r>
             <a:endParaRPr lang="zh-CN" altLang="en-US" dirty="0"/>
           </a:p>
@@ -3414,136 +3549,118 @@
       </p:sp>
       <p:sp>
         <p:nvSpPr>
-          <p:cNvPr id="15" name="矩形 14"/>
+          <p:cNvPr id="2" name="椭圆 1"/>
           <p:cNvSpPr/>
           <p:nvPr/>
         </p:nvSpPr>
         <p:spPr>
           <a:xfrm>
-            <a:off x="3923180" y="1371896"/>
-            <a:ext cx="1317812" cy="605117"/>
+            <a:off x="2321521" y="3059798"/>
+            <a:ext cx="1317812" cy="497836"/>
           </a:xfrm>
-          <a:prstGeom prst="rect">
+          <a:prstGeom prst="ellipse">
             <a:avLst/>
           </a:prstGeom>
         </p:spPr>
         <p:style>
           <a:lnRef idx="2">
-            <a:schemeClr val="accent1">
-              <a:shade val="50000"/>
-            </a:schemeClr>
+            <a:schemeClr val="accent4"/>
           </a:lnRef>
           <a:fillRef idx="1">
+            <a:schemeClr val="lt1"/>
+          </a:fillRef>
+          <a:effectRef idx="0">
+            <a:schemeClr val="accent4"/>
+          </a:effectRef>
+          <a:fontRef idx="minor">
+            <a:schemeClr val="dk1"/>
+          </a:fontRef>
+        </p:style>
+        <p:txBody>
+          <a:bodyPr rtlCol="0" anchor="ctr"/>
+          <a:lstStyle/>
+          <a:p>
+            <a:pPr algn="ctr"/>
+            <a:r>
+              <a:rPr lang="en-US" altLang="zh-CN" dirty="0" smtClean="0"/>
+              <a:t>type</a:t>
+            </a:r>
+            <a:endParaRPr lang="zh-CN" altLang="en-US" dirty="0"/>
+          </a:p>
+        </p:txBody>
+      </p:sp>
+      <p:cxnSp>
+        <p:nvCxnSpPr>
+          <p:cNvPr id="13" name="直接箭头连接符 12"/>
+          <p:cNvCxnSpPr>
+            <a:stCxn id="8" idx="3"/>
+            <a:endCxn id="2" idx="2"/>
+          </p:cNvCxnSpPr>
+          <p:nvPr/>
+        </p:nvCxnSpPr>
+        <p:spPr>
+          <a:xfrm>
+            <a:off x="2043953" y="3255076"/>
+            <a:ext cx="277568" cy="53640"/>
+          </a:xfrm>
+          <a:prstGeom prst="straightConnector1">
+            <a:avLst/>
+          </a:prstGeom>
+          <a:ln>
+            <a:tailEnd type="triangle"/>
+          </a:ln>
+        </p:spPr>
+        <p:style>
+          <a:lnRef idx="1">
+            <a:schemeClr val="accent1"/>
+          </a:lnRef>
+          <a:fillRef idx="0">
             <a:schemeClr val="accent1"/>
           </a:fillRef>
           <a:effectRef idx="0">
             <a:schemeClr val="accent1"/>
           </a:effectRef>
           <a:fontRef idx="minor">
-            <a:schemeClr val="lt1"/>
+            <a:schemeClr val="tx1"/>
           </a:fontRef>
         </p:style>
-        <p:txBody>
-          <a:bodyPr rtlCol="0" anchor="ctr"/>
-          <a:lstStyle/>
-          <a:p>
-            <a:pPr algn="ctr"/>
-            <a:r>
-              <a:rPr lang="en-US" altLang="zh-CN" dirty="0" err="1" smtClean="0"/>
-              <a:t>conf</a:t>
-            </a:r>
-            <a:endParaRPr lang="zh-CN" altLang="en-US" dirty="0"/>
-          </a:p>
-        </p:txBody>
-      </p:sp>
-      <p:sp>
-        <p:nvSpPr>
-          <p:cNvPr id="16" name="矩形 15"/>
-          <p:cNvSpPr/>
+      </p:cxnSp>
+      <p:cxnSp>
+        <p:nvCxnSpPr>
+          <p:cNvPr id="19" name="直接箭头连接符 18"/>
+          <p:cNvCxnSpPr>
+            <a:stCxn id="7" idx="3"/>
+            <a:endCxn id="2" idx="1"/>
+          </p:cNvCxnSpPr>
           <p:nvPr/>
-        </p:nvSpPr>
+        </p:nvCxnSpPr>
         <p:spPr>
           <a:xfrm>
-            <a:off x="3923180" y="2215847"/>
-            <a:ext cx="1317812" cy="605117"/>
+            <a:off x="2043953" y="2518406"/>
+            <a:ext cx="470557" cy="614298"/>
           </a:xfrm>
-          <a:prstGeom prst="rect">
+          <a:prstGeom prst="straightConnector1">
             <a:avLst/>
           </a:prstGeom>
+          <a:ln>
+            <a:tailEnd type="triangle"/>
+          </a:ln>
         </p:spPr>
         <p:style>
-          <a:lnRef idx="2">
-            <a:schemeClr val="accent1">
-              <a:shade val="50000"/>
-            </a:schemeClr>
+          <a:lnRef idx="1">
+            <a:schemeClr val="accent1"/>
           </a:lnRef>
-          <a:fillRef idx="1">
+          <a:fillRef idx="0">
             <a:schemeClr val="accent1"/>
           </a:fillRef>
           <a:effectRef idx="0">
             <a:schemeClr val="accent1"/>
           </a:effectRef>
           <a:fontRef idx="minor">
-            <a:schemeClr val="lt1"/>
+            <a:schemeClr val="tx1"/>
           </a:fontRef>
         </p:style>
-        <p:txBody>
-          <a:bodyPr rtlCol="0" anchor="ctr"/>
-          <a:lstStyle/>
-          <a:p>
-            <a:pPr algn="ctr"/>
-            <a:r>
-              <a:rPr lang="en-US" altLang="zh-CN" dirty="0" err="1" smtClean="0"/>
-              <a:t>dconf</a:t>
-            </a:r>
-            <a:endParaRPr lang="zh-CN" altLang="en-US" dirty="0"/>
-          </a:p>
-        </p:txBody>
-      </p:sp>
-      <p:sp>
-        <p:nvSpPr>
-          <p:cNvPr id="17" name="矩形 16"/>
-          <p:cNvSpPr/>
-          <p:nvPr/>
-        </p:nvSpPr>
-        <p:spPr>
-          <a:xfrm>
-            <a:off x="3923180" y="3059798"/>
-            <a:ext cx="1317812" cy="605117"/>
-          </a:xfrm>
-          <a:prstGeom prst="rect">
-            <a:avLst/>
-          </a:prstGeom>
-        </p:spPr>
-        <p:style>
-          <a:lnRef idx="2">
-            <a:schemeClr val="accent1">
-              <a:shade val="50000"/>
-            </a:schemeClr>
-          </a:lnRef>
-          <a:fillRef idx="1">
-            <a:schemeClr val="accent1"/>
-          </a:fillRef>
-          <a:effectRef idx="0">
-            <a:schemeClr val="accent1"/>
-          </a:effectRef>
-          <a:fontRef idx="minor">
-            <a:schemeClr val="lt1"/>
-          </a:fontRef>
-        </p:style>
-        <p:txBody>
-          <a:bodyPr rtlCol="0" anchor="ctr"/>
-          <a:lstStyle/>
-          <a:p>
-            <a:pPr algn="ctr"/>
-            <a:r>
-              <a:rPr lang="en-US" altLang="zh-CN" dirty="0" smtClean="0"/>
-              <a:t>tags</a:t>
-            </a:r>
-            <a:endParaRPr lang="zh-CN" altLang="en-US" dirty="0"/>
-          </a:p>
-        </p:txBody>
-      </p:sp>
+      </p:cxnSp>
     </p:spTree>
     <p:extLst>
       <p:ext uri="{BB962C8B-B14F-4D97-AF65-F5344CB8AC3E}">

--- a/csv2anki/design.pptx
+++ b/csv2anki/design.pptx
@@ -254,7 +254,7 @@
           <a:p>
             <a:fld id="{A96FB359-0509-4226-834D-6F1306F6973B}" type="datetimeFigureOut">
               <a:rPr lang="zh-CN" altLang="en-US" smtClean="0"/>
-              <a:t>2017/3/15</a:t>
+              <a:t>2017/3/16</a:t>
             </a:fld>
             <a:endParaRPr lang="zh-CN" altLang="en-US"/>
           </a:p>
@@ -424,7 +424,7 @@
           <a:p>
             <a:fld id="{A96FB359-0509-4226-834D-6F1306F6973B}" type="datetimeFigureOut">
               <a:rPr lang="zh-CN" altLang="en-US" smtClean="0"/>
-              <a:t>2017/3/15</a:t>
+              <a:t>2017/3/16</a:t>
             </a:fld>
             <a:endParaRPr lang="zh-CN" altLang="en-US"/>
           </a:p>
@@ -604,7 +604,7 @@
           <a:p>
             <a:fld id="{A96FB359-0509-4226-834D-6F1306F6973B}" type="datetimeFigureOut">
               <a:rPr lang="zh-CN" altLang="en-US" smtClean="0"/>
-              <a:t>2017/3/15</a:t>
+              <a:t>2017/3/16</a:t>
             </a:fld>
             <a:endParaRPr lang="zh-CN" altLang="en-US"/>
           </a:p>
@@ -774,7 +774,7 @@
           <a:p>
             <a:fld id="{A96FB359-0509-4226-834D-6F1306F6973B}" type="datetimeFigureOut">
               <a:rPr lang="zh-CN" altLang="en-US" smtClean="0"/>
-              <a:t>2017/3/15</a:t>
+              <a:t>2017/3/16</a:t>
             </a:fld>
             <a:endParaRPr lang="zh-CN" altLang="en-US"/>
           </a:p>
@@ -1020,7 +1020,7 @@
           <a:p>
             <a:fld id="{A96FB359-0509-4226-834D-6F1306F6973B}" type="datetimeFigureOut">
               <a:rPr lang="zh-CN" altLang="en-US" smtClean="0"/>
-              <a:t>2017/3/15</a:t>
+              <a:t>2017/3/16</a:t>
             </a:fld>
             <a:endParaRPr lang="zh-CN" altLang="en-US"/>
           </a:p>
@@ -1252,7 +1252,7 @@
           <a:p>
             <a:fld id="{A96FB359-0509-4226-834D-6F1306F6973B}" type="datetimeFigureOut">
               <a:rPr lang="zh-CN" altLang="en-US" smtClean="0"/>
-              <a:t>2017/3/15</a:t>
+              <a:t>2017/3/16</a:t>
             </a:fld>
             <a:endParaRPr lang="zh-CN" altLang="en-US"/>
           </a:p>
@@ -1619,7 +1619,7 @@
           <a:p>
             <a:fld id="{A96FB359-0509-4226-834D-6F1306F6973B}" type="datetimeFigureOut">
               <a:rPr lang="zh-CN" altLang="en-US" smtClean="0"/>
-              <a:t>2017/3/15</a:t>
+              <a:t>2017/3/16</a:t>
             </a:fld>
             <a:endParaRPr lang="zh-CN" altLang="en-US"/>
           </a:p>
@@ -1737,7 +1737,7 @@
           <a:p>
             <a:fld id="{A96FB359-0509-4226-834D-6F1306F6973B}" type="datetimeFigureOut">
               <a:rPr lang="zh-CN" altLang="en-US" smtClean="0"/>
-              <a:t>2017/3/15</a:t>
+              <a:t>2017/3/16</a:t>
             </a:fld>
             <a:endParaRPr lang="zh-CN" altLang="en-US"/>
           </a:p>
@@ -1832,7 +1832,7 @@
           <a:p>
             <a:fld id="{A96FB359-0509-4226-834D-6F1306F6973B}" type="datetimeFigureOut">
               <a:rPr lang="zh-CN" altLang="en-US" smtClean="0"/>
-              <a:t>2017/3/15</a:t>
+              <a:t>2017/3/16</a:t>
             </a:fld>
             <a:endParaRPr lang="zh-CN" altLang="en-US"/>
           </a:p>
@@ -2109,7 +2109,7 @@
           <a:p>
             <a:fld id="{A96FB359-0509-4226-834D-6F1306F6973B}" type="datetimeFigureOut">
               <a:rPr lang="zh-CN" altLang="en-US" smtClean="0"/>
-              <a:t>2017/3/15</a:t>
+              <a:t>2017/3/16</a:t>
             </a:fld>
             <a:endParaRPr lang="zh-CN" altLang="en-US"/>
           </a:p>
@@ -2362,7 +2362,7 @@
           <a:p>
             <a:fld id="{A96FB359-0509-4226-834D-6F1306F6973B}" type="datetimeFigureOut">
               <a:rPr lang="zh-CN" altLang="en-US" smtClean="0"/>
-              <a:t>2017/3/15</a:t>
+              <a:t>2017/3/16</a:t>
             </a:fld>
             <a:endParaRPr lang="zh-CN" altLang="en-US"/>
           </a:p>
@@ -2575,7 +2575,7 @@
           <a:p>
             <a:fld id="{A96FB359-0509-4226-834D-6F1306F6973B}" type="datetimeFigureOut">
               <a:rPr lang="zh-CN" altLang="en-US" smtClean="0"/>
-              <a:t>2017/3/15</a:t>
+              <a:t>2017/3/16</a:t>
             </a:fld>
             <a:endParaRPr lang="zh-CN" altLang="en-US"/>
           </a:p>
@@ -2988,8 +2988,8 @@
         </p:nvSpPr>
         <p:spPr>
           <a:xfrm>
-            <a:off x="150878" y="160983"/>
-            <a:ext cx="5945122" cy="6793302"/>
+            <a:off x="192201" y="160983"/>
+            <a:ext cx="5903799" cy="4955303"/>
           </a:xfrm>
           <a:prstGeom prst="rect">
             <a:avLst/>
@@ -3340,8 +3340,59 @@
         </p:nvSpPr>
         <p:spPr>
           <a:xfrm>
-            <a:off x="1113305" y="4365433"/>
-            <a:ext cx="1317812" cy="1451689"/>
+            <a:off x="496019" y="4064841"/>
+            <a:ext cx="3269158" cy="713051"/>
+          </a:xfrm>
+          <a:prstGeom prst="rect">
+            <a:avLst/>
+          </a:prstGeom>
+        </p:spPr>
+        <p:style>
+          <a:lnRef idx="2">
+            <a:schemeClr val="accent4">
+              <a:shade val="50000"/>
+            </a:schemeClr>
+          </a:lnRef>
+          <a:fillRef idx="1">
+            <a:schemeClr val="accent4"/>
+          </a:fillRef>
+          <a:effectRef idx="0">
+            <a:schemeClr val="accent4"/>
+          </a:effectRef>
+          <a:fontRef idx="minor">
+            <a:schemeClr val="lt1"/>
+          </a:fontRef>
+        </p:style>
+        <p:txBody>
+          <a:bodyPr rtlCol="0" anchor="ctr"/>
+          <a:lstStyle/>
+          <a:p>
+            <a:pPr algn="ctr"/>
+            <a:r>
+              <a:rPr lang="en-US" altLang="zh-CN" dirty="0" smtClean="0"/>
+              <a:t>Decks</a:t>
+            </a:r>
+          </a:p>
+          <a:p>
+            <a:pPr algn="ctr"/>
+            <a:r>
+              <a:rPr lang="en-US" altLang="zh-CN" dirty="0" smtClean="0"/>
+              <a:t>[{did: id, name}]</a:t>
+            </a:r>
+            <a:endParaRPr lang="zh-CN" altLang="en-US" dirty="0"/>
+          </a:p>
+        </p:txBody>
+      </p:sp>
+      <p:sp>
+        <p:nvSpPr>
+          <p:cNvPr id="15" name="矩形 14"/>
+          <p:cNvSpPr/>
+          <p:nvPr/>
+        </p:nvSpPr>
+        <p:spPr>
+          <a:xfrm>
+            <a:off x="3995309" y="541059"/>
+            <a:ext cx="1896595" cy="1328969"/>
           </a:xfrm>
           <a:prstGeom prst="rect">
             <a:avLst/>
@@ -3369,15 +3420,32 @@
           <a:p>
             <a:pPr algn="ctr"/>
             <a:r>
-              <a:rPr lang="en-US" altLang="zh-CN" dirty="0" smtClean="0"/>
-              <a:t>Decks</a:t>
-            </a:r>
+              <a:rPr lang="en-US" altLang="zh-CN" dirty="0" err="1" smtClean="0"/>
+              <a:t>Conf</a:t>
+            </a:r>
+            <a:endParaRPr lang="en-US" altLang="zh-CN" dirty="0" smtClean="0"/>
           </a:p>
           <a:p>
             <a:pPr algn="ctr"/>
             <a:r>
-              <a:rPr lang="en-US" altLang="zh-CN" dirty="0" smtClean="0"/>
-              <a:t>[{did: id, name}]</a:t>
+              <a:rPr lang="en-US" altLang="zh-CN" dirty="0" err="1" smtClean="0"/>
+              <a:t>activeDecks:did</a:t>
+            </a:r>
+            <a:endParaRPr lang="en-US" altLang="zh-CN" dirty="0"/>
+          </a:p>
+          <a:p>
+            <a:pPr algn="ctr"/>
+            <a:r>
+              <a:rPr lang="en-US" altLang="zh-CN" dirty="0" err="1" smtClean="0"/>
+              <a:t>curDeck:did</a:t>
+            </a:r>
+            <a:endParaRPr lang="en-US" altLang="zh-CN" dirty="0" smtClean="0"/>
+          </a:p>
+          <a:p>
+            <a:pPr algn="ctr"/>
+            <a:r>
+              <a:rPr lang="en-US" altLang="zh-CN" dirty="0" err="1" smtClean="0"/>
+              <a:t>curModel:mid</a:t>
             </a:r>
             <a:endParaRPr lang="zh-CN" altLang="en-US" dirty="0"/>
           </a:p>
@@ -3385,14 +3453,14 @@
       </p:sp>
       <p:sp>
         <p:nvSpPr>
-          <p:cNvPr id="15" name="矩形 14"/>
+          <p:cNvPr id="16" name="矩形 15"/>
           <p:cNvSpPr/>
           <p:nvPr/>
         </p:nvSpPr>
         <p:spPr>
           <a:xfrm>
-            <a:off x="3923179" y="1371896"/>
-            <a:ext cx="1896595" cy="1687902"/>
+            <a:off x="3980022" y="1970456"/>
+            <a:ext cx="1911881" cy="1056717"/>
           </a:xfrm>
           <a:prstGeom prst="rect">
             <a:avLst/>
@@ -3421,74 +3489,6 @@
             <a:pPr algn="ctr"/>
             <a:r>
               <a:rPr lang="en-US" altLang="zh-CN" dirty="0" err="1" smtClean="0"/>
-              <a:t>Conf</a:t>
-            </a:r>
-            <a:endParaRPr lang="en-US" altLang="zh-CN" dirty="0" smtClean="0"/>
-          </a:p>
-          <a:p>
-            <a:pPr algn="ctr"/>
-            <a:r>
-              <a:rPr lang="en-US" altLang="zh-CN" dirty="0" err="1" smtClean="0"/>
-              <a:t>activeDecks:did</a:t>
-            </a:r>
-            <a:endParaRPr lang="en-US" altLang="zh-CN" dirty="0"/>
-          </a:p>
-          <a:p>
-            <a:pPr algn="ctr"/>
-            <a:r>
-              <a:rPr lang="en-US" altLang="zh-CN" dirty="0" err="1" smtClean="0"/>
-              <a:t>curDeck:did</a:t>
-            </a:r>
-            <a:endParaRPr lang="en-US" altLang="zh-CN" dirty="0" smtClean="0"/>
-          </a:p>
-          <a:p>
-            <a:pPr algn="ctr"/>
-            <a:r>
-              <a:rPr lang="en-US" altLang="zh-CN" dirty="0" err="1" smtClean="0"/>
-              <a:t>curModel:mid</a:t>
-            </a:r>
-            <a:endParaRPr lang="zh-CN" altLang="en-US" dirty="0"/>
-          </a:p>
-        </p:txBody>
-      </p:sp>
-      <p:sp>
-        <p:nvSpPr>
-          <p:cNvPr id="16" name="矩形 15"/>
-          <p:cNvSpPr/>
-          <p:nvPr/>
-        </p:nvSpPr>
-        <p:spPr>
-          <a:xfrm>
-            <a:off x="3907893" y="3308716"/>
-            <a:ext cx="1317812" cy="1056717"/>
-          </a:xfrm>
-          <a:prstGeom prst="rect">
-            <a:avLst/>
-          </a:prstGeom>
-        </p:spPr>
-        <p:style>
-          <a:lnRef idx="2">
-            <a:schemeClr val="accent1">
-              <a:shade val="50000"/>
-            </a:schemeClr>
-          </a:lnRef>
-          <a:fillRef idx="1">
-            <a:schemeClr val="accent1"/>
-          </a:fillRef>
-          <a:effectRef idx="0">
-            <a:schemeClr val="accent1"/>
-          </a:effectRef>
-          <a:fontRef idx="minor">
-            <a:schemeClr val="lt1"/>
-          </a:fontRef>
-        </p:style>
-        <p:txBody>
-          <a:bodyPr rtlCol="0" anchor="ctr"/>
-          <a:lstStyle/>
-          <a:p>
-            <a:pPr algn="ctr"/>
-            <a:r>
-              <a:rPr lang="en-US" altLang="zh-CN" dirty="0" err="1" smtClean="0"/>
               <a:t>Dconf</a:t>
             </a:r>
             <a:endParaRPr lang="en-US" altLang="zh-CN" dirty="0" smtClean="0"/>
@@ -3511,8 +3511,8 @@
         </p:nvSpPr>
         <p:spPr>
           <a:xfrm>
-            <a:off x="3907893" y="4600342"/>
-            <a:ext cx="1317812" cy="605117"/>
+            <a:off x="3980023" y="3127601"/>
+            <a:ext cx="1911880" cy="605117"/>
           </a:xfrm>
           <a:prstGeom prst="rect">
             <a:avLst/>
@@ -3661,6 +3661,475 @@
           </a:fontRef>
         </p:style>
       </p:cxnSp>
+      <p:sp>
+        <p:nvSpPr>
+          <p:cNvPr id="3" name="椭圆 2"/>
+          <p:cNvSpPr/>
+          <p:nvPr/>
+        </p:nvSpPr>
+        <p:spPr>
+          <a:xfrm>
+            <a:off x="3980022" y="4064841"/>
+            <a:ext cx="1911881" cy="713051"/>
+          </a:xfrm>
+          <a:prstGeom prst="ellipse">
+            <a:avLst/>
+          </a:prstGeom>
+        </p:spPr>
+        <p:style>
+          <a:lnRef idx="2">
+            <a:schemeClr val="accent1">
+              <a:shade val="50000"/>
+            </a:schemeClr>
+          </a:lnRef>
+          <a:fillRef idx="1">
+            <a:schemeClr val="accent1"/>
+          </a:fillRef>
+          <a:effectRef idx="0">
+            <a:schemeClr val="accent1"/>
+          </a:effectRef>
+          <a:fontRef idx="minor">
+            <a:schemeClr val="lt1"/>
+          </a:fontRef>
+        </p:style>
+        <p:txBody>
+          <a:bodyPr rtlCol="0" anchor="ctr"/>
+          <a:lstStyle/>
+          <a:p>
+            <a:pPr algn="ctr"/>
+            <a:r>
+              <a:rPr lang="en-US" altLang="zh-CN" dirty="0" smtClean="0"/>
+              <a:t>cards</a:t>
+            </a:r>
+            <a:endParaRPr lang="zh-CN" altLang="en-US" dirty="0"/>
+          </a:p>
+        </p:txBody>
+      </p:sp>
+      <p:cxnSp>
+        <p:nvCxnSpPr>
+          <p:cNvPr id="18" name="直接箭头连接符 17"/>
+          <p:cNvCxnSpPr>
+            <a:stCxn id="7" idx="3"/>
+            <a:endCxn id="3" idx="1"/>
+          </p:cNvCxnSpPr>
+          <p:nvPr/>
+        </p:nvCxnSpPr>
+        <p:spPr>
+          <a:xfrm>
+            <a:off x="2043953" y="2518406"/>
+            <a:ext cx="2216057" cy="1650859"/>
+          </a:xfrm>
+          <a:prstGeom prst="straightConnector1">
+            <a:avLst/>
+          </a:prstGeom>
+          <a:ln>
+            <a:tailEnd type="triangle"/>
+          </a:ln>
+        </p:spPr>
+        <p:style>
+          <a:lnRef idx="1">
+            <a:schemeClr val="accent1"/>
+          </a:lnRef>
+          <a:fillRef idx="0">
+            <a:schemeClr val="accent1"/>
+          </a:fillRef>
+          <a:effectRef idx="0">
+            <a:schemeClr val="accent1"/>
+          </a:effectRef>
+          <a:fontRef idx="minor">
+            <a:schemeClr val="tx1"/>
+          </a:fontRef>
+        </p:style>
+      </p:cxnSp>
+      <p:cxnSp>
+        <p:nvCxnSpPr>
+          <p:cNvPr id="21" name="直接箭头连接符 20"/>
+          <p:cNvCxnSpPr>
+            <a:stCxn id="2" idx="4"/>
+            <a:endCxn id="3" idx="1"/>
+          </p:cNvCxnSpPr>
+          <p:nvPr/>
+        </p:nvCxnSpPr>
+        <p:spPr>
+          <a:xfrm>
+            <a:off x="2980427" y="3557634"/>
+            <a:ext cx="1279583" cy="611631"/>
+          </a:xfrm>
+          <a:prstGeom prst="straightConnector1">
+            <a:avLst/>
+          </a:prstGeom>
+          <a:ln>
+            <a:tailEnd type="triangle"/>
+          </a:ln>
+        </p:spPr>
+        <p:style>
+          <a:lnRef idx="1">
+            <a:schemeClr val="accent1"/>
+          </a:lnRef>
+          <a:fillRef idx="0">
+            <a:schemeClr val="accent1"/>
+          </a:fillRef>
+          <a:effectRef idx="0">
+            <a:schemeClr val="accent1"/>
+          </a:effectRef>
+          <a:fontRef idx="minor">
+            <a:schemeClr val="tx1"/>
+          </a:fontRef>
+        </p:style>
+      </p:cxnSp>
+      <p:cxnSp>
+        <p:nvCxnSpPr>
+          <p:cNvPr id="24" name="直接箭头连接符 23"/>
+          <p:cNvCxnSpPr>
+            <a:stCxn id="14" idx="3"/>
+            <a:endCxn id="3" idx="2"/>
+          </p:cNvCxnSpPr>
+          <p:nvPr/>
+        </p:nvCxnSpPr>
+        <p:spPr>
+          <a:xfrm>
+            <a:off x="3765177" y="4421367"/>
+            <a:ext cx="214845" cy="0"/>
+          </a:xfrm>
+          <a:prstGeom prst="straightConnector1">
+            <a:avLst/>
+          </a:prstGeom>
+          <a:ln>
+            <a:tailEnd type="triangle"/>
+          </a:ln>
+        </p:spPr>
+        <p:style>
+          <a:lnRef idx="1">
+            <a:schemeClr val="accent1"/>
+          </a:lnRef>
+          <a:fillRef idx="0">
+            <a:schemeClr val="accent1"/>
+          </a:fillRef>
+          <a:effectRef idx="0">
+            <a:schemeClr val="accent1"/>
+          </a:effectRef>
+          <a:fontRef idx="minor">
+            <a:schemeClr val="tx1"/>
+          </a:fontRef>
+        </p:style>
+      </p:cxnSp>
+      <p:sp>
+        <p:nvSpPr>
+          <p:cNvPr id="26" name="矩形 25"/>
+          <p:cNvSpPr/>
+          <p:nvPr/>
+        </p:nvSpPr>
+        <p:spPr>
+          <a:xfrm>
+            <a:off x="6326132" y="725297"/>
+            <a:ext cx="1393372" cy="605116"/>
+          </a:xfrm>
+          <a:prstGeom prst="rect">
+            <a:avLst/>
+          </a:prstGeom>
+        </p:spPr>
+        <p:style>
+          <a:lnRef idx="2">
+            <a:schemeClr val="accent4">
+              <a:shade val="50000"/>
+            </a:schemeClr>
+          </a:lnRef>
+          <a:fillRef idx="1">
+            <a:schemeClr val="accent4"/>
+          </a:fillRef>
+          <a:effectRef idx="0">
+            <a:schemeClr val="accent4"/>
+          </a:effectRef>
+          <a:fontRef idx="minor">
+            <a:schemeClr val="lt1"/>
+          </a:fontRef>
+        </p:style>
+        <p:txBody>
+          <a:bodyPr rtlCol="0" anchor="ctr"/>
+          <a:lstStyle/>
+          <a:p>
+            <a:pPr algn="ctr"/>
+            <a:r>
+              <a:rPr lang="en-US" altLang="zh-CN" dirty="0"/>
+              <a:t>CSV</a:t>
+            </a:r>
+            <a:endParaRPr lang="zh-CN" altLang="en-US" dirty="0"/>
+          </a:p>
+        </p:txBody>
+      </p:sp>
+      <p:sp>
+        <p:nvSpPr>
+          <p:cNvPr id="27" name="矩形 26"/>
+          <p:cNvSpPr/>
+          <p:nvPr/>
+        </p:nvSpPr>
+        <p:spPr>
+          <a:xfrm>
+            <a:off x="6326132" y="2422166"/>
+            <a:ext cx="1393372" cy="605117"/>
+          </a:xfrm>
+          <a:prstGeom prst="rect">
+            <a:avLst/>
+          </a:prstGeom>
+        </p:spPr>
+        <p:style>
+          <a:lnRef idx="2">
+            <a:schemeClr val="accent1">
+              <a:shade val="50000"/>
+            </a:schemeClr>
+          </a:lnRef>
+          <a:fillRef idx="1">
+            <a:schemeClr val="accent1"/>
+          </a:fillRef>
+          <a:effectRef idx="0">
+            <a:schemeClr val="accent1"/>
+          </a:effectRef>
+          <a:fontRef idx="minor">
+            <a:schemeClr val="lt1"/>
+          </a:fontRef>
+        </p:style>
+        <p:txBody>
+          <a:bodyPr rtlCol="0" anchor="ctr"/>
+          <a:lstStyle/>
+          <a:p>
+            <a:pPr algn="ctr"/>
+            <a:r>
+              <a:rPr lang="en-US" altLang="zh-CN" dirty="0" err="1" smtClean="0"/>
+              <a:t>css</a:t>
+            </a:r>
+            <a:endParaRPr lang="zh-CN" altLang="en-US" dirty="0"/>
+          </a:p>
+        </p:txBody>
+      </p:sp>
+      <p:sp>
+        <p:nvSpPr>
+          <p:cNvPr id="28" name="矩形 27"/>
+          <p:cNvSpPr/>
+          <p:nvPr/>
+        </p:nvSpPr>
+        <p:spPr>
+          <a:xfrm>
+            <a:off x="6326132" y="1573731"/>
+            <a:ext cx="1393372" cy="605117"/>
+          </a:xfrm>
+          <a:prstGeom prst="rect">
+            <a:avLst/>
+          </a:prstGeom>
+        </p:spPr>
+        <p:style>
+          <a:lnRef idx="2">
+            <a:schemeClr val="accent4">
+              <a:shade val="50000"/>
+            </a:schemeClr>
+          </a:lnRef>
+          <a:fillRef idx="1">
+            <a:schemeClr val="accent4"/>
+          </a:fillRef>
+          <a:effectRef idx="0">
+            <a:schemeClr val="accent4"/>
+          </a:effectRef>
+          <a:fontRef idx="minor">
+            <a:schemeClr val="lt1"/>
+          </a:fontRef>
+        </p:style>
+        <p:txBody>
+          <a:bodyPr rtlCol="0" anchor="ctr"/>
+          <a:lstStyle/>
+          <a:p>
+            <a:pPr algn="ctr"/>
+            <a:r>
+              <a:rPr lang="en-US" altLang="zh-CN" dirty="0" err="1" smtClean="0"/>
+              <a:t>tmpls</a:t>
+            </a:r>
+            <a:endParaRPr lang="zh-CN" altLang="en-US" dirty="0"/>
+          </a:p>
+        </p:txBody>
+      </p:sp>
+      <p:sp>
+        <p:nvSpPr>
+          <p:cNvPr id="29" name="矩形 28"/>
+          <p:cNvSpPr/>
+          <p:nvPr/>
+        </p:nvSpPr>
+        <p:spPr>
+          <a:xfrm>
+            <a:off x="8034838" y="1540936"/>
+            <a:ext cx="1513114" cy="1284619"/>
+          </a:xfrm>
+          <a:prstGeom prst="rect">
+            <a:avLst/>
+          </a:prstGeom>
+        </p:spPr>
+        <p:style>
+          <a:lnRef idx="2">
+            <a:schemeClr val="accent2">
+              <a:shade val="50000"/>
+            </a:schemeClr>
+          </a:lnRef>
+          <a:fillRef idx="1">
+            <a:schemeClr val="accent2"/>
+          </a:fillRef>
+          <a:effectRef idx="0">
+            <a:schemeClr val="accent2"/>
+          </a:effectRef>
+          <a:fontRef idx="minor">
+            <a:schemeClr val="lt1"/>
+          </a:fontRef>
+        </p:style>
+        <p:txBody>
+          <a:bodyPr rtlCol="0" anchor="ctr"/>
+          <a:lstStyle/>
+          <a:p>
+            <a:pPr algn="ctr"/>
+            <a:r>
+              <a:rPr lang="en-US" altLang="zh-CN" dirty="0" smtClean="0"/>
+              <a:t>model</a:t>
+            </a:r>
+            <a:endParaRPr lang="zh-CN" altLang="en-US" dirty="0"/>
+          </a:p>
+        </p:txBody>
+      </p:sp>
+      <p:sp>
+        <p:nvSpPr>
+          <p:cNvPr id="30" name="矩形 29"/>
+          <p:cNvSpPr/>
+          <p:nvPr/>
+        </p:nvSpPr>
+        <p:spPr>
+          <a:xfrm>
+            <a:off x="9863286" y="725297"/>
+            <a:ext cx="728514" cy="2301876"/>
+          </a:xfrm>
+          <a:prstGeom prst="rect">
+            <a:avLst/>
+          </a:prstGeom>
+        </p:spPr>
+        <p:style>
+          <a:lnRef idx="2">
+            <a:schemeClr val="accent2">
+              <a:shade val="50000"/>
+            </a:schemeClr>
+          </a:lnRef>
+          <a:fillRef idx="1">
+            <a:schemeClr val="accent2"/>
+          </a:fillRef>
+          <a:effectRef idx="0">
+            <a:schemeClr val="accent2"/>
+          </a:effectRef>
+          <a:fontRef idx="minor">
+            <a:schemeClr val="lt1"/>
+          </a:fontRef>
+        </p:style>
+        <p:txBody>
+          <a:bodyPr rtlCol="0" anchor="ctr"/>
+          <a:lstStyle/>
+          <a:p>
+            <a:pPr algn="ctr"/>
+            <a:r>
+              <a:rPr lang="en-US" altLang="zh-CN" dirty="0" smtClean="0"/>
+              <a:t>deck</a:t>
+            </a:r>
+            <a:endParaRPr lang="zh-CN" altLang="en-US" dirty="0"/>
+          </a:p>
+        </p:txBody>
+      </p:sp>
+      <p:sp>
+        <p:nvSpPr>
+          <p:cNvPr id="31" name="椭圆 30"/>
+          <p:cNvSpPr/>
+          <p:nvPr/>
+        </p:nvSpPr>
+        <p:spPr>
+          <a:xfrm>
+            <a:off x="8034739" y="879092"/>
+            <a:ext cx="1513213" cy="451321"/>
+          </a:xfrm>
+          <a:prstGeom prst="ellipse">
+            <a:avLst/>
+          </a:prstGeom>
+        </p:spPr>
+        <p:style>
+          <a:lnRef idx="2">
+            <a:schemeClr val="accent4">
+              <a:shade val="50000"/>
+            </a:schemeClr>
+          </a:lnRef>
+          <a:fillRef idx="1">
+            <a:schemeClr val="accent4"/>
+          </a:fillRef>
+          <a:effectRef idx="0">
+            <a:schemeClr val="accent4"/>
+          </a:effectRef>
+          <a:fontRef idx="minor">
+            <a:schemeClr val="lt1"/>
+          </a:fontRef>
+        </p:style>
+        <p:txBody>
+          <a:bodyPr rot="0" spcFirstLastPara="0" vertOverflow="overflow" horzOverflow="overflow" vert="horz" wrap="square" lIns="91440" tIns="45720" rIns="91440" bIns="45720" numCol="1" spcCol="0" rtlCol="0" fromWordArt="0" anchor="ctr" anchorCtr="0" forceAA="0" compatLnSpc="1">
+            <a:prstTxWarp prst="textNoShape">
+              <a:avLst/>
+            </a:prstTxWarp>
+            <a:noAutofit/>
+          </a:bodyPr>
+          <a:lstStyle/>
+          <a:p>
+            <a:pPr algn="ctr"/>
+            <a:r>
+              <a:rPr lang="en-US" altLang="zh-CN" dirty="0" smtClean="0"/>
+              <a:t>cards</a:t>
+            </a:r>
+            <a:endParaRPr lang="zh-CN" altLang="en-US" dirty="0"/>
+          </a:p>
+        </p:txBody>
+      </p:sp>
+      <p:sp>
+        <p:nvSpPr>
+          <p:cNvPr id="32" name="矩形 31"/>
+          <p:cNvSpPr/>
+          <p:nvPr/>
+        </p:nvSpPr>
+        <p:spPr>
+          <a:xfrm>
+            <a:off x="8101333" y="4777892"/>
+            <a:ext cx="1446619" cy="728880"/>
+          </a:xfrm>
+          <a:prstGeom prst="rect">
+            <a:avLst/>
+          </a:prstGeom>
+        </p:spPr>
+        <p:style>
+          <a:lnRef idx="2">
+            <a:schemeClr val="accent2">
+              <a:shade val="50000"/>
+            </a:schemeClr>
+          </a:lnRef>
+          <a:fillRef idx="1">
+            <a:schemeClr val="accent2"/>
+          </a:fillRef>
+          <a:effectRef idx="0">
+            <a:schemeClr val="accent2"/>
+          </a:effectRef>
+          <a:fontRef idx="minor">
+            <a:schemeClr val="lt1"/>
+          </a:fontRef>
+        </p:style>
+        <p:txBody>
+          <a:bodyPr rot="0" spcFirstLastPara="0" vertOverflow="overflow" horzOverflow="overflow" vert="horz" wrap="square" lIns="91440" tIns="45720" rIns="91440" bIns="45720" numCol="1" spcCol="0" rtlCol="0" fromWordArt="0" anchor="ctr" anchorCtr="0" forceAA="0" compatLnSpc="1">
+            <a:prstTxWarp prst="textNoShape">
+              <a:avLst/>
+            </a:prstTxWarp>
+            <a:noAutofit/>
+          </a:bodyPr>
+          <a:lstStyle/>
+          <a:p>
+            <a:pPr algn="ctr"/>
+            <a:r>
+              <a:rPr lang="en-US" altLang="zh-CN" dirty="0" smtClean="0"/>
+              <a:t>Col</a:t>
+            </a:r>
+          </a:p>
+        </p:txBody>
+      </p:sp>
     </p:spTree>
     <p:extLst>
       <p:ext uri="{BB962C8B-B14F-4D97-AF65-F5344CB8AC3E}">
@@ -3671,6 +4140,13 @@
   <p:clrMapOvr>
     <a:masterClrMapping/>
   </p:clrMapOvr>
+  <p:timing>
+    <p:tnLst>
+      <p:par>
+        <p:cTn id="1" dur="indefinite" restart="never" nodeType="tmRoot"/>
+      </p:par>
+    </p:tnLst>
+  </p:timing>
 </p:sld>
 </file>
 
@@ -3925,7 +4401,33 @@
       </a:bgFillStyleLst>
     </a:fmtScheme>
   </a:themeElements>
-  <a:objectDefaults/>
+  <a:objectDefaults>
+    <a:spDef>
+      <a:spPr/>
+      <a:bodyPr rtlCol="0" anchor="ctr"/>
+      <a:lstStyle>
+        <a:defPPr algn="ctr">
+          <a:defRPr/>
+        </a:defPPr>
+      </a:lstStyle>
+      <a:style>
+        <a:lnRef idx="2">
+          <a:schemeClr val="accent1">
+            <a:shade val="50000"/>
+          </a:schemeClr>
+        </a:lnRef>
+        <a:fillRef idx="1">
+          <a:schemeClr val="accent1"/>
+        </a:fillRef>
+        <a:effectRef idx="0">
+          <a:schemeClr val="accent1"/>
+        </a:effectRef>
+        <a:fontRef idx="minor">
+          <a:schemeClr val="lt1"/>
+        </a:fontRef>
+      </a:style>
+    </a:spDef>
+  </a:objectDefaults>
   <a:extraClrSchemeLst/>
   <a:extLst>
     <a:ext uri="{05A4C25C-085E-4340-85A3-A5531E510DB2}">

--- a/csv2anki/design.pptx
+++ b/csv2anki/design.pptx
@@ -165,10 +165,9 @@
           </a:lstStyle>
           <a:p>
             <a:r>
-              <a:rPr lang="zh-CN" altLang="en-US" smtClean="0"/>
+              <a:rPr lang="zh-CN" altLang="en-US"/>
               <a:t>单击此处编辑母版标题样式</a:t>
             </a:r>
-            <a:endParaRPr lang="zh-CN" altLang="en-US"/>
           </a:p>
         </p:txBody>
       </p:sp>
@@ -230,10 +229,9 @@
           </a:lstStyle>
           <a:p>
             <a:r>
-              <a:rPr lang="zh-CN" altLang="en-US" smtClean="0"/>
+              <a:rPr lang="zh-CN" altLang="en-US"/>
               <a:t>单击此处编辑母版副标题样式</a:t>
             </a:r>
-            <a:endParaRPr lang="zh-CN" altLang="en-US"/>
           </a:p>
         </p:txBody>
       </p:sp>
@@ -348,10 +346,9 @@
           <a:lstStyle/>
           <a:p>
             <a:r>
-              <a:rPr lang="zh-CN" altLang="en-US" smtClean="0"/>
+              <a:rPr lang="zh-CN" altLang="en-US"/>
               <a:t>单击此处编辑母版标题样式</a:t>
             </a:r>
-            <a:endParaRPr lang="zh-CN" altLang="en-US"/>
           </a:p>
         </p:txBody>
       </p:sp>
@@ -372,38 +369,37 @@
           <a:p>
             <a:pPr lvl="0"/>
             <a:r>
-              <a:rPr lang="zh-CN" altLang="en-US" smtClean="0"/>
+              <a:rPr lang="zh-CN" altLang="en-US"/>
               <a:t>单击此处编辑母版文本样式</a:t>
             </a:r>
           </a:p>
           <a:p>
             <a:pPr lvl="1"/>
             <a:r>
-              <a:rPr lang="zh-CN" altLang="en-US" smtClean="0"/>
+              <a:rPr lang="zh-CN" altLang="en-US"/>
               <a:t>第二级</a:t>
             </a:r>
           </a:p>
           <a:p>
             <a:pPr lvl="2"/>
             <a:r>
-              <a:rPr lang="zh-CN" altLang="en-US" smtClean="0"/>
+              <a:rPr lang="zh-CN" altLang="en-US"/>
               <a:t>第三级</a:t>
             </a:r>
           </a:p>
           <a:p>
             <a:pPr lvl="3"/>
             <a:r>
-              <a:rPr lang="zh-CN" altLang="en-US" smtClean="0"/>
+              <a:rPr lang="zh-CN" altLang="en-US"/>
               <a:t>第四级</a:t>
             </a:r>
           </a:p>
           <a:p>
             <a:pPr lvl="4"/>
             <a:r>
-              <a:rPr lang="zh-CN" altLang="en-US" smtClean="0"/>
+              <a:rPr lang="zh-CN" altLang="en-US"/>
               <a:t>第五级</a:t>
             </a:r>
-            <a:endParaRPr lang="zh-CN" altLang="en-US"/>
           </a:p>
         </p:txBody>
       </p:sp>
@@ -523,10 +519,9 @@
           <a:lstStyle/>
           <a:p>
             <a:r>
-              <a:rPr lang="zh-CN" altLang="en-US" smtClean="0"/>
+              <a:rPr lang="zh-CN" altLang="en-US"/>
               <a:t>单击此处编辑母版标题样式</a:t>
             </a:r>
-            <a:endParaRPr lang="zh-CN" altLang="en-US"/>
           </a:p>
         </p:txBody>
       </p:sp>
@@ -552,38 +547,37 @@
           <a:p>
             <a:pPr lvl="0"/>
             <a:r>
-              <a:rPr lang="zh-CN" altLang="en-US" smtClean="0"/>
+              <a:rPr lang="zh-CN" altLang="en-US"/>
               <a:t>单击此处编辑母版文本样式</a:t>
             </a:r>
           </a:p>
           <a:p>
             <a:pPr lvl="1"/>
             <a:r>
-              <a:rPr lang="zh-CN" altLang="en-US" smtClean="0"/>
+              <a:rPr lang="zh-CN" altLang="en-US"/>
               <a:t>第二级</a:t>
             </a:r>
           </a:p>
           <a:p>
             <a:pPr lvl="2"/>
             <a:r>
-              <a:rPr lang="zh-CN" altLang="en-US" smtClean="0"/>
+              <a:rPr lang="zh-CN" altLang="en-US"/>
               <a:t>第三级</a:t>
             </a:r>
           </a:p>
           <a:p>
             <a:pPr lvl="3"/>
             <a:r>
-              <a:rPr lang="zh-CN" altLang="en-US" smtClean="0"/>
+              <a:rPr lang="zh-CN" altLang="en-US"/>
               <a:t>第四级</a:t>
             </a:r>
           </a:p>
           <a:p>
             <a:pPr lvl="4"/>
             <a:r>
-              <a:rPr lang="zh-CN" altLang="en-US" smtClean="0"/>
+              <a:rPr lang="zh-CN" altLang="en-US"/>
               <a:t>第五级</a:t>
             </a:r>
-            <a:endParaRPr lang="zh-CN" altLang="en-US"/>
           </a:p>
         </p:txBody>
       </p:sp>
@@ -698,10 +692,9 @@
           <a:lstStyle/>
           <a:p>
             <a:r>
-              <a:rPr lang="zh-CN" altLang="en-US" smtClean="0"/>
+              <a:rPr lang="zh-CN" altLang="en-US"/>
               <a:t>单击此处编辑母版标题样式</a:t>
             </a:r>
-            <a:endParaRPr lang="zh-CN" altLang="en-US"/>
           </a:p>
         </p:txBody>
       </p:sp>
@@ -722,38 +715,37 @@
           <a:p>
             <a:pPr lvl="0"/>
             <a:r>
-              <a:rPr lang="zh-CN" altLang="en-US" smtClean="0"/>
+              <a:rPr lang="zh-CN" altLang="en-US"/>
               <a:t>单击此处编辑母版文本样式</a:t>
             </a:r>
           </a:p>
           <a:p>
             <a:pPr lvl="1"/>
             <a:r>
-              <a:rPr lang="zh-CN" altLang="en-US" smtClean="0"/>
+              <a:rPr lang="zh-CN" altLang="en-US"/>
               <a:t>第二级</a:t>
             </a:r>
           </a:p>
           <a:p>
             <a:pPr lvl="2"/>
             <a:r>
-              <a:rPr lang="zh-CN" altLang="en-US" smtClean="0"/>
+              <a:rPr lang="zh-CN" altLang="en-US"/>
               <a:t>第三级</a:t>
             </a:r>
           </a:p>
           <a:p>
             <a:pPr lvl="3"/>
             <a:r>
-              <a:rPr lang="zh-CN" altLang="en-US" smtClean="0"/>
+              <a:rPr lang="zh-CN" altLang="en-US"/>
               <a:t>第四级</a:t>
             </a:r>
           </a:p>
           <a:p>
             <a:pPr lvl="4"/>
             <a:r>
-              <a:rPr lang="zh-CN" altLang="en-US" smtClean="0"/>
+              <a:rPr lang="zh-CN" altLang="en-US"/>
               <a:t>第五级</a:t>
             </a:r>
-            <a:endParaRPr lang="zh-CN" altLang="en-US"/>
           </a:p>
         </p:txBody>
       </p:sp>
@@ -877,10 +869,9 @@
           </a:lstStyle>
           <a:p>
             <a:r>
-              <a:rPr lang="zh-CN" altLang="en-US" smtClean="0"/>
+              <a:rPr lang="zh-CN" altLang="en-US"/>
               <a:t>单击此处编辑母版标题样式</a:t>
             </a:r>
-            <a:endParaRPr lang="zh-CN" altLang="en-US"/>
           </a:p>
         </p:txBody>
       </p:sp>
@@ -997,7 +988,7 @@
           <a:p>
             <a:pPr lvl="0"/>
             <a:r>
-              <a:rPr lang="zh-CN" altLang="en-US" smtClean="0"/>
+              <a:rPr lang="zh-CN" altLang="en-US"/>
               <a:t>单击此处编辑母版文本样式</a:t>
             </a:r>
           </a:p>
@@ -1114,10 +1105,9 @@
           <a:lstStyle/>
           <a:p>
             <a:r>
-              <a:rPr lang="zh-CN" altLang="en-US" smtClean="0"/>
+              <a:rPr lang="zh-CN" altLang="en-US"/>
               <a:t>单击此处编辑母版标题样式</a:t>
             </a:r>
-            <a:endParaRPr lang="zh-CN" altLang="en-US"/>
           </a:p>
         </p:txBody>
       </p:sp>
@@ -1143,38 +1133,37 @@
           <a:p>
             <a:pPr lvl="0"/>
             <a:r>
-              <a:rPr lang="zh-CN" altLang="en-US" smtClean="0"/>
+              <a:rPr lang="zh-CN" altLang="en-US"/>
               <a:t>单击此处编辑母版文本样式</a:t>
             </a:r>
           </a:p>
           <a:p>
             <a:pPr lvl="1"/>
             <a:r>
-              <a:rPr lang="zh-CN" altLang="en-US" smtClean="0"/>
+              <a:rPr lang="zh-CN" altLang="en-US"/>
               <a:t>第二级</a:t>
             </a:r>
           </a:p>
           <a:p>
             <a:pPr lvl="2"/>
             <a:r>
-              <a:rPr lang="zh-CN" altLang="en-US" smtClean="0"/>
+              <a:rPr lang="zh-CN" altLang="en-US"/>
               <a:t>第三级</a:t>
             </a:r>
           </a:p>
           <a:p>
             <a:pPr lvl="3"/>
             <a:r>
-              <a:rPr lang="zh-CN" altLang="en-US" smtClean="0"/>
+              <a:rPr lang="zh-CN" altLang="en-US"/>
               <a:t>第四级</a:t>
             </a:r>
           </a:p>
           <a:p>
             <a:pPr lvl="4"/>
             <a:r>
-              <a:rPr lang="zh-CN" altLang="en-US" smtClean="0"/>
+              <a:rPr lang="zh-CN" altLang="en-US"/>
               <a:t>第五级</a:t>
             </a:r>
-            <a:endParaRPr lang="zh-CN" altLang="en-US"/>
           </a:p>
         </p:txBody>
       </p:sp>
@@ -1200,38 +1189,37 @@
           <a:p>
             <a:pPr lvl="0"/>
             <a:r>
-              <a:rPr lang="zh-CN" altLang="en-US" smtClean="0"/>
+              <a:rPr lang="zh-CN" altLang="en-US"/>
               <a:t>单击此处编辑母版文本样式</a:t>
             </a:r>
           </a:p>
           <a:p>
             <a:pPr lvl="1"/>
             <a:r>
-              <a:rPr lang="zh-CN" altLang="en-US" smtClean="0"/>
+              <a:rPr lang="zh-CN" altLang="en-US"/>
               <a:t>第二级</a:t>
             </a:r>
           </a:p>
           <a:p>
             <a:pPr lvl="2"/>
             <a:r>
-              <a:rPr lang="zh-CN" altLang="en-US" smtClean="0"/>
+              <a:rPr lang="zh-CN" altLang="en-US"/>
               <a:t>第三级</a:t>
             </a:r>
           </a:p>
           <a:p>
             <a:pPr lvl="3"/>
             <a:r>
-              <a:rPr lang="zh-CN" altLang="en-US" smtClean="0"/>
+              <a:rPr lang="zh-CN" altLang="en-US"/>
               <a:t>第四级</a:t>
             </a:r>
           </a:p>
           <a:p>
             <a:pPr lvl="4"/>
             <a:r>
-              <a:rPr lang="zh-CN" altLang="en-US" smtClean="0"/>
+              <a:rPr lang="zh-CN" altLang="en-US"/>
               <a:t>第五级</a:t>
             </a:r>
-            <a:endParaRPr lang="zh-CN" altLang="en-US"/>
           </a:p>
         </p:txBody>
       </p:sp>
@@ -1351,10 +1339,9 @@
           <a:lstStyle/>
           <a:p>
             <a:r>
-              <a:rPr lang="zh-CN" altLang="en-US" smtClean="0"/>
+              <a:rPr lang="zh-CN" altLang="en-US"/>
               <a:t>单击此处编辑母版标题样式</a:t>
             </a:r>
-            <a:endParaRPr lang="zh-CN" altLang="en-US"/>
           </a:p>
         </p:txBody>
       </p:sp>
@@ -1417,7 +1404,7 @@
           <a:p>
             <a:pPr lvl="0"/>
             <a:r>
-              <a:rPr lang="zh-CN" altLang="en-US" smtClean="0"/>
+              <a:rPr lang="zh-CN" altLang="en-US"/>
               <a:t>单击此处编辑母版文本样式</a:t>
             </a:r>
           </a:p>
@@ -1445,38 +1432,37 @@
           <a:p>
             <a:pPr lvl="0"/>
             <a:r>
-              <a:rPr lang="zh-CN" altLang="en-US" smtClean="0"/>
+              <a:rPr lang="zh-CN" altLang="en-US"/>
               <a:t>单击此处编辑母版文本样式</a:t>
             </a:r>
           </a:p>
           <a:p>
             <a:pPr lvl="1"/>
             <a:r>
-              <a:rPr lang="zh-CN" altLang="en-US" smtClean="0"/>
+              <a:rPr lang="zh-CN" altLang="en-US"/>
               <a:t>第二级</a:t>
             </a:r>
           </a:p>
           <a:p>
             <a:pPr lvl="2"/>
             <a:r>
-              <a:rPr lang="zh-CN" altLang="en-US" smtClean="0"/>
+              <a:rPr lang="zh-CN" altLang="en-US"/>
               <a:t>第三级</a:t>
             </a:r>
           </a:p>
           <a:p>
             <a:pPr lvl="3"/>
             <a:r>
-              <a:rPr lang="zh-CN" altLang="en-US" smtClean="0"/>
+              <a:rPr lang="zh-CN" altLang="en-US"/>
               <a:t>第四级</a:t>
             </a:r>
           </a:p>
           <a:p>
             <a:pPr lvl="4"/>
             <a:r>
-              <a:rPr lang="zh-CN" altLang="en-US" smtClean="0"/>
+              <a:rPr lang="zh-CN" altLang="en-US"/>
               <a:t>第五级</a:t>
             </a:r>
-            <a:endParaRPr lang="zh-CN" altLang="en-US"/>
           </a:p>
         </p:txBody>
       </p:sp>
@@ -1539,7 +1525,7 @@
           <a:p>
             <a:pPr lvl="0"/>
             <a:r>
-              <a:rPr lang="zh-CN" altLang="en-US" smtClean="0"/>
+              <a:rPr lang="zh-CN" altLang="en-US"/>
               <a:t>单击此处编辑母版文本样式</a:t>
             </a:r>
           </a:p>
@@ -1567,38 +1553,37 @@
           <a:p>
             <a:pPr lvl="0"/>
             <a:r>
-              <a:rPr lang="zh-CN" altLang="en-US" smtClean="0"/>
+              <a:rPr lang="zh-CN" altLang="en-US"/>
               <a:t>单击此处编辑母版文本样式</a:t>
             </a:r>
           </a:p>
           <a:p>
             <a:pPr lvl="1"/>
             <a:r>
-              <a:rPr lang="zh-CN" altLang="en-US" smtClean="0"/>
+              <a:rPr lang="zh-CN" altLang="en-US"/>
               <a:t>第二级</a:t>
             </a:r>
           </a:p>
           <a:p>
             <a:pPr lvl="2"/>
             <a:r>
-              <a:rPr lang="zh-CN" altLang="en-US" smtClean="0"/>
+              <a:rPr lang="zh-CN" altLang="en-US"/>
               <a:t>第三级</a:t>
             </a:r>
           </a:p>
           <a:p>
             <a:pPr lvl="3"/>
             <a:r>
-              <a:rPr lang="zh-CN" altLang="en-US" smtClean="0"/>
+              <a:rPr lang="zh-CN" altLang="en-US"/>
               <a:t>第四级</a:t>
             </a:r>
           </a:p>
           <a:p>
             <a:pPr lvl="4"/>
             <a:r>
-              <a:rPr lang="zh-CN" altLang="en-US" smtClean="0"/>
+              <a:rPr lang="zh-CN" altLang="en-US"/>
               <a:t>第五级</a:t>
             </a:r>
-            <a:endParaRPr lang="zh-CN" altLang="en-US"/>
           </a:p>
         </p:txBody>
       </p:sp>
@@ -1713,10 +1698,9 @@
           <a:lstStyle/>
           <a:p>
             <a:r>
-              <a:rPr lang="zh-CN" altLang="en-US" smtClean="0"/>
+              <a:rPr lang="zh-CN" altLang="en-US"/>
               <a:t>单击此处编辑母版标题样式</a:t>
             </a:r>
-            <a:endParaRPr lang="zh-CN" altLang="en-US"/>
           </a:p>
         </p:txBody>
       </p:sp>
@@ -1935,10 +1919,9 @@
           </a:lstStyle>
           <a:p>
             <a:r>
-              <a:rPr lang="zh-CN" altLang="en-US" smtClean="0"/>
+              <a:rPr lang="zh-CN" altLang="en-US"/>
               <a:t>单击此处编辑母版标题样式</a:t>
             </a:r>
-            <a:endParaRPr lang="zh-CN" altLang="en-US"/>
           </a:p>
         </p:txBody>
       </p:sp>
@@ -1992,38 +1975,37 @@
           <a:p>
             <a:pPr lvl="0"/>
             <a:r>
-              <a:rPr lang="zh-CN" altLang="en-US" smtClean="0"/>
+              <a:rPr lang="zh-CN" altLang="en-US"/>
               <a:t>单击此处编辑母版文本样式</a:t>
             </a:r>
           </a:p>
           <a:p>
             <a:pPr lvl="1"/>
             <a:r>
-              <a:rPr lang="zh-CN" altLang="en-US" smtClean="0"/>
+              <a:rPr lang="zh-CN" altLang="en-US"/>
               <a:t>第二级</a:t>
             </a:r>
           </a:p>
           <a:p>
             <a:pPr lvl="2"/>
             <a:r>
-              <a:rPr lang="zh-CN" altLang="en-US" smtClean="0"/>
+              <a:rPr lang="zh-CN" altLang="en-US"/>
               <a:t>第三级</a:t>
             </a:r>
           </a:p>
           <a:p>
             <a:pPr lvl="3"/>
             <a:r>
-              <a:rPr lang="zh-CN" altLang="en-US" smtClean="0"/>
+              <a:rPr lang="zh-CN" altLang="en-US"/>
               <a:t>第四级</a:t>
             </a:r>
           </a:p>
           <a:p>
             <a:pPr lvl="4"/>
             <a:r>
-              <a:rPr lang="zh-CN" altLang="en-US" smtClean="0"/>
+              <a:rPr lang="zh-CN" altLang="en-US"/>
               <a:t>第五级</a:t>
             </a:r>
-            <a:endParaRPr lang="zh-CN" altLang="en-US"/>
           </a:p>
         </p:txBody>
       </p:sp>
@@ -2086,7 +2068,7 @@
           <a:p>
             <a:pPr lvl="0"/>
             <a:r>
-              <a:rPr lang="zh-CN" altLang="en-US" smtClean="0"/>
+              <a:rPr lang="zh-CN" altLang="en-US"/>
               <a:t>单击此处编辑母版文本样式</a:t>
             </a:r>
           </a:p>
@@ -2212,10 +2194,9 @@
           </a:lstStyle>
           <a:p>
             <a:r>
-              <a:rPr lang="zh-CN" altLang="en-US" smtClean="0"/>
+              <a:rPr lang="zh-CN" altLang="en-US"/>
               <a:t>单击此处编辑母版标题样式</a:t>
             </a:r>
-            <a:endParaRPr lang="zh-CN" altLang="en-US"/>
           </a:p>
         </p:txBody>
       </p:sp>
@@ -2339,7 +2320,7 @@
           <a:p>
             <a:pPr lvl="0"/>
             <a:r>
-              <a:rPr lang="zh-CN" altLang="en-US" smtClean="0"/>
+              <a:rPr lang="zh-CN" altLang="en-US"/>
               <a:t>单击此处编辑母版文本样式</a:t>
             </a:r>
           </a:p>
@@ -2471,10 +2452,9 @@
           <a:lstStyle/>
           <a:p>
             <a:r>
-              <a:rPr lang="zh-CN" altLang="en-US" smtClean="0"/>
+              <a:rPr lang="zh-CN" altLang="en-US"/>
               <a:t>单击此处编辑母版标题样式</a:t>
             </a:r>
-            <a:endParaRPr lang="zh-CN" altLang="en-US"/>
           </a:p>
         </p:txBody>
       </p:sp>
@@ -2505,38 +2485,37 @@
           <a:p>
             <a:pPr lvl="0"/>
             <a:r>
-              <a:rPr lang="zh-CN" altLang="en-US" smtClean="0"/>
+              <a:rPr lang="zh-CN" altLang="en-US"/>
               <a:t>单击此处编辑母版文本样式</a:t>
             </a:r>
           </a:p>
           <a:p>
             <a:pPr lvl="1"/>
             <a:r>
-              <a:rPr lang="zh-CN" altLang="en-US" smtClean="0"/>
+              <a:rPr lang="zh-CN" altLang="en-US"/>
               <a:t>第二级</a:t>
             </a:r>
           </a:p>
           <a:p>
             <a:pPr lvl="2"/>
             <a:r>
-              <a:rPr lang="zh-CN" altLang="en-US" smtClean="0"/>
+              <a:rPr lang="zh-CN" altLang="en-US"/>
               <a:t>第三级</a:t>
             </a:r>
           </a:p>
           <a:p>
             <a:pPr lvl="3"/>
             <a:r>
-              <a:rPr lang="zh-CN" altLang="en-US" smtClean="0"/>
+              <a:rPr lang="zh-CN" altLang="en-US"/>
               <a:t>第四级</a:t>
             </a:r>
           </a:p>
           <a:p>
             <a:pPr lvl="4"/>
             <a:r>
-              <a:rPr lang="zh-CN" altLang="en-US" smtClean="0"/>
+              <a:rPr lang="zh-CN" altLang="en-US"/>
               <a:t>第五级</a:t>
             </a:r>
-            <a:endParaRPr lang="zh-CN" altLang="en-US"/>
           </a:p>
         </p:txBody>
       </p:sp>
@@ -3014,7 +2993,7 @@
           <a:lstStyle/>
           <a:p>
             <a:r>
-              <a:rPr lang="en-US" altLang="zh-CN" smtClean="0"/>
+              <a:rPr lang="en-US" altLang="zh-CN"/>
               <a:t>col</a:t>
             </a:r>
             <a:endParaRPr lang="zh-CN" altLang="en-US" dirty="0"/>
@@ -3055,15 +3034,15 @@
           <a:lstStyle/>
           <a:p>
             <a:r>
-              <a:rPr lang="en-US" altLang="zh-CN" dirty="0" smtClean="0"/>
+              <a:rPr lang="en-US" altLang="zh-CN" dirty="0"/>
               <a:t>Model : </a:t>
             </a:r>
             <a:r>
-              <a:rPr lang="en-US" altLang="zh-CN" dirty="0" err="1" smtClean="0"/>
+              <a:rPr lang="en-US" altLang="zh-CN" dirty="0" err="1"/>
               <a:t>m’id</a:t>
             </a:r>
             <a:r>
-              <a:rPr lang="en-US" altLang="zh-CN" dirty="0" smtClean="0"/>
+              <a:rPr lang="en-US" altLang="zh-CN" dirty="0"/>
               <a:t> did name </a:t>
             </a:r>
             <a:endParaRPr lang="zh-CN" altLang="en-US" dirty="0"/>
@@ -3107,7 +3086,7 @@
           <a:p>
             <a:pPr algn="ctr"/>
             <a:r>
-              <a:rPr lang="en-US" altLang="zh-CN" dirty="0" err="1" smtClean="0"/>
+              <a:rPr lang="en-US" altLang="zh-CN" dirty="0" err="1"/>
               <a:t>css</a:t>
             </a:r>
             <a:endParaRPr lang="zh-CN" altLang="en-US" dirty="0"/>
@@ -3149,7 +3128,7 @@
           <a:p>
             <a:pPr algn="ctr"/>
             <a:r>
-              <a:rPr lang="en-US" altLang="zh-CN" dirty="0" smtClean="0"/>
+              <a:rPr lang="en-US" altLang="zh-CN" dirty="0"/>
               <a:t>Csv [name]</a:t>
             </a:r>
             <a:endParaRPr lang="zh-CN" altLang="en-US" dirty="0"/>
@@ -3193,7 +3172,7 @@
           <a:p>
             <a:pPr algn="ctr"/>
             <a:r>
-              <a:rPr lang="en-US" altLang="zh-CN" dirty="0" smtClean="0"/>
+              <a:rPr lang="en-US" altLang="zh-CN" dirty="0"/>
               <a:t>tags</a:t>
             </a:r>
             <a:endParaRPr lang="zh-CN" altLang="en-US" dirty="0"/>
@@ -3237,7 +3216,7 @@
           <a:p>
             <a:pPr algn="ctr"/>
             <a:r>
-              <a:rPr lang="en-US" altLang="zh-CN" dirty="0" err="1" smtClean="0"/>
+              <a:rPr lang="en-US" altLang="zh-CN" dirty="0" err="1"/>
               <a:t>flds</a:t>
             </a:r>
             <a:endParaRPr lang="zh-CN" altLang="en-US" dirty="0"/>
@@ -3276,12 +3255,12 @@
           </a:fontRef>
         </p:style>
         <p:txBody>
-          <a:bodyPr rtlCol="0" anchor="ctr"/>
+          <a:bodyPr rtlCol="0" anchor="t"/>
           <a:lstStyle/>
           <a:p>
             <a:pPr algn="ctr"/>
             <a:r>
-              <a:rPr lang="en-US" altLang="zh-CN" dirty="0" smtClean="0"/>
+              <a:rPr lang="en-US" altLang="zh-CN" dirty="0"/>
               <a:t>notes</a:t>
             </a:r>
             <a:endParaRPr lang="zh-CN" altLang="en-US" dirty="0"/>
@@ -3325,7 +3304,7 @@
           <a:p>
             <a:pPr algn="ctr"/>
             <a:r>
-              <a:rPr lang="en-US" altLang="zh-CN" dirty="0" err="1" smtClean="0"/>
+              <a:rPr lang="en-US" altLang="zh-CN" dirty="0" err="1"/>
               <a:t>tmpls</a:t>
             </a:r>
             <a:endParaRPr lang="zh-CN" altLang="en-US" dirty="0"/>
@@ -3340,8 +3319,8 @@
         </p:nvSpPr>
         <p:spPr>
           <a:xfrm>
-            <a:off x="496019" y="4064841"/>
-            <a:ext cx="3269158" cy="713051"/>
+            <a:off x="810593" y="2515107"/>
+            <a:ext cx="1065669" cy="363838"/>
           </a:xfrm>
           <a:prstGeom prst="rect">
             <a:avLst/>
@@ -3369,17 +3348,17 @@
           <a:p>
             <a:pPr algn="ctr"/>
             <a:r>
-              <a:rPr lang="en-US" altLang="zh-CN" dirty="0" smtClean="0"/>
+              <a:rPr lang="en-US" altLang="zh-CN" sz="1100" dirty="0"/>
               <a:t>Decks</a:t>
             </a:r>
           </a:p>
           <a:p>
             <a:pPr algn="ctr"/>
             <a:r>
-              <a:rPr lang="en-US" altLang="zh-CN" dirty="0" smtClean="0"/>
+              <a:rPr lang="en-US" altLang="zh-CN" sz="1100" dirty="0"/>
               <a:t>[{did: id, name}]</a:t>
             </a:r>
-            <a:endParaRPr lang="zh-CN" altLang="en-US" dirty="0"/>
+            <a:endParaRPr lang="zh-CN" altLang="en-US" sz="1100" dirty="0"/>
           </a:p>
         </p:txBody>
       </p:sp>
@@ -3420,15 +3399,15 @@
           <a:p>
             <a:pPr algn="ctr"/>
             <a:r>
-              <a:rPr lang="en-US" altLang="zh-CN" dirty="0" err="1" smtClean="0"/>
+              <a:rPr lang="en-US" altLang="zh-CN" dirty="0" err="1"/>
               <a:t>Conf</a:t>
             </a:r>
-            <a:endParaRPr lang="en-US" altLang="zh-CN" dirty="0" smtClean="0"/>
+            <a:endParaRPr lang="en-US" altLang="zh-CN" dirty="0"/>
           </a:p>
           <a:p>
             <a:pPr algn="ctr"/>
             <a:r>
-              <a:rPr lang="en-US" altLang="zh-CN" dirty="0" err="1" smtClean="0"/>
+              <a:rPr lang="en-US" altLang="zh-CN" dirty="0" err="1"/>
               <a:t>activeDecks:did</a:t>
             </a:r>
             <a:endParaRPr lang="en-US" altLang="zh-CN" dirty="0"/>
@@ -3436,15 +3415,15 @@
           <a:p>
             <a:pPr algn="ctr"/>
             <a:r>
-              <a:rPr lang="en-US" altLang="zh-CN" dirty="0" err="1" smtClean="0"/>
+              <a:rPr lang="en-US" altLang="zh-CN" dirty="0" err="1"/>
               <a:t>curDeck:did</a:t>
             </a:r>
-            <a:endParaRPr lang="en-US" altLang="zh-CN" dirty="0" smtClean="0"/>
+            <a:endParaRPr lang="en-US" altLang="zh-CN" dirty="0"/>
           </a:p>
           <a:p>
             <a:pPr algn="ctr"/>
             <a:r>
-              <a:rPr lang="en-US" altLang="zh-CN" dirty="0" err="1" smtClean="0"/>
+              <a:rPr lang="en-US" altLang="zh-CN" dirty="0" err="1"/>
               <a:t>curModel:mid</a:t>
             </a:r>
             <a:endParaRPr lang="zh-CN" altLang="en-US" dirty="0"/>
@@ -3488,15 +3467,15 @@
           <a:p>
             <a:pPr algn="ctr"/>
             <a:r>
-              <a:rPr lang="en-US" altLang="zh-CN" dirty="0" err="1" smtClean="0"/>
+              <a:rPr lang="en-US" altLang="zh-CN" dirty="0" err="1"/>
               <a:t>Dconf</a:t>
             </a:r>
-            <a:endParaRPr lang="en-US" altLang="zh-CN" dirty="0" smtClean="0"/>
+            <a:endParaRPr lang="en-US" altLang="zh-CN" dirty="0"/>
           </a:p>
           <a:p>
             <a:pPr algn="ctr"/>
             <a:r>
-              <a:rPr lang="en-US" altLang="zh-CN" dirty="0" smtClean="0"/>
+              <a:rPr lang="en-US" altLang="zh-CN" dirty="0"/>
               <a:t>[{did: name}]</a:t>
             </a:r>
             <a:endParaRPr lang="zh-CN" altLang="en-US" dirty="0"/>
@@ -3540,7 +3519,7 @@
           <a:p>
             <a:pPr algn="ctr"/>
             <a:r>
-              <a:rPr lang="en-US" altLang="zh-CN" dirty="0" smtClean="0"/>
+              <a:rPr lang="en-US" altLang="zh-CN" dirty="0"/>
               <a:t>tags</a:t>
             </a:r>
             <a:endParaRPr lang="zh-CN" altLang="en-US" dirty="0"/>
@@ -3555,7 +3534,7 @@
         </p:nvSpPr>
         <p:spPr>
           <a:xfrm>
-            <a:off x="2321521" y="3059798"/>
+            <a:off x="2307456" y="3074762"/>
             <a:ext cx="1317812" cy="497836"/>
           </a:xfrm>
           <a:prstGeom prst="ellipse">
@@ -3582,7 +3561,7 @@
           <a:p>
             <a:pPr algn="ctr"/>
             <a:r>
-              <a:rPr lang="en-US" altLang="zh-CN" dirty="0" smtClean="0"/>
+              <a:rPr lang="en-US" altLang="zh-CN" dirty="0"/>
               <a:t>type</a:t>
             </a:r>
             <a:endParaRPr lang="zh-CN" altLang="en-US" dirty="0"/>
@@ -3601,7 +3580,7 @@
         <p:spPr>
           <a:xfrm>
             <a:off x="2043953" y="3255076"/>
-            <a:ext cx="277568" cy="53640"/>
+            <a:ext cx="263503" cy="68604"/>
           </a:xfrm>
           <a:prstGeom prst="straightConnector1">
             <a:avLst/>
@@ -3637,7 +3616,7 @@
         <p:spPr>
           <a:xfrm>
             <a:off x="2043953" y="2518406"/>
-            <a:ext cx="470557" cy="614298"/>
+            <a:ext cx="456492" cy="629262"/>
           </a:xfrm>
           <a:prstGeom prst="straightConnector1">
             <a:avLst/>
@@ -3669,7 +3648,7 @@
         </p:nvSpPr>
         <p:spPr>
           <a:xfrm>
-            <a:off x="3980022" y="4064841"/>
+            <a:off x="2500445" y="4167670"/>
             <a:ext cx="1911881" cy="713051"/>
           </a:xfrm>
           <a:prstGeom prst="ellipse">
@@ -3698,7 +3677,7 @@
           <a:p>
             <a:pPr algn="ctr"/>
             <a:r>
-              <a:rPr lang="en-US" altLang="zh-CN" dirty="0" smtClean="0"/>
+              <a:rPr lang="en-US" altLang="zh-CN" dirty="0"/>
               <a:t>cards</a:t>
             </a:r>
             <a:endParaRPr lang="zh-CN" altLang="en-US" dirty="0"/>
@@ -3717,7 +3696,7 @@
         <p:spPr>
           <a:xfrm>
             <a:off x="2043953" y="2518406"/>
-            <a:ext cx="2216057" cy="1650859"/>
+            <a:ext cx="736480" cy="1753688"/>
           </a:xfrm>
           <a:prstGeom prst="straightConnector1">
             <a:avLst/>
@@ -3751,9 +3730,9 @@
           <p:nvPr/>
         </p:nvCxnSpPr>
         <p:spPr>
-          <a:xfrm>
-            <a:off x="2980427" y="3557634"/>
-            <a:ext cx="1279583" cy="611631"/>
+          <a:xfrm flipH="1">
+            <a:off x="2780433" y="3572598"/>
+            <a:ext cx="185929" cy="699496"/>
           </a:xfrm>
           <a:prstGeom prst="straightConnector1">
             <a:avLst/>
@@ -3781,6 +3760,7 @@
         <p:nvCxnSpPr>
           <p:cNvPr id="24" name="直接箭头连接符 23"/>
           <p:cNvCxnSpPr>
+            <a:cxnSpLocks/>
             <a:stCxn id="14" idx="3"/>
             <a:endCxn id="3" idx="2"/>
           </p:cNvCxnSpPr>
@@ -3788,8 +3768,8 @@
         </p:nvCxnSpPr>
         <p:spPr>
           <a:xfrm>
-            <a:off x="3765177" y="4421367"/>
-            <a:ext cx="214845" cy="0"/>
+            <a:off x="1876262" y="2697026"/>
+            <a:ext cx="624183" cy="1827170"/>
           </a:xfrm>
           <a:prstGeom prst="straightConnector1">
             <a:avLst/>
@@ -3894,7 +3874,7 @@
           <a:p>
             <a:pPr algn="ctr"/>
             <a:r>
-              <a:rPr lang="en-US" altLang="zh-CN" dirty="0" err="1" smtClean="0"/>
+              <a:rPr lang="en-US" altLang="zh-CN" dirty="0" err="1"/>
               <a:t>css</a:t>
             </a:r>
             <a:endParaRPr lang="zh-CN" altLang="en-US" dirty="0"/>
@@ -3938,7 +3918,7 @@
           <a:p>
             <a:pPr algn="ctr"/>
             <a:r>
-              <a:rPr lang="en-US" altLang="zh-CN" dirty="0" err="1" smtClean="0"/>
+              <a:rPr lang="en-US" altLang="zh-CN" dirty="0" err="1"/>
               <a:t>tmpls</a:t>
             </a:r>
             <a:endParaRPr lang="zh-CN" altLang="en-US" dirty="0"/>
@@ -3982,7 +3962,7 @@
           <a:p>
             <a:pPr algn="ctr"/>
             <a:r>
-              <a:rPr lang="en-US" altLang="zh-CN" dirty="0" smtClean="0"/>
+              <a:rPr lang="en-US" altLang="zh-CN" dirty="0"/>
               <a:t>model</a:t>
             </a:r>
             <a:endParaRPr lang="zh-CN" altLang="en-US" dirty="0"/>
@@ -4026,7 +4006,7 @@
           <a:p>
             <a:pPr algn="ctr"/>
             <a:r>
-              <a:rPr lang="en-US" altLang="zh-CN" dirty="0" smtClean="0"/>
+              <a:rPr lang="en-US" altLang="zh-CN" dirty="0"/>
               <a:t>deck</a:t>
             </a:r>
             <a:endParaRPr lang="zh-CN" altLang="en-US" dirty="0"/>
@@ -4075,7 +4055,7 @@
           <a:p>
             <a:pPr algn="ctr"/>
             <a:r>
-              <a:rPr lang="en-US" altLang="zh-CN" dirty="0" smtClean="0"/>
+              <a:rPr lang="en-US" altLang="zh-CN" dirty="0"/>
               <a:t>cards</a:t>
             </a:r>
             <a:endParaRPr lang="zh-CN" altLang="en-US" dirty="0"/>
@@ -4124,7 +4104,7 @@
           <a:p>
             <a:pPr algn="ctr"/>
             <a:r>
-              <a:rPr lang="en-US" altLang="zh-CN" dirty="0" smtClean="0"/>
+              <a:rPr lang="en-US" altLang="zh-CN" dirty="0"/>
               <a:t>Col</a:t>
             </a:r>
           </a:p>
@@ -4140,13 +4120,6 @@
   <p:clrMapOvr>
     <a:masterClrMapping/>
   </p:clrMapOvr>
-  <p:timing>
-    <p:tnLst>
-      <p:par>
-        <p:cTn id="1" dur="indefinite" restart="never" nodeType="tmRoot"/>
-      </p:par>
-    </p:tnLst>
-  </p:timing>
 </p:sld>
 </file>
 

--- a/csv2anki/design.pptx
+++ b/csv2anki/design.pptx
@@ -252,7 +252,7 @@
           <a:p>
             <a:fld id="{A96FB359-0509-4226-834D-6F1306F6973B}" type="datetimeFigureOut">
               <a:rPr lang="zh-CN" altLang="en-US" smtClean="0"/>
-              <a:t>2017/3/16</a:t>
+              <a:t>2017/3/17</a:t>
             </a:fld>
             <a:endParaRPr lang="zh-CN" altLang="en-US"/>
           </a:p>
@@ -420,7 +420,7 @@
           <a:p>
             <a:fld id="{A96FB359-0509-4226-834D-6F1306F6973B}" type="datetimeFigureOut">
               <a:rPr lang="zh-CN" altLang="en-US" smtClean="0"/>
-              <a:t>2017/3/16</a:t>
+              <a:t>2017/3/17</a:t>
             </a:fld>
             <a:endParaRPr lang="zh-CN" altLang="en-US"/>
           </a:p>
@@ -598,7 +598,7 @@
           <a:p>
             <a:fld id="{A96FB359-0509-4226-834D-6F1306F6973B}" type="datetimeFigureOut">
               <a:rPr lang="zh-CN" altLang="en-US" smtClean="0"/>
-              <a:t>2017/3/16</a:t>
+              <a:t>2017/3/17</a:t>
             </a:fld>
             <a:endParaRPr lang="zh-CN" altLang="en-US"/>
           </a:p>
@@ -766,7 +766,7 @@
           <a:p>
             <a:fld id="{A96FB359-0509-4226-834D-6F1306F6973B}" type="datetimeFigureOut">
               <a:rPr lang="zh-CN" altLang="en-US" smtClean="0"/>
-              <a:t>2017/3/16</a:t>
+              <a:t>2017/3/17</a:t>
             </a:fld>
             <a:endParaRPr lang="zh-CN" altLang="en-US"/>
           </a:p>
@@ -1011,7 +1011,7 @@
           <a:p>
             <a:fld id="{A96FB359-0509-4226-834D-6F1306F6973B}" type="datetimeFigureOut">
               <a:rPr lang="zh-CN" altLang="en-US" smtClean="0"/>
-              <a:t>2017/3/16</a:t>
+              <a:t>2017/3/17</a:t>
             </a:fld>
             <a:endParaRPr lang="zh-CN" altLang="en-US"/>
           </a:p>
@@ -1240,7 +1240,7 @@
           <a:p>
             <a:fld id="{A96FB359-0509-4226-834D-6F1306F6973B}" type="datetimeFigureOut">
               <a:rPr lang="zh-CN" altLang="en-US" smtClean="0"/>
-              <a:t>2017/3/16</a:t>
+              <a:t>2017/3/17</a:t>
             </a:fld>
             <a:endParaRPr lang="zh-CN" altLang="en-US"/>
           </a:p>
@@ -1604,7 +1604,7 @@
           <a:p>
             <a:fld id="{A96FB359-0509-4226-834D-6F1306F6973B}" type="datetimeFigureOut">
               <a:rPr lang="zh-CN" altLang="en-US" smtClean="0"/>
-              <a:t>2017/3/16</a:t>
+              <a:t>2017/3/17</a:t>
             </a:fld>
             <a:endParaRPr lang="zh-CN" altLang="en-US"/>
           </a:p>
@@ -1721,7 +1721,7 @@
           <a:p>
             <a:fld id="{A96FB359-0509-4226-834D-6F1306F6973B}" type="datetimeFigureOut">
               <a:rPr lang="zh-CN" altLang="en-US" smtClean="0"/>
-              <a:t>2017/3/16</a:t>
+              <a:t>2017/3/17</a:t>
             </a:fld>
             <a:endParaRPr lang="zh-CN" altLang="en-US"/>
           </a:p>
@@ -1816,7 +1816,7 @@
           <a:p>
             <a:fld id="{A96FB359-0509-4226-834D-6F1306F6973B}" type="datetimeFigureOut">
               <a:rPr lang="zh-CN" altLang="en-US" smtClean="0"/>
-              <a:t>2017/3/16</a:t>
+              <a:t>2017/3/17</a:t>
             </a:fld>
             <a:endParaRPr lang="zh-CN" altLang="en-US"/>
           </a:p>
@@ -2091,7 +2091,7 @@
           <a:p>
             <a:fld id="{A96FB359-0509-4226-834D-6F1306F6973B}" type="datetimeFigureOut">
               <a:rPr lang="zh-CN" altLang="en-US" smtClean="0"/>
-              <a:t>2017/3/16</a:t>
+              <a:t>2017/3/17</a:t>
             </a:fld>
             <a:endParaRPr lang="zh-CN" altLang="en-US"/>
           </a:p>
@@ -2343,7 +2343,7 @@
           <a:p>
             <a:fld id="{A96FB359-0509-4226-834D-6F1306F6973B}" type="datetimeFigureOut">
               <a:rPr lang="zh-CN" altLang="en-US" smtClean="0"/>
-              <a:t>2017/3/16</a:t>
+              <a:t>2017/3/17</a:t>
             </a:fld>
             <a:endParaRPr lang="zh-CN" altLang="en-US"/>
           </a:p>
@@ -2554,7 +2554,7 @@
           <a:p>
             <a:fld id="{A96FB359-0509-4226-834D-6F1306F6973B}" type="datetimeFigureOut">
               <a:rPr lang="zh-CN" altLang="en-US" smtClean="0"/>
-              <a:t>2017/3/16</a:t>
+              <a:t>2017/3/17</a:t>
             </a:fld>
             <a:endParaRPr lang="zh-CN" altLang="en-US"/>
           </a:p>
@@ -3102,7 +3102,7 @@
         <p:spPr>
           <a:xfrm>
             <a:off x="638735" y="962733"/>
-            <a:ext cx="1492624" cy="2729754"/>
+            <a:ext cx="1492624" cy="1957085"/>
           </a:xfrm>
           <a:prstGeom prst="rect">
             <a:avLst/>
@@ -3275,7 +3275,7 @@
         </p:nvSpPr>
         <p:spPr>
           <a:xfrm>
-            <a:off x="726141" y="2952517"/>
+            <a:off x="726141" y="3050788"/>
             <a:ext cx="1317812" cy="605117"/>
           </a:xfrm>
           <a:prstGeom prst="rect">
@@ -3578,9 +3578,9 @@
           <p:nvPr/>
         </p:nvCxnSpPr>
         <p:spPr>
-          <a:xfrm>
-            <a:off x="2043953" y="3255076"/>
-            <a:ext cx="263503" cy="68604"/>
+          <a:xfrm flipV="1">
+            <a:off x="2043953" y="3323680"/>
+            <a:ext cx="263503" cy="29667"/>
           </a:xfrm>
           <a:prstGeom prst="straightConnector1">
             <a:avLst/>
@@ -3933,8 +3933,8 @@
         </p:nvSpPr>
         <p:spPr>
           <a:xfrm>
-            <a:off x="8034838" y="1540936"/>
-            <a:ext cx="1513114" cy="1284619"/>
+            <a:off x="8034838" y="1540935"/>
+            <a:ext cx="1513114" cy="1888065"/>
           </a:xfrm>
           <a:prstGeom prst="rect">
             <a:avLst/>
@@ -3962,10 +3962,62 @@
           <a:p>
             <a:pPr algn="ctr"/>
             <a:r>
+              <a:rPr lang="en-US" altLang="zh-CN" dirty="0" smtClean="0"/>
+              <a:t>Model</a:t>
+            </a:r>
+          </a:p>
+          <a:p>
+            <a:pPr algn="ctr"/>
+            <a:endParaRPr lang="en-US" altLang="zh-CN" dirty="0"/>
+          </a:p>
+          <a:p>
+            <a:pPr algn="ctr"/>
+            <a:r>
               <a:rPr lang="en-US" altLang="zh-CN" dirty="0"/>
-              <a:t>model</a:t>
-            </a:r>
-            <a:endParaRPr lang="zh-CN" altLang="en-US" dirty="0"/>
+              <a:t>From csv</a:t>
+            </a:r>
+          </a:p>
+          <a:p>
+            <a:pPr algn="ctr"/>
+            <a:r>
+              <a:rPr lang="en-US" altLang="zh-CN" dirty="0"/>
+              <a:t>_</a:t>
+            </a:r>
+            <a:r>
+              <a:rPr lang="en-US" altLang="zh-CN" dirty="0" err="1"/>
+              <a:t>flds</a:t>
+            </a:r>
+            <a:r>
+              <a:rPr lang="en-US" altLang="zh-CN" dirty="0"/>
+              <a:t> notes</a:t>
+            </a:r>
+          </a:p>
+          <a:p>
+            <a:pPr algn="ctr"/>
+            <a:r>
+              <a:rPr lang="en-US" altLang="zh-CN" dirty="0"/>
+              <a:t>To csv</a:t>
+            </a:r>
+          </a:p>
+          <a:p>
+            <a:pPr algn="ctr"/>
+            <a:r>
+              <a:rPr lang="en-US" altLang="zh-CN" dirty="0"/>
+              <a:t>_</a:t>
+            </a:r>
+            <a:r>
+              <a:rPr lang="en-US" altLang="zh-CN" dirty="0" err="1"/>
+              <a:t>flds</a:t>
+            </a:r>
+            <a:r>
+              <a:rPr lang="en-US" altLang="zh-CN" dirty="0"/>
+              <a:t> </a:t>
+            </a:r>
+            <a:r>
+              <a:rPr lang="en-US" altLang="zh-CN" dirty="0" smtClean="0"/>
+              <a:t>notes</a:t>
+            </a:r>
+            <a:endParaRPr lang="en-US" altLang="zh-CN" dirty="0"/>
           </a:p>
         </p:txBody>
       </p:sp>
@@ -3977,8 +4029,8 @@
         </p:nvSpPr>
         <p:spPr>
           <a:xfrm>
-            <a:off x="9863286" y="725297"/>
-            <a:ext cx="728514" cy="2301876"/>
+            <a:off x="9785201" y="1405815"/>
+            <a:ext cx="2330599" cy="1356955"/>
           </a:xfrm>
           <a:prstGeom prst="rect">
             <a:avLst/>
@@ -4006,10 +4058,29 @@
           <a:p>
             <a:pPr algn="ctr"/>
             <a:r>
-              <a:rPr lang="en-US" altLang="zh-CN" dirty="0"/>
-              <a:t>deck</a:t>
-            </a:r>
-            <a:endParaRPr lang="zh-CN" altLang="en-US" dirty="0"/>
+              <a:rPr lang="en-US" altLang="zh-CN" dirty="0" smtClean="0"/>
+              <a:t>Deck</a:t>
+            </a:r>
+          </a:p>
+          <a:p>
+            <a:pPr algn="ctr"/>
+            <a:endParaRPr lang="en-US" altLang="zh-CN" dirty="0"/>
+          </a:p>
+          <a:p>
+            <a:pPr algn="ctr"/>
+            <a:r>
+              <a:rPr lang="en-US" altLang="zh-CN" dirty="0" err="1"/>
+              <a:t>Load_notes_cards</a:t>
+            </a:r>
+            <a:endParaRPr lang="en-US" altLang="zh-CN" dirty="0"/>
+          </a:p>
+          <a:p>
+            <a:pPr algn="ctr"/>
+            <a:r>
+              <a:rPr lang="en-US" altLang="zh-CN" dirty="0" err="1" smtClean="0"/>
+              <a:t>Gen_notes_cards</a:t>
+            </a:r>
+            <a:endParaRPr lang="en-US" altLang="zh-CN" dirty="0"/>
           </a:p>
         </p:txBody>
       </p:sp>

--- a/csv2anki/design.pptx
+++ b/csv2anki/design.pptx
@@ -6,6 +6,7 @@
   </p:sldMasterIdLst>
   <p:sldIdLst>
     <p:sldId id="256" r:id="rId2"/>
+    <p:sldId id="257" r:id="rId3"/>
   </p:sldIdLst>
   <p:sldSz cx="12192000" cy="6858000"/>
   <p:notesSz cx="6858000" cy="9144000"/>
@@ -252,7 +253,7 @@
           <a:p>
             <a:fld id="{A96FB359-0509-4226-834D-6F1306F6973B}" type="datetimeFigureOut">
               <a:rPr lang="zh-CN" altLang="en-US" smtClean="0"/>
-              <a:t>2017/3/17</a:t>
+              <a:t>2017/3/20</a:t>
             </a:fld>
             <a:endParaRPr lang="zh-CN" altLang="en-US"/>
           </a:p>
@@ -420,7 +421,7 @@
           <a:p>
             <a:fld id="{A96FB359-0509-4226-834D-6F1306F6973B}" type="datetimeFigureOut">
               <a:rPr lang="zh-CN" altLang="en-US" smtClean="0"/>
-              <a:t>2017/3/17</a:t>
+              <a:t>2017/3/20</a:t>
             </a:fld>
             <a:endParaRPr lang="zh-CN" altLang="en-US"/>
           </a:p>
@@ -598,7 +599,7 @@
           <a:p>
             <a:fld id="{A96FB359-0509-4226-834D-6F1306F6973B}" type="datetimeFigureOut">
               <a:rPr lang="zh-CN" altLang="en-US" smtClean="0"/>
-              <a:t>2017/3/17</a:t>
+              <a:t>2017/3/20</a:t>
             </a:fld>
             <a:endParaRPr lang="zh-CN" altLang="en-US"/>
           </a:p>
@@ -766,7 +767,7 @@
           <a:p>
             <a:fld id="{A96FB359-0509-4226-834D-6F1306F6973B}" type="datetimeFigureOut">
               <a:rPr lang="zh-CN" altLang="en-US" smtClean="0"/>
-              <a:t>2017/3/17</a:t>
+              <a:t>2017/3/20</a:t>
             </a:fld>
             <a:endParaRPr lang="zh-CN" altLang="en-US"/>
           </a:p>
@@ -1011,7 +1012,7 @@
           <a:p>
             <a:fld id="{A96FB359-0509-4226-834D-6F1306F6973B}" type="datetimeFigureOut">
               <a:rPr lang="zh-CN" altLang="en-US" smtClean="0"/>
-              <a:t>2017/3/17</a:t>
+              <a:t>2017/3/20</a:t>
             </a:fld>
             <a:endParaRPr lang="zh-CN" altLang="en-US"/>
           </a:p>
@@ -1240,7 +1241,7 @@
           <a:p>
             <a:fld id="{A96FB359-0509-4226-834D-6F1306F6973B}" type="datetimeFigureOut">
               <a:rPr lang="zh-CN" altLang="en-US" smtClean="0"/>
-              <a:t>2017/3/17</a:t>
+              <a:t>2017/3/20</a:t>
             </a:fld>
             <a:endParaRPr lang="zh-CN" altLang="en-US"/>
           </a:p>
@@ -1604,7 +1605,7 @@
           <a:p>
             <a:fld id="{A96FB359-0509-4226-834D-6F1306F6973B}" type="datetimeFigureOut">
               <a:rPr lang="zh-CN" altLang="en-US" smtClean="0"/>
-              <a:t>2017/3/17</a:t>
+              <a:t>2017/3/20</a:t>
             </a:fld>
             <a:endParaRPr lang="zh-CN" altLang="en-US"/>
           </a:p>
@@ -1721,7 +1722,7 @@
           <a:p>
             <a:fld id="{A96FB359-0509-4226-834D-6F1306F6973B}" type="datetimeFigureOut">
               <a:rPr lang="zh-CN" altLang="en-US" smtClean="0"/>
-              <a:t>2017/3/17</a:t>
+              <a:t>2017/3/20</a:t>
             </a:fld>
             <a:endParaRPr lang="zh-CN" altLang="en-US"/>
           </a:p>
@@ -1816,7 +1817,7 @@
           <a:p>
             <a:fld id="{A96FB359-0509-4226-834D-6F1306F6973B}" type="datetimeFigureOut">
               <a:rPr lang="zh-CN" altLang="en-US" smtClean="0"/>
-              <a:t>2017/3/17</a:t>
+              <a:t>2017/3/20</a:t>
             </a:fld>
             <a:endParaRPr lang="zh-CN" altLang="en-US"/>
           </a:p>
@@ -2091,7 +2092,7 @@
           <a:p>
             <a:fld id="{A96FB359-0509-4226-834D-6F1306F6973B}" type="datetimeFigureOut">
               <a:rPr lang="zh-CN" altLang="en-US" smtClean="0"/>
-              <a:t>2017/3/17</a:t>
+              <a:t>2017/3/20</a:t>
             </a:fld>
             <a:endParaRPr lang="zh-CN" altLang="en-US"/>
           </a:p>
@@ -2343,7 +2344,7 @@
           <a:p>
             <a:fld id="{A96FB359-0509-4226-834D-6F1306F6973B}" type="datetimeFigureOut">
               <a:rPr lang="zh-CN" altLang="en-US" smtClean="0"/>
-              <a:t>2017/3/17</a:t>
+              <a:t>2017/3/20</a:t>
             </a:fld>
             <a:endParaRPr lang="zh-CN" altLang="en-US"/>
           </a:p>
@@ -2554,7 +2555,7 @@
           <a:p>
             <a:fld id="{A96FB359-0509-4226-834D-6F1306F6973B}" type="datetimeFigureOut">
               <a:rPr lang="zh-CN" altLang="en-US" smtClean="0"/>
-              <a:t>2017/3/17</a:t>
+              <a:t>2017/3/20</a:t>
             </a:fld>
             <a:endParaRPr lang="zh-CN" altLang="en-US"/>
           </a:p>
@@ -4194,6 +4195,2391 @@
 </p:sld>
 </file>
 
+<file path=ppt/slides/slide2.xml><?xml version="1.0" encoding="utf-8"?>
+<p:sld xmlns:a="http://schemas.openxmlformats.org/drawingml/2006/main" xmlns:r="http://schemas.openxmlformats.org/officeDocument/2006/relationships" xmlns:p="http://schemas.openxmlformats.org/presentationml/2006/main">
+  <p:cSld>
+    <p:spTree>
+      <p:nvGrpSpPr>
+        <p:cNvPr id="1" name=""/>
+        <p:cNvGrpSpPr/>
+        <p:nvPr/>
+      </p:nvGrpSpPr>
+      <p:grpSpPr>
+        <a:xfrm>
+          <a:off x="0" y="0"/>
+          <a:ext cx="0" cy="0"/>
+          <a:chOff x="0" y="0"/>
+          <a:chExt cx="0" cy="0"/>
+        </a:xfrm>
+      </p:grpSpPr>
+      <p:sp>
+        <p:nvSpPr>
+          <p:cNvPr id="8" name="矩形 7"/>
+          <p:cNvSpPr/>
+          <p:nvPr/>
+        </p:nvSpPr>
+        <p:spPr>
+          <a:xfrm>
+            <a:off x="4757056" y="385538"/>
+            <a:ext cx="2677887" cy="6099627"/>
+          </a:xfrm>
+          <a:prstGeom prst="rect">
+            <a:avLst/>
+          </a:prstGeom>
+        </p:spPr>
+        <p:style>
+          <a:lnRef idx="2">
+            <a:schemeClr val="accent4">
+              <a:shade val="50000"/>
+            </a:schemeClr>
+          </a:lnRef>
+          <a:fillRef idx="1">
+            <a:schemeClr val="accent4"/>
+          </a:fillRef>
+          <a:effectRef idx="0">
+            <a:schemeClr val="accent4"/>
+          </a:effectRef>
+          <a:fontRef idx="minor">
+            <a:schemeClr val="lt1"/>
+          </a:fontRef>
+        </p:style>
+        <p:txBody>
+          <a:bodyPr rtlCol="0" anchor="t"/>
+          <a:lstStyle/>
+          <a:p>
+            <a:r>
+              <a:rPr lang="en-US" altLang="zh-CN" dirty="0" smtClean="0"/>
+              <a:t>Col</a:t>
+            </a:r>
+            <a:endParaRPr lang="en-US" altLang="zh-CN" dirty="0"/>
+          </a:p>
+        </p:txBody>
+      </p:sp>
+      <p:sp>
+        <p:nvSpPr>
+          <p:cNvPr id="4" name="矩形 3"/>
+          <p:cNvSpPr/>
+          <p:nvPr/>
+        </p:nvSpPr>
+        <p:spPr>
+          <a:xfrm>
+            <a:off x="5072743" y="3117392"/>
+            <a:ext cx="2046514" cy="2113197"/>
+          </a:xfrm>
+          <a:prstGeom prst="rect">
+            <a:avLst/>
+          </a:prstGeom>
+        </p:spPr>
+        <p:style>
+          <a:lnRef idx="2">
+            <a:schemeClr val="accent4">
+              <a:shade val="50000"/>
+            </a:schemeClr>
+          </a:lnRef>
+          <a:fillRef idx="1">
+            <a:schemeClr val="accent4"/>
+          </a:fillRef>
+          <a:effectRef idx="0">
+            <a:schemeClr val="accent4"/>
+          </a:effectRef>
+          <a:fontRef idx="minor">
+            <a:schemeClr val="lt1"/>
+          </a:fontRef>
+        </p:style>
+        <p:txBody>
+          <a:bodyPr rtlCol="0" anchor="t"/>
+          <a:lstStyle/>
+          <a:p>
+            <a:r>
+              <a:rPr lang="en-US" altLang="zh-CN" dirty="0" err="1" smtClean="0"/>
+              <a:t>Model_decks</a:t>
+            </a:r>
+            <a:endParaRPr lang="en-US" altLang="zh-CN" dirty="0"/>
+          </a:p>
+        </p:txBody>
+      </p:sp>
+      <p:sp>
+        <p:nvSpPr>
+          <p:cNvPr id="5" name="圆角矩形 4"/>
+          <p:cNvSpPr/>
+          <p:nvPr/>
+        </p:nvSpPr>
+        <p:spPr>
+          <a:xfrm>
+            <a:off x="5470071" y="4298032"/>
+            <a:ext cx="1251857" cy="363771"/>
+          </a:xfrm>
+          <a:prstGeom prst="roundRect">
+            <a:avLst/>
+          </a:prstGeom>
+        </p:spPr>
+        <p:style>
+          <a:lnRef idx="2">
+            <a:schemeClr val="accent2">
+              <a:shade val="50000"/>
+            </a:schemeClr>
+          </a:lnRef>
+          <a:fillRef idx="1">
+            <a:schemeClr val="accent2"/>
+          </a:fillRef>
+          <a:effectRef idx="0">
+            <a:schemeClr val="accent2"/>
+          </a:effectRef>
+          <a:fontRef idx="minor">
+            <a:schemeClr val="lt1"/>
+          </a:fontRef>
+        </p:style>
+        <p:txBody>
+          <a:bodyPr rtlCol="0" anchor="t"/>
+          <a:lstStyle/>
+          <a:p>
+            <a:r>
+              <a:rPr lang="en-US" altLang="zh-CN" dirty="0" smtClean="0"/>
+              <a:t>Model</a:t>
+            </a:r>
+          </a:p>
+        </p:txBody>
+      </p:sp>
+      <p:sp>
+        <p:nvSpPr>
+          <p:cNvPr id="6" name="圆角矩形 5"/>
+          <p:cNvSpPr/>
+          <p:nvPr/>
+        </p:nvSpPr>
+        <p:spPr>
+          <a:xfrm>
+            <a:off x="5470072" y="4727123"/>
+            <a:ext cx="1251857" cy="363771"/>
+          </a:xfrm>
+          <a:prstGeom prst="roundRect">
+            <a:avLst/>
+          </a:prstGeom>
+        </p:spPr>
+        <p:style>
+          <a:lnRef idx="2">
+            <a:schemeClr val="accent2">
+              <a:shade val="50000"/>
+            </a:schemeClr>
+          </a:lnRef>
+          <a:fillRef idx="1">
+            <a:schemeClr val="accent2"/>
+          </a:fillRef>
+          <a:effectRef idx="0">
+            <a:schemeClr val="accent2"/>
+          </a:effectRef>
+          <a:fontRef idx="minor">
+            <a:schemeClr val="lt1"/>
+          </a:fontRef>
+        </p:style>
+        <p:txBody>
+          <a:bodyPr rtlCol="0" anchor="t"/>
+          <a:lstStyle/>
+          <a:p>
+            <a:r>
+              <a:rPr lang="en-US" altLang="zh-CN" dirty="0" smtClean="0"/>
+              <a:t>Deck</a:t>
+            </a:r>
+          </a:p>
+        </p:txBody>
+      </p:sp>
+      <p:sp>
+        <p:nvSpPr>
+          <p:cNvPr id="7" name="圆角矩形 6"/>
+          <p:cNvSpPr/>
+          <p:nvPr/>
+        </p:nvSpPr>
+        <p:spPr>
+          <a:xfrm>
+            <a:off x="5467348" y="3504735"/>
+            <a:ext cx="1251857" cy="729343"/>
+          </a:xfrm>
+          <a:prstGeom prst="roundRect">
+            <a:avLst/>
+          </a:prstGeom>
+        </p:spPr>
+        <p:style>
+          <a:lnRef idx="2">
+            <a:schemeClr val="accent4">
+              <a:shade val="50000"/>
+            </a:schemeClr>
+          </a:lnRef>
+          <a:fillRef idx="1">
+            <a:schemeClr val="accent4"/>
+          </a:fillRef>
+          <a:effectRef idx="0">
+            <a:schemeClr val="accent4"/>
+          </a:effectRef>
+          <a:fontRef idx="minor">
+            <a:schemeClr val="lt1"/>
+          </a:fontRef>
+        </p:style>
+        <p:txBody>
+          <a:bodyPr rtlCol="0" anchor="t"/>
+          <a:lstStyle/>
+          <a:p>
+            <a:r>
+              <a:rPr lang="en-US" altLang="zh-CN" dirty="0" smtClean="0"/>
+              <a:t>Notes</a:t>
+            </a:r>
+          </a:p>
+          <a:p>
+            <a:r>
+              <a:rPr lang="en-US" altLang="zh-CN" dirty="0" smtClean="0"/>
+              <a:t>..tags</a:t>
+            </a:r>
+          </a:p>
+        </p:txBody>
+      </p:sp>
+      <p:sp>
+        <p:nvSpPr>
+          <p:cNvPr id="9" name="矩形 8"/>
+          <p:cNvSpPr/>
+          <p:nvPr/>
+        </p:nvSpPr>
+        <p:spPr>
+          <a:xfrm>
+            <a:off x="5067299" y="5459187"/>
+            <a:ext cx="881743" cy="293914"/>
+          </a:xfrm>
+          <a:prstGeom prst="rect">
+            <a:avLst/>
+          </a:prstGeom>
+        </p:spPr>
+        <p:style>
+          <a:lnRef idx="2">
+            <a:schemeClr val="accent1">
+              <a:shade val="50000"/>
+            </a:schemeClr>
+          </a:lnRef>
+          <a:fillRef idx="1">
+            <a:schemeClr val="accent1"/>
+          </a:fillRef>
+          <a:effectRef idx="0">
+            <a:schemeClr val="accent1"/>
+          </a:effectRef>
+          <a:fontRef idx="minor">
+            <a:schemeClr val="lt1"/>
+          </a:fontRef>
+        </p:style>
+        <p:txBody>
+          <a:bodyPr rtlCol="0" anchor="ctr"/>
+          <a:lstStyle/>
+          <a:p>
+            <a:pPr algn="ctr"/>
+            <a:r>
+              <a:rPr lang="en-US" altLang="zh-CN" dirty="0" err="1" smtClean="0"/>
+              <a:t>Conf</a:t>
+            </a:r>
+            <a:endParaRPr lang="en-US" altLang="zh-CN" dirty="0" smtClean="0"/>
+          </a:p>
+        </p:txBody>
+      </p:sp>
+      <p:sp>
+        <p:nvSpPr>
+          <p:cNvPr id="10" name="矩形 9"/>
+          <p:cNvSpPr/>
+          <p:nvPr/>
+        </p:nvSpPr>
+        <p:spPr>
+          <a:xfrm>
+            <a:off x="6237513" y="5459187"/>
+            <a:ext cx="881743" cy="293914"/>
+          </a:xfrm>
+          <a:prstGeom prst="rect">
+            <a:avLst/>
+          </a:prstGeom>
+        </p:spPr>
+        <p:style>
+          <a:lnRef idx="2">
+            <a:schemeClr val="accent1">
+              <a:shade val="50000"/>
+            </a:schemeClr>
+          </a:lnRef>
+          <a:fillRef idx="1">
+            <a:schemeClr val="accent1"/>
+          </a:fillRef>
+          <a:effectRef idx="0">
+            <a:schemeClr val="accent1"/>
+          </a:effectRef>
+          <a:fontRef idx="minor">
+            <a:schemeClr val="lt1"/>
+          </a:fontRef>
+        </p:style>
+        <p:txBody>
+          <a:bodyPr rtlCol="0" anchor="ctr"/>
+          <a:lstStyle/>
+          <a:p>
+            <a:pPr algn="ctr"/>
+            <a:r>
+              <a:rPr lang="en-US" altLang="zh-CN" dirty="0" err="1" smtClean="0"/>
+              <a:t>Dconf</a:t>
+            </a:r>
+            <a:endParaRPr lang="en-US" altLang="zh-CN" dirty="0" smtClean="0"/>
+          </a:p>
+        </p:txBody>
+      </p:sp>
+      <p:sp>
+        <p:nvSpPr>
+          <p:cNvPr id="11" name="矩形 10"/>
+          <p:cNvSpPr/>
+          <p:nvPr/>
+        </p:nvSpPr>
+        <p:spPr>
+          <a:xfrm>
+            <a:off x="5072743" y="5881009"/>
+            <a:ext cx="2046514" cy="375558"/>
+          </a:xfrm>
+          <a:prstGeom prst="rect">
+            <a:avLst/>
+          </a:prstGeom>
+        </p:spPr>
+        <p:style>
+          <a:lnRef idx="2">
+            <a:schemeClr val="accent1">
+              <a:shade val="50000"/>
+            </a:schemeClr>
+          </a:lnRef>
+          <a:fillRef idx="1">
+            <a:schemeClr val="accent1"/>
+          </a:fillRef>
+          <a:effectRef idx="0">
+            <a:schemeClr val="accent1"/>
+          </a:effectRef>
+          <a:fontRef idx="minor">
+            <a:schemeClr val="lt1"/>
+          </a:fontRef>
+        </p:style>
+        <p:txBody>
+          <a:bodyPr rtlCol="0" anchor="ctr"/>
+          <a:lstStyle/>
+          <a:p>
+            <a:pPr algn="ctr"/>
+            <a:r>
+              <a:rPr lang="en-US" altLang="zh-CN" dirty="0" smtClean="0"/>
+              <a:t>media</a:t>
+            </a:r>
+          </a:p>
+        </p:txBody>
+      </p:sp>
+      <p:sp>
+        <p:nvSpPr>
+          <p:cNvPr id="13" name="矩形 12"/>
+          <p:cNvSpPr/>
+          <p:nvPr/>
+        </p:nvSpPr>
+        <p:spPr>
+          <a:xfrm>
+            <a:off x="5067299" y="767448"/>
+            <a:ext cx="2051957" cy="1636461"/>
+          </a:xfrm>
+          <a:prstGeom prst="rect">
+            <a:avLst/>
+          </a:prstGeom>
+        </p:spPr>
+        <p:style>
+          <a:lnRef idx="2">
+            <a:schemeClr val="accent4">
+              <a:shade val="50000"/>
+            </a:schemeClr>
+          </a:lnRef>
+          <a:fillRef idx="1">
+            <a:schemeClr val="accent4"/>
+          </a:fillRef>
+          <a:effectRef idx="0">
+            <a:schemeClr val="accent4"/>
+          </a:effectRef>
+          <a:fontRef idx="minor">
+            <a:schemeClr val="lt1"/>
+          </a:fontRef>
+        </p:style>
+        <p:txBody>
+          <a:bodyPr rtlCol="0" anchor="ctr"/>
+          <a:lstStyle/>
+          <a:p>
+            <a:r>
+              <a:rPr lang="en-US" altLang="zh-CN" dirty="0" smtClean="0"/>
+              <a:t>Models</a:t>
+            </a:r>
+            <a:endParaRPr lang="en-US" altLang="zh-CN" dirty="0"/>
+          </a:p>
+          <a:p>
+            <a:r>
+              <a:rPr lang="en-US" altLang="zh-CN" dirty="0"/>
+              <a:t>.</a:t>
+            </a:r>
+            <a:r>
+              <a:rPr lang="en-US" altLang="zh-CN" dirty="0" err="1"/>
+              <a:t>tmpls</a:t>
+            </a:r>
+            <a:endParaRPr lang="en-US" altLang="zh-CN" dirty="0"/>
+          </a:p>
+          <a:p>
+            <a:r>
+              <a:rPr lang="en-US" altLang="zh-CN" dirty="0"/>
+              <a:t>.</a:t>
+            </a:r>
+            <a:r>
+              <a:rPr lang="en-US" altLang="zh-CN" dirty="0" err="1"/>
+              <a:t>flds</a:t>
+            </a:r>
+            <a:endParaRPr lang="en-US" altLang="zh-CN" dirty="0"/>
+          </a:p>
+          <a:p>
+            <a:r>
+              <a:rPr lang="en-US" altLang="zh-CN" dirty="0"/>
+              <a:t>. </a:t>
+            </a:r>
+            <a:r>
+              <a:rPr lang="en-US" altLang="zh-CN" dirty="0" err="1"/>
+              <a:t>is_cloze</a:t>
+            </a:r>
+            <a:endParaRPr lang="en-US" altLang="zh-CN" dirty="0"/>
+          </a:p>
+          <a:p>
+            <a:r>
+              <a:rPr lang="en-US" altLang="zh-CN" dirty="0"/>
+              <a:t>..</a:t>
+            </a:r>
+            <a:r>
+              <a:rPr lang="en-US" altLang="zh-CN" dirty="0" err="1" smtClean="0"/>
+              <a:t>css</a:t>
+            </a:r>
+            <a:endParaRPr lang="en-US" altLang="zh-CN" dirty="0" smtClean="0"/>
+          </a:p>
+          <a:p>
+            <a:r>
+              <a:rPr lang="en-US" altLang="zh-CN" dirty="0" smtClean="0"/>
+              <a:t>..</a:t>
+            </a:r>
+            <a:r>
+              <a:rPr lang="en-US" altLang="zh-CN" dirty="0" err="1" smtClean="0"/>
+              <a:t>model_name</a:t>
+            </a:r>
+            <a:endParaRPr lang="en-US" altLang="zh-CN" dirty="0"/>
+          </a:p>
+        </p:txBody>
+      </p:sp>
+      <p:sp>
+        <p:nvSpPr>
+          <p:cNvPr id="15" name="矩形 14"/>
+          <p:cNvSpPr/>
+          <p:nvPr/>
+        </p:nvSpPr>
+        <p:spPr>
+          <a:xfrm>
+            <a:off x="5067300" y="2543604"/>
+            <a:ext cx="2051956" cy="468086"/>
+          </a:xfrm>
+          <a:prstGeom prst="rect">
+            <a:avLst/>
+          </a:prstGeom>
+        </p:spPr>
+        <p:style>
+          <a:lnRef idx="2">
+            <a:schemeClr val="accent4">
+              <a:shade val="50000"/>
+            </a:schemeClr>
+          </a:lnRef>
+          <a:fillRef idx="1">
+            <a:schemeClr val="accent4"/>
+          </a:fillRef>
+          <a:effectRef idx="0">
+            <a:schemeClr val="accent4"/>
+          </a:effectRef>
+          <a:fontRef idx="minor">
+            <a:schemeClr val="lt1"/>
+          </a:fontRef>
+        </p:style>
+        <p:txBody>
+          <a:bodyPr rtlCol="0" anchor="ctr"/>
+          <a:lstStyle/>
+          <a:p>
+            <a:r>
+              <a:rPr lang="en-US" altLang="zh-CN" dirty="0" smtClean="0"/>
+              <a:t>Decks  .</a:t>
+            </a:r>
+            <a:r>
+              <a:rPr lang="en-US" altLang="zh-CN" dirty="0" err="1" smtClean="0"/>
+              <a:t>deck_name</a:t>
+            </a:r>
+            <a:endParaRPr lang="zh-CN" altLang="en-US" dirty="0"/>
+          </a:p>
+        </p:txBody>
+      </p:sp>
+      <p:sp>
+        <p:nvSpPr>
+          <p:cNvPr id="16" name="矩形 15"/>
+          <p:cNvSpPr/>
+          <p:nvPr/>
+        </p:nvSpPr>
+        <p:spPr>
+          <a:xfrm>
+            <a:off x="1106713" y="385539"/>
+            <a:ext cx="2677887" cy="6112331"/>
+          </a:xfrm>
+          <a:prstGeom prst="rect">
+            <a:avLst/>
+          </a:prstGeom>
+          <a:solidFill>
+            <a:schemeClr val="accent2">
+              <a:lumMod val="40000"/>
+              <a:lumOff val="60000"/>
+            </a:schemeClr>
+          </a:solidFill>
+          <a:ln>
+            <a:noFill/>
+          </a:ln>
+        </p:spPr>
+        <p:style>
+          <a:lnRef idx="2">
+            <a:schemeClr val="accent4">
+              <a:shade val="50000"/>
+            </a:schemeClr>
+          </a:lnRef>
+          <a:fillRef idx="1">
+            <a:schemeClr val="accent4"/>
+          </a:fillRef>
+          <a:effectRef idx="0">
+            <a:schemeClr val="accent4"/>
+          </a:effectRef>
+          <a:fontRef idx="minor">
+            <a:schemeClr val="lt1"/>
+          </a:fontRef>
+        </p:style>
+        <p:txBody>
+          <a:bodyPr rtlCol="0" anchor="t"/>
+          <a:lstStyle/>
+          <a:p>
+            <a:pPr algn="ctr"/>
+            <a:r>
+              <a:rPr lang="en-US" altLang="zh-CN" dirty="0" smtClean="0">
+                <a:solidFill>
+                  <a:schemeClr val="tx1"/>
+                </a:solidFill>
+              </a:rPr>
+              <a:t>File System</a:t>
+            </a:r>
+          </a:p>
+        </p:txBody>
+      </p:sp>
+      <p:sp>
+        <p:nvSpPr>
+          <p:cNvPr id="17" name="矩形 16"/>
+          <p:cNvSpPr/>
+          <p:nvPr/>
+        </p:nvSpPr>
+        <p:spPr>
+          <a:xfrm>
+            <a:off x="9327350" y="385539"/>
+            <a:ext cx="2677887" cy="6112331"/>
+          </a:xfrm>
+          <a:prstGeom prst="rect">
+            <a:avLst/>
+          </a:prstGeom>
+          <a:solidFill>
+            <a:schemeClr val="accent2">
+              <a:lumMod val="40000"/>
+              <a:lumOff val="60000"/>
+            </a:schemeClr>
+          </a:solidFill>
+          <a:ln>
+            <a:noFill/>
+          </a:ln>
+        </p:spPr>
+        <p:style>
+          <a:lnRef idx="2">
+            <a:schemeClr val="accent4">
+              <a:shade val="50000"/>
+            </a:schemeClr>
+          </a:lnRef>
+          <a:fillRef idx="1">
+            <a:schemeClr val="accent4"/>
+          </a:fillRef>
+          <a:effectRef idx="0">
+            <a:schemeClr val="accent4"/>
+          </a:effectRef>
+          <a:fontRef idx="minor">
+            <a:schemeClr val="lt1"/>
+          </a:fontRef>
+        </p:style>
+        <p:txBody>
+          <a:bodyPr rtlCol="0" anchor="t"/>
+          <a:lstStyle/>
+          <a:p>
+            <a:pPr algn="ctr"/>
+            <a:r>
+              <a:rPr lang="en-US" altLang="zh-CN" dirty="0" smtClean="0">
+                <a:solidFill>
+                  <a:schemeClr val="tx1"/>
+                </a:solidFill>
+              </a:rPr>
+              <a:t>DB</a:t>
+            </a:r>
+            <a:endParaRPr lang="en-US" altLang="zh-CN" dirty="0">
+              <a:solidFill>
+                <a:schemeClr val="tx1"/>
+              </a:solidFill>
+            </a:endParaRPr>
+          </a:p>
+        </p:txBody>
+      </p:sp>
+      <p:sp>
+        <p:nvSpPr>
+          <p:cNvPr id="18" name="矩形 17"/>
+          <p:cNvSpPr/>
+          <p:nvPr/>
+        </p:nvSpPr>
+        <p:spPr>
+          <a:xfrm>
+            <a:off x="1476827" y="898075"/>
+            <a:ext cx="2006601" cy="1467258"/>
+          </a:xfrm>
+          <a:prstGeom prst="rect">
+            <a:avLst/>
+          </a:prstGeom>
+        </p:spPr>
+        <p:style>
+          <a:lnRef idx="2">
+            <a:schemeClr val="accent4">
+              <a:shade val="50000"/>
+            </a:schemeClr>
+          </a:lnRef>
+          <a:fillRef idx="1">
+            <a:schemeClr val="accent4"/>
+          </a:fillRef>
+          <a:effectRef idx="0">
+            <a:schemeClr val="accent4"/>
+          </a:effectRef>
+          <a:fontRef idx="minor">
+            <a:schemeClr val="lt1"/>
+          </a:fontRef>
+        </p:style>
+        <p:txBody>
+          <a:bodyPr rtlCol="0" anchor="t"/>
+          <a:lstStyle/>
+          <a:p>
+            <a:r>
+              <a:rPr lang="en-US" altLang="zh-CN" dirty="0" smtClean="0"/>
+              <a:t>CSV</a:t>
+            </a:r>
+          </a:p>
+          <a:p>
+            <a:r>
+              <a:rPr lang="en-US" altLang="zh-CN" dirty="0" smtClean="0"/>
+              <a:t>.</a:t>
+            </a:r>
+            <a:r>
+              <a:rPr lang="en-US" altLang="zh-CN" dirty="0" err="1" smtClean="0"/>
+              <a:t>file_name</a:t>
+            </a:r>
+            <a:endParaRPr lang="en-US" altLang="zh-CN" dirty="0" smtClean="0"/>
+          </a:p>
+          <a:p>
+            <a:r>
+              <a:rPr lang="en-US" altLang="zh-CN" dirty="0" smtClean="0"/>
+              <a:t>.</a:t>
+            </a:r>
+            <a:r>
+              <a:rPr lang="en-US" altLang="zh-CN" dirty="0" err="1" smtClean="0"/>
+              <a:t>flds</a:t>
+            </a:r>
+            <a:endParaRPr lang="en-US" altLang="zh-CN" dirty="0" smtClean="0"/>
+          </a:p>
+          <a:p>
+            <a:r>
+              <a:rPr lang="en-US" altLang="zh-CN" dirty="0" smtClean="0"/>
+              <a:t>.</a:t>
+            </a:r>
+            <a:r>
+              <a:rPr lang="en-US" altLang="zh-CN" dirty="0" err="1" smtClean="0"/>
+              <a:t>notes</a:t>
+            </a:r>
+            <a:r>
+              <a:rPr lang="en-US" altLang="zh-CN" dirty="0" err="1"/>
+              <a:t>..</a:t>
+            </a:r>
+            <a:r>
+              <a:rPr lang="en-US" altLang="zh-CN" dirty="0" err="1" smtClean="0"/>
+              <a:t>tags</a:t>
+            </a:r>
+            <a:endParaRPr lang="zh-CN" altLang="en-US" dirty="0"/>
+          </a:p>
+        </p:txBody>
+      </p:sp>
+      <p:sp>
+        <p:nvSpPr>
+          <p:cNvPr id="37" name="矩形 36"/>
+          <p:cNvSpPr/>
+          <p:nvPr/>
+        </p:nvSpPr>
+        <p:spPr>
+          <a:xfrm>
+            <a:off x="1476827" y="2518644"/>
+            <a:ext cx="2006601" cy="483953"/>
+          </a:xfrm>
+          <a:prstGeom prst="rect">
+            <a:avLst/>
+          </a:prstGeom>
+        </p:spPr>
+        <p:style>
+          <a:lnRef idx="2">
+            <a:schemeClr val="accent4">
+              <a:shade val="50000"/>
+            </a:schemeClr>
+          </a:lnRef>
+          <a:fillRef idx="1">
+            <a:schemeClr val="accent4"/>
+          </a:fillRef>
+          <a:effectRef idx="0">
+            <a:schemeClr val="accent4"/>
+          </a:effectRef>
+          <a:fontRef idx="minor">
+            <a:schemeClr val="lt1"/>
+          </a:fontRef>
+        </p:style>
+        <p:txBody>
+          <a:bodyPr rtlCol="0" anchor="t"/>
+          <a:lstStyle/>
+          <a:p>
+            <a:r>
+              <a:rPr lang="en-US" altLang="zh-CN" dirty="0" err="1" smtClean="0"/>
+              <a:t>Tmpls</a:t>
+            </a:r>
+            <a:endParaRPr lang="en-US" altLang="zh-CN" dirty="0" smtClean="0"/>
+          </a:p>
+        </p:txBody>
+      </p:sp>
+      <p:sp>
+        <p:nvSpPr>
+          <p:cNvPr id="54" name="右箭头 53"/>
+          <p:cNvSpPr/>
+          <p:nvPr/>
+        </p:nvSpPr>
+        <p:spPr>
+          <a:xfrm>
+            <a:off x="2692853" y="1315374"/>
+            <a:ext cx="1371145" cy="170514"/>
+          </a:xfrm>
+          <a:prstGeom prst="rightArrow">
+            <a:avLst/>
+          </a:prstGeom>
+        </p:spPr>
+        <p:style>
+          <a:lnRef idx="2">
+            <a:schemeClr val="accent1">
+              <a:shade val="50000"/>
+            </a:schemeClr>
+          </a:lnRef>
+          <a:fillRef idx="1">
+            <a:schemeClr val="accent1"/>
+          </a:fillRef>
+          <a:effectRef idx="0">
+            <a:schemeClr val="accent1"/>
+          </a:effectRef>
+          <a:fontRef idx="minor">
+            <a:schemeClr val="lt1"/>
+          </a:fontRef>
+        </p:style>
+        <p:txBody>
+          <a:bodyPr rtlCol="0" anchor="ctr"/>
+          <a:lstStyle/>
+          <a:p>
+            <a:pPr algn="ctr"/>
+            <a:endParaRPr lang="zh-CN" altLang="en-US"/>
+          </a:p>
+        </p:txBody>
+      </p:sp>
+      <p:sp>
+        <p:nvSpPr>
+          <p:cNvPr id="55" name="右箭头 54"/>
+          <p:cNvSpPr/>
+          <p:nvPr/>
+        </p:nvSpPr>
+        <p:spPr>
+          <a:xfrm rot="2368607">
+            <a:off x="3889603" y="1798398"/>
+            <a:ext cx="1371145" cy="170514"/>
+          </a:xfrm>
+          <a:prstGeom prst="rightArrow">
+            <a:avLst/>
+          </a:prstGeom>
+        </p:spPr>
+        <p:style>
+          <a:lnRef idx="2">
+            <a:schemeClr val="accent1">
+              <a:shade val="50000"/>
+            </a:schemeClr>
+          </a:lnRef>
+          <a:fillRef idx="1">
+            <a:schemeClr val="accent1"/>
+          </a:fillRef>
+          <a:effectRef idx="0">
+            <a:schemeClr val="accent1"/>
+          </a:effectRef>
+          <a:fontRef idx="minor">
+            <a:schemeClr val="lt1"/>
+          </a:fontRef>
+        </p:style>
+        <p:txBody>
+          <a:bodyPr rtlCol="0" anchor="ctr"/>
+          <a:lstStyle/>
+          <a:p>
+            <a:pPr algn="ctr"/>
+            <a:endParaRPr lang="zh-CN" altLang="en-US"/>
+          </a:p>
+        </p:txBody>
+      </p:sp>
+      <p:sp>
+        <p:nvSpPr>
+          <p:cNvPr id="56" name="右箭头 55"/>
+          <p:cNvSpPr/>
+          <p:nvPr/>
+        </p:nvSpPr>
+        <p:spPr>
+          <a:xfrm rot="2943866">
+            <a:off x="3712210" y="1970020"/>
+            <a:ext cx="1749195" cy="187392"/>
+          </a:xfrm>
+          <a:prstGeom prst="rightArrow">
+            <a:avLst/>
+          </a:prstGeom>
+        </p:spPr>
+        <p:style>
+          <a:lnRef idx="2">
+            <a:schemeClr val="accent1">
+              <a:shade val="50000"/>
+            </a:schemeClr>
+          </a:lnRef>
+          <a:fillRef idx="1">
+            <a:schemeClr val="accent1"/>
+          </a:fillRef>
+          <a:effectRef idx="0">
+            <a:schemeClr val="accent1"/>
+          </a:effectRef>
+          <a:fontRef idx="minor">
+            <a:schemeClr val="lt1"/>
+          </a:fontRef>
+        </p:style>
+        <p:txBody>
+          <a:bodyPr rtlCol="0" anchor="ctr"/>
+          <a:lstStyle/>
+          <a:p>
+            <a:pPr algn="ctr"/>
+            <a:r>
+              <a:rPr lang="en-US" altLang="zh-CN" dirty="0" smtClean="0"/>
+              <a:t>`</a:t>
+            </a:r>
+            <a:endParaRPr lang="zh-CN" altLang="en-US" dirty="0"/>
+          </a:p>
+        </p:txBody>
+      </p:sp>
+      <p:sp>
+        <p:nvSpPr>
+          <p:cNvPr id="57" name="右箭头 56"/>
+          <p:cNvSpPr/>
+          <p:nvPr/>
+        </p:nvSpPr>
+        <p:spPr>
+          <a:xfrm>
+            <a:off x="2545217" y="1585678"/>
+            <a:ext cx="1371145" cy="170514"/>
+          </a:xfrm>
+          <a:prstGeom prst="rightArrow">
+            <a:avLst/>
+          </a:prstGeom>
+        </p:spPr>
+        <p:style>
+          <a:lnRef idx="2">
+            <a:schemeClr val="accent1">
+              <a:shade val="50000"/>
+            </a:schemeClr>
+          </a:lnRef>
+          <a:fillRef idx="1">
+            <a:schemeClr val="accent1"/>
+          </a:fillRef>
+          <a:effectRef idx="0">
+            <a:schemeClr val="accent1"/>
+          </a:effectRef>
+          <a:fontRef idx="minor">
+            <a:schemeClr val="lt1"/>
+          </a:fontRef>
+        </p:style>
+        <p:txBody>
+          <a:bodyPr rtlCol="0" anchor="ctr"/>
+          <a:lstStyle/>
+          <a:p>
+            <a:pPr algn="ctr"/>
+            <a:endParaRPr lang="zh-CN" altLang="en-US"/>
+          </a:p>
+        </p:txBody>
+      </p:sp>
+      <p:sp>
+        <p:nvSpPr>
+          <p:cNvPr id="58" name="右箭头 57"/>
+          <p:cNvSpPr/>
+          <p:nvPr/>
+        </p:nvSpPr>
+        <p:spPr>
+          <a:xfrm rot="20983624">
+            <a:off x="3770310" y="1489973"/>
+            <a:ext cx="1371145" cy="170514"/>
+          </a:xfrm>
+          <a:prstGeom prst="rightArrow">
+            <a:avLst/>
+          </a:prstGeom>
+        </p:spPr>
+        <p:style>
+          <a:lnRef idx="2">
+            <a:schemeClr val="accent1">
+              <a:shade val="50000"/>
+            </a:schemeClr>
+          </a:lnRef>
+          <a:fillRef idx="1">
+            <a:schemeClr val="accent1"/>
+          </a:fillRef>
+          <a:effectRef idx="0">
+            <a:schemeClr val="accent1"/>
+          </a:effectRef>
+          <a:fontRef idx="minor">
+            <a:schemeClr val="lt1"/>
+          </a:fontRef>
+        </p:style>
+        <p:txBody>
+          <a:bodyPr rtlCol="0" anchor="ctr"/>
+          <a:lstStyle/>
+          <a:p>
+            <a:pPr algn="ctr"/>
+            <a:endParaRPr lang="zh-CN" altLang="en-US"/>
+          </a:p>
+        </p:txBody>
+      </p:sp>
+      <p:sp>
+        <p:nvSpPr>
+          <p:cNvPr id="59" name="右箭头 58"/>
+          <p:cNvSpPr/>
+          <p:nvPr/>
+        </p:nvSpPr>
+        <p:spPr>
+          <a:xfrm>
+            <a:off x="2672193" y="2681296"/>
+            <a:ext cx="1371145" cy="170514"/>
+          </a:xfrm>
+          <a:prstGeom prst="rightArrow">
+            <a:avLst/>
+          </a:prstGeom>
+        </p:spPr>
+        <p:style>
+          <a:lnRef idx="2">
+            <a:schemeClr val="accent1">
+              <a:shade val="50000"/>
+            </a:schemeClr>
+          </a:lnRef>
+          <a:fillRef idx="1">
+            <a:schemeClr val="accent1"/>
+          </a:fillRef>
+          <a:effectRef idx="0">
+            <a:schemeClr val="accent1"/>
+          </a:effectRef>
+          <a:fontRef idx="minor">
+            <a:schemeClr val="lt1"/>
+          </a:fontRef>
+        </p:style>
+        <p:txBody>
+          <a:bodyPr rtlCol="0" anchor="ctr"/>
+          <a:lstStyle/>
+          <a:p>
+            <a:pPr algn="ctr"/>
+            <a:endParaRPr lang="zh-CN" altLang="en-US"/>
+          </a:p>
+        </p:txBody>
+      </p:sp>
+      <p:sp>
+        <p:nvSpPr>
+          <p:cNvPr id="60" name="右箭头 59"/>
+          <p:cNvSpPr/>
+          <p:nvPr/>
+        </p:nvSpPr>
+        <p:spPr>
+          <a:xfrm rot="18200887">
+            <a:off x="3586619" y="1856592"/>
+            <a:ext cx="1903261" cy="201372"/>
+          </a:xfrm>
+          <a:prstGeom prst="rightArrow">
+            <a:avLst/>
+          </a:prstGeom>
+        </p:spPr>
+        <p:style>
+          <a:lnRef idx="2">
+            <a:schemeClr val="accent1">
+              <a:shade val="50000"/>
+            </a:schemeClr>
+          </a:lnRef>
+          <a:fillRef idx="1">
+            <a:schemeClr val="accent1"/>
+          </a:fillRef>
+          <a:effectRef idx="0">
+            <a:schemeClr val="accent1"/>
+          </a:effectRef>
+          <a:fontRef idx="minor">
+            <a:schemeClr val="lt1"/>
+          </a:fontRef>
+        </p:style>
+        <p:txBody>
+          <a:bodyPr rtlCol="0" anchor="ctr"/>
+          <a:lstStyle/>
+          <a:p>
+            <a:pPr algn="ctr"/>
+            <a:r>
+              <a:rPr lang="en-US" altLang="zh-CN" dirty="0" smtClean="0"/>
+              <a:t>`</a:t>
+            </a:r>
+            <a:endParaRPr lang="zh-CN" altLang="en-US" dirty="0"/>
+          </a:p>
+        </p:txBody>
+      </p:sp>
+      <p:sp>
+        <p:nvSpPr>
+          <p:cNvPr id="63" name="矩形 62"/>
+          <p:cNvSpPr/>
+          <p:nvPr/>
+        </p:nvSpPr>
+        <p:spPr>
+          <a:xfrm>
+            <a:off x="1476827" y="3127458"/>
+            <a:ext cx="2006601" cy="483953"/>
+          </a:xfrm>
+          <a:prstGeom prst="rect">
+            <a:avLst/>
+          </a:prstGeom>
+        </p:spPr>
+        <p:style>
+          <a:lnRef idx="2">
+            <a:schemeClr val="accent1">
+              <a:shade val="50000"/>
+            </a:schemeClr>
+          </a:lnRef>
+          <a:fillRef idx="1">
+            <a:schemeClr val="accent1"/>
+          </a:fillRef>
+          <a:effectRef idx="0">
+            <a:schemeClr val="accent1"/>
+          </a:effectRef>
+          <a:fontRef idx="minor">
+            <a:schemeClr val="lt1"/>
+          </a:fontRef>
+        </p:style>
+        <p:txBody>
+          <a:bodyPr rtlCol="0" anchor="t"/>
+          <a:lstStyle/>
+          <a:p>
+            <a:r>
+              <a:rPr lang="en-US" altLang="zh-CN" dirty="0" smtClean="0"/>
+              <a:t>CSS</a:t>
+            </a:r>
+          </a:p>
+        </p:txBody>
+      </p:sp>
+      <p:sp>
+        <p:nvSpPr>
+          <p:cNvPr id="64" name="右箭头 63"/>
+          <p:cNvSpPr/>
+          <p:nvPr/>
+        </p:nvSpPr>
+        <p:spPr>
+          <a:xfrm>
+            <a:off x="2464930" y="3194442"/>
+            <a:ext cx="1371145" cy="170514"/>
+          </a:xfrm>
+          <a:prstGeom prst="rightArrow">
+            <a:avLst/>
+          </a:prstGeom>
+        </p:spPr>
+        <p:style>
+          <a:lnRef idx="2">
+            <a:schemeClr val="accent1">
+              <a:shade val="50000"/>
+            </a:schemeClr>
+          </a:lnRef>
+          <a:fillRef idx="1">
+            <a:schemeClr val="accent1"/>
+          </a:fillRef>
+          <a:effectRef idx="0">
+            <a:schemeClr val="accent1"/>
+          </a:effectRef>
+          <a:fontRef idx="minor">
+            <a:schemeClr val="lt1"/>
+          </a:fontRef>
+        </p:style>
+        <p:txBody>
+          <a:bodyPr rtlCol="0" anchor="ctr"/>
+          <a:lstStyle/>
+          <a:p>
+            <a:pPr algn="ctr"/>
+            <a:endParaRPr lang="zh-CN" altLang="en-US"/>
+          </a:p>
+        </p:txBody>
+      </p:sp>
+      <p:sp>
+        <p:nvSpPr>
+          <p:cNvPr id="65" name="右箭头 64"/>
+          <p:cNvSpPr/>
+          <p:nvPr/>
+        </p:nvSpPr>
+        <p:spPr>
+          <a:xfrm rot="18925131">
+            <a:off x="3461138" y="2534863"/>
+            <a:ext cx="1903261" cy="201372"/>
+          </a:xfrm>
+          <a:prstGeom prst="rightArrow">
+            <a:avLst/>
+          </a:prstGeom>
+        </p:spPr>
+        <p:style>
+          <a:lnRef idx="2">
+            <a:schemeClr val="accent1">
+              <a:shade val="50000"/>
+            </a:schemeClr>
+          </a:lnRef>
+          <a:fillRef idx="1">
+            <a:schemeClr val="accent1"/>
+          </a:fillRef>
+          <a:effectRef idx="0">
+            <a:schemeClr val="accent1"/>
+          </a:effectRef>
+          <a:fontRef idx="minor">
+            <a:schemeClr val="lt1"/>
+          </a:fontRef>
+        </p:style>
+        <p:txBody>
+          <a:bodyPr rtlCol="0" anchor="ctr"/>
+          <a:lstStyle/>
+          <a:p>
+            <a:pPr algn="ctr"/>
+            <a:r>
+              <a:rPr lang="en-US" altLang="zh-CN" dirty="0" smtClean="0"/>
+              <a:t>`</a:t>
+            </a:r>
+            <a:endParaRPr lang="zh-CN" altLang="en-US" dirty="0"/>
+          </a:p>
+        </p:txBody>
+      </p:sp>
+      <p:sp>
+        <p:nvSpPr>
+          <p:cNvPr id="66" name="右弧形箭头 65"/>
+          <p:cNvSpPr/>
+          <p:nvPr/>
+        </p:nvSpPr>
+        <p:spPr>
+          <a:xfrm flipH="1">
+            <a:off x="4636110" y="1161935"/>
+            <a:ext cx="368006" cy="630130"/>
+          </a:xfrm>
+          <a:prstGeom prst="curvedLeftArrow">
+            <a:avLst/>
+          </a:prstGeom>
+        </p:spPr>
+        <p:style>
+          <a:lnRef idx="2">
+            <a:schemeClr val="accent1">
+              <a:shade val="50000"/>
+            </a:schemeClr>
+          </a:lnRef>
+          <a:fillRef idx="1">
+            <a:schemeClr val="accent1"/>
+          </a:fillRef>
+          <a:effectRef idx="0">
+            <a:schemeClr val="accent1"/>
+          </a:effectRef>
+          <a:fontRef idx="minor">
+            <a:schemeClr val="lt1"/>
+          </a:fontRef>
+        </p:style>
+        <p:txBody>
+          <a:bodyPr rtlCol="0" anchor="ctr"/>
+          <a:lstStyle/>
+          <a:p>
+            <a:pPr algn="ctr"/>
+            <a:endParaRPr lang="zh-CN" altLang="en-US">
+              <a:solidFill>
+                <a:schemeClr val="tx1"/>
+              </a:solidFill>
+            </a:endParaRPr>
+          </a:p>
+        </p:txBody>
+      </p:sp>
+      <p:sp>
+        <p:nvSpPr>
+          <p:cNvPr id="67" name="左弧形箭头 66"/>
+          <p:cNvSpPr/>
+          <p:nvPr/>
+        </p:nvSpPr>
+        <p:spPr>
+          <a:xfrm>
+            <a:off x="4176486" y="855276"/>
+            <a:ext cx="791593" cy="3727875"/>
+          </a:xfrm>
+          <a:prstGeom prst="curvedRightArrow">
+            <a:avLst/>
+          </a:prstGeom>
+        </p:spPr>
+        <p:style>
+          <a:lnRef idx="2">
+            <a:schemeClr val="accent2">
+              <a:shade val="50000"/>
+            </a:schemeClr>
+          </a:lnRef>
+          <a:fillRef idx="1">
+            <a:schemeClr val="accent2"/>
+          </a:fillRef>
+          <a:effectRef idx="0">
+            <a:schemeClr val="accent2"/>
+          </a:effectRef>
+          <a:fontRef idx="minor">
+            <a:schemeClr val="lt1"/>
+          </a:fontRef>
+        </p:style>
+        <p:txBody>
+          <a:bodyPr rtlCol="0" anchor="ctr"/>
+          <a:lstStyle/>
+          <a:p>
+            <a:pPr algn="ctr"/>
+            <a:endParaRPr lang="zh-CN" altLang="en-US">
+              <a:solidFill>
+                <a:schemeClr val="tx1"/>
+              </a:solidFill>
+            </a:endParaRPr>
+          </a:p>
+        </p:txBody>
+      </p:sp>
+      <p:sp>
+        <p:nvSpPr>
+          <p:cNvPr id="68" name="左弧形箭头 67"/>
+          <p:cNvSpPr/>
+          <p:nvPr/>
+        </p:nvSpPr>
+        <p:spPr>
+          <a:xfrm>
+            <a:off x="4213786" y="2720074"/>
+            <a:ext cx="773814" cy="2342687"/>
+          </a:xfrm>
+          <a:prstGeom prst="curvedRightArrow">
+            <a:avLst/>
+          </a:prstGeom>
+        </p:spPr>
+        <p:style>
+          <a:lnRef idx="2">
+            <a:schemeClr val="accent2">
+              <a:shade val="50000"/>
+            </a:schemeClr>
+          </a:lnRef>
+          <a:fillRef idx="1">
+            <a:schemeClr val="accent2"/>
+          </a:fillRef>
+          <a:effectRef idx="0">
+            <a:schemeClr val="accent2"/>
+          </a:effectRef>
+          <a:fontRef idx="minor">
+            <a:schemeClr val="lt1"/>
+          </a:fontRef>
+        </p:style>
+        <p:txBody>
+          <a:bodyPr rtlCol="0" anchor="ctr"/>
+          <a:lstStyle/>
+          <a:p>
+            <a:pPr algn="ctr"/>
+            <a:endParaRPr lang="zh-CN" altLang="en-US">
+              <a:solidFill>
+                <a:schemeClr val="tx1"/>
+              </a:solidFill>
+            </a:endParaRPr>
+          </a:p>
+        </p:txBody>
+      </p:sp>
+      <p:sp>
+        <p:nvSpPr>
+          <p:cNvPr id="69" name="右箭头 68"/>
+          <p:cNvSpPr/>
+          <p:nvPr/>
+        </p:nvSpPr>
+        <p:spPr>
+          <a:xfrm rot="2024700">
+            <a:off x="2451687" y="2835032"/>
+            <a:ext cx="3106556" cy="148311"/>
+          </a:xfrm>
+          <a:prstGeom prst="rightArrow">
+            <a:avLst/>
+          </a:prstGeom>
+        </p:spPr>
+        <p:style>
+          <a:lnRef idx="2">
+            <a:schemeClr val="accent3">
+              <a:shade val="50000"/>
+            </a:schemeClr>
+          </a:lnRef>
+          <a:fillRef idx="1">
+            <a:schemeClr val="accent3"/>
+          </a:fillRef>
+          <a:effectRef idx="0">
+            <a:schemeClr val="accent3"/>
+          </a:effectRef>
+          <a:fontRef idx="minor">
+            <a:schemeClr val="lt1"/>
+          </a:fontRef>
+        </p:style>
+        <p:txBody>
+          <a:bodyPr rtlCol="0" anchor="ctr"/>
+          <a:lstStyle/>
+          <a:p>
+            <a:pPr algn="ctr"/>
+            <a:endParaRPr lang="zh-CN" altLang="en-US"/>
+          </a:p>
+        </p:txBody>
+      </p:sp>
+      <p:sp>
+        <p:nvSpPr>
+          <p:cNvPr id="70" name="矩形 69"/>
+          <p:cNvSpPr/>
+          <p:nvPr/>
+        </p:nvSpPr>
+        <p:spPr>
+          <a:xfrm>
+            <a:off x="1476827" y="5881009"/>
+            <a:ext cx="2046514" cy="375558"/>
+          </a:xfrm>
+          <a:prstGeom prst="rect">
+            <a:avLst/>
+          </a:prstGeom>
+        </p:spPr>
+        <p:style>
+          <a:lnRef idx="2">
+            <a:schemeClr val="accent1">
+              <a:shade val="50000"/>
+            </a:schemeClr>
+          </a:lnRef>
+          <a:fillRef idx="1">
+            <a:schemeClr val="accent1"/>
+          </a:fillRef>
+          <a:effectRef idx="0">
+            <a:schemeClr val="accent1"/>
+          </a:effectRef>
+          <a:fontRef idx="minor">
+            <a:schemeClr val="lt1"/>
+          </a:fontRef>
+        </p:style>
+        <p:txBody>
+          <a:bodyPr rtlCol="0" anchor="ctr"/>
+          <a:lstStyle/>
+          <a:p>
+            <a:pPr algn="ctr"/>
+            <a:r>
+              <a:rPr lang="en-US" altLang="zh-CN" dirty="0" smtClean="0"/>
+              <a:t>media</a:t>
+            </a:r>
+          </a:p>
+        </p:txBody>
+      </p:sp>
+      <p:sp>
+        <p:nvSpPr>
+          <p:cNvPr id="71" name="右箭头 70"/>
+          <p:cNvSpPr/>
+          <p:nvPr/>
+        </p:nvSpPr>
+        <p:spPr>
+          <a:xfrm>
+            <a:off x="3611796" y="5983531"/>
+            <a:ext cx="1371145" cy="170514"/>
+          </a:xfrm>
+          <a:prstGeom prst="rightArrow">
+            <a:avLst/>
+          </a:prstGeom>
+        </p:spPr>
+        <p:style>
+          <a:lnRef idx="2">
+            <a:schemeClr val="accent5">
+              <a:shade val="50000"/>
+            </a:schemeClr>
+          </a:lnRef>
+          <a:fillRef idx="1">
+            <a:schemeClr val="accent5"/>
+          </a:fillRef>
+          <a:effectRef idx="0">
+            <a:schemeClr val="accent5"/>
+          </a:effectRef>
+          <a:fontRef idx="minor">
+            <a:schemeClr val="lt1"/>
+          </a:fontRef>
+        </p:style>
+        <p:txBody>
+          <a:bodyPr rtlCol="0" anchor="ctr"/>
+          <a:lstStyle/>
+          <a:p>
+            <a:pPr algn="ctr"/>
+            <a:endParaRPr lang="zh-CN" altLang="en-US"/>
+          </a:p>
+        </p:txBody>
+      </p:sp>
+      <p:sp>
+        <p:nvSpPr>
+          <p:cNvPr id="72" name="右箭头 71"/>
+          <p:cNvSpPr/>
+          <p:nvPr/>
+        </p:nvSpPr>
+        <p:spPr>
+          <a:xfrm>
+            <a:off x="71105" y="1144860"/>
+            <a:ext cx="714352" cy="170514"/>
+          </a:xfrm>
+          <a:prstGeom prst="rightArrow">
+            <a:avLst/>
+          </a:prstGeom>
+        </p:spPr>
+        <p:style>
+          <a:lnRef idx="2">
+            <a:schemeClr val="accent1">
+              <a:shade val="50000"/>
+            </a:schemeClr>
+          </a:lnRef>
+          <a:fillRef idx="1">
+            <a:schemeClr val="accent1"/>
+          </a:fillRef>
+          <a:effectRef idx="0">
+            <a:schemeClr val="accent1"/>
+          </a:effectRef>
+          <a:fontRef idx="minor">
+            <a:schemeClr val="lt1"/>
+          </a:fontRef>
+        </p:style>
+        <p:txBody>
+          <a:bodyPr rtlCol="0" anchor="ctr"/>
+          <a:lstStyle/>
+          <a:p>
+            <a:pPr algn="ctr"/>
+            <a:endParaRPr lang="zh-CN" altLang="en-US"/>
+          </a:p>
+        </p:txBody>
+      </p:sp>
+      <p:sp>
+        <p:nvSpPr>
+          <p:cNvPr id="73" name="右箭头 72"/>
+          <p:cNvSpPr/>
+          <p:nvPr/>
+        </p:nvSpPr>
+        <p:spPr>
+          <a:xfrm>
+            <a:off x="71105" y="1315374"/>
+            <a:ext cx="714352" cy="170514"/>
+          </a:xfrm>
+          <a:prstGeom prst="rightArrow">
+            <a:avLst/>
+          </a:prstGeom>
+        </p:spPr>
+        <p:style>
+          <a:lnRef idx="2">
+            <a:schemeClr val="accent2">
+              <a:shade val="50000"/>
+            </a:schemeClr>
+          </a:lnRef>
+          <a:fillRef idx="1">
+            <a:schemeClr val="accent2"/>
+          </a:fillRef>
+          <a:effectRef idx="0">
+            <a:schemeClr val="accent2"/>
+          </a:effectRef>
+          <a:fontRef idx="minor">
+            <a:schemeClr val="lt1"/>
+          </a:fontRef>
+        </p:style>
+        <p:txBody>
+          <a:bodyPr rtlCol="0" anchor="ctr"/>
+          <a:lstStyle/>
+          <a:p>
+            <a:pPr algn="ctr"/>
+            <a:endParaRPr lang="zh-CN" altLang="en-US"/>
+          </a:p>
+        </p:txBody>
+      </p:sp>
+      <p:sp>
+        <p:nvSpPr>
+          <p:cNvPr id="74" name="右箭头 73"/>
+          <p:cNvSpPr/>
+          <p:nvPr/>
+        </p:nvSpPr>
+        <p:spPr>
+          <a:xfrm>
+            <a:off x="71105" y="1477000"/>
+            <a:ext cx="714352" cy="170514"/>
+          </a:xfrm>
+          <a:prstGeom prst="rightArrow">
+            <a:avLst/>
+          </a:prstGeom>
+        </p:spPr>
+        <p:style>
+          <a:lnRef idx="2">
+            <a:schemeClr val="accent3">
+              <a:shade val="50000"/>
+            </a:schemeClr>
+          </a:lnRef>
+          <a:fillRef idx="1">
+            <a:schemeClr val="accent3"/>
+          </a:fillRef>
+          <a:effectRef idx="0">
+            <a:schemeClr val="accent3"/>
+          </a:effectRef>
+          <a:fontRef idx="minor">
+            <a:schemeClr val="lt1"/>
+          </a:fontRef>
+        </p:style>
+        <p:txBody>
+          <a:bodyPr rtlCol="0" anchor="ctr"/>
+          <a:lstStyle/>
+          <a:p>
+            <a:pPr algn="ctr"/>
+            <a:endParaRPr lang="zh-CN" altLang="en-US"/>
+          </a:p>
+        </p:txBody>
+      </p:sp>
+      <p:sp>
+        <p:nvSpPr>
+          <p:cNvPr id="75" name="右箭头 74"/>
+          <p:cNvSpPr/>
+          <p:nvPr/>
+        </p:nvSpPr>
+        <p:spPr>
+          <a:xfrm>
+            <a:off x="71105" y="1638568"/>
+            <a:ext cx="714352" cy="170514"/>
+          </a:xfrm>
+          <a:prstGeom prst="rightArrow">
+            <a:avLst/>
+          </a:prstGeom>
+        </p:spPr>
+        <p:style>
+          <a:lnRef idx="2">
+            <a:schemeClr val="accent5">
+              <a:shade val="50000"/>
+            </a:schemeClr>
+          </a:lnRef>
+          <a:fillRef idx="1">
+            <a:schemeClr val="accent5"/>
+          </a:fillRef>
+          <a:effectRef idx="0">
+            <a:schemeClr val="accent5"/>
+          </a:effectRef>
+          <a:fontRef idx="minor">
+            <a:schemeClr val="lt1"/>
+          </a:fontRef>
+        </p:style>
+        <p:txBody>
+          <a:bodyPr rtlCol="0" anchor="ctr"/>
+          <a:lstStyle/>
+          <a:p>
+            <a:pPr algn="ctr"/>
+            <a:endParaRPr lang="zh-CN" altLang="en-US"/>
+          </a:p>
+        </p:txBody>
+      </p:sp>
+      <p:sp>
+        <p:nvSpPr>
+          <p:cNvPr id="78" name="矩形 77"/>
+          <p:cNvSpPr/>
+          <p:nvPr/>
+        </p:nvSpPr>
+        <p:spPr>
+          <a:xfrm>
+            <a:off x="9717333" y="898076"/>
+            <a:ext cx="2046514" cy="375558"/>
+          </a:xfrm>
+          <a:prstGeom prst="rect">
+            <a:avLst/>
+          </a:prstGeom>
+        </p:spPr>
+        <p:style>
+          <a:lnRef idx="2">
+            <a:schemeClr val="accent4">
+              <a:shade val="50000"/>
+            </a:schemeClr>
+          </a:lnRef>
+          <a:fillRef idx="1">
+            <a:schemeClr val="accent4"/>
+          </a:fillRef>
+          <a:effectRef idx="0">
+            <a:schemeClr val="accent4"/>
+          </a:effectRef>
+          <a:fontRef idx="minor">
+            <a:schemeClr val="lt1"/>
+          </a:fontRef>
+        </p:style>
+        <p:txBody>
+          <a:bodyPr rtlCol="0" anchor="ctr"/>
+          <a:lstStyle/>
+          <a:p>
+            <a:pPr algn="ctr"/>
+            <a:r>
+              <a:rPr lang="en-US" altLang="zh-CN" dirty="0" smtClean="0"/>
+              <a:t>Models</a:t>
+            </a:r>
+          </a:p>
+        </p:txBody>
+      </p:sp>
+      <p:sp>
+        <p:nvSpPr>
+          <p:cNvPr id="79" name="矩形 78"/>
+          <p:cNvSpPr/>
+          <p:nvPr/>
+        </p:nvSpPr>
+        <p:spPr>
+          <a:xfrm>
+            <a:off x="9717333" y="1499257"/>
+            <a:ext cx="2046514" cy="375558"/>
+          </a:xfrm>
+          <a:prstGeom prst="rect">
+            <a:avLst/>
+          </a:prstGeom>
+        </p:spPr>
+        <p:style>
+          <a:lnRef idx="2">
+            <a:schemeClr val="accent4">
+              <a:shade val="50000"/>
+            </a:schemeClr>
+          </a:lnRef>
+          <a:fillRef idx="1">
+            <a:schemeClr val="accent4"/>
+          </a:fillRef>
+          <a:effectRef idx="0">
+            <a:schemeClr val="accent4"/>
+          </a:effectRef>
+          <a:fontRef idx="minor">
+            <a:schemeClr val="lt1"/>
+          </a:fontRef>
+        </p:style>
+        <p:txBody>
+          <a:bodyPr rtlCol="0" anchor="ctr"/>
+          <a:lstStyle/>
+          <a:p>
+            <a:pPr algn="ctr"/>
+            <a:r>
+              <a:rPr lang="en-US" altLang="zh-CN" dirty="0" smtClean="0"/>
+              <a:t>Decks</a:t>
+            </a:r>
+          </a:p>
+        </p:txBody>
+      </p:sp>
+      <p:sp>
+        <p:nvSpPr>
+          <p:cNvPr id="82" name="右箭头 81"/>
+          <p:cNvSpPr/>
+          <p:nvPr/>
+        </p:nvSpPr>
+        <p:spPr>
+          <a:xfrm rot="10800000">
+            <a:off x="8407399" y="2294308"/>
+            <a:ext cx="1259661" cy="101629"/>
+          </a:xfrm>
+          <a:prstGeom prst="rightArrow">
+            <a:avLst/>
+          </a:prstGeom>
+        </p:spPr>
+        <p:style>
+          <a:lnRef idx="2">
+            <a:schemeClr val="accent2">
+              <a:shade val="50000"/>
+            </a:schemeClr>
+          </a:lnRef>
+          <a:fillRef idx="1">
+            <a:schemeClr val="accent2"/>
+          </a:fillRef>
+          <a:effectRef idx="0">
+            <a:schemeClr val="accent2"/>
+          </a:effectRef>
+          <a:fontRef idx="minor">
+            <a:schemeClr val="lt1"/>
+          </a:fontRef>
+        </p:style>
+        <p:txBody>
+          <a:bodyPr rtlCol="0" anchor="ctr"/>
+          <a:lstStyle/>
+          <a:p>
+            <a:pPr algn="ctr"/>
+            <a:endParaRPr lang="zh-CN" altLang="en-US"/>
+          </a:p>
+        </p:txBody>
+      </p:sp>
+      <p:sp>
+        <p:nvSpPr>
+          <p:cNvPr id="83" name="右箭头 82"/>
+          <p:cNvSpPr/>
+          <p:nvPr/>
+        </p:nvSpPr>
+        <p:spPr>
+          <a:xfrm rot="10800000">
+            <a:off x="9475942" y="2819295"/>
+            <a:ext cx="191118" cy="183301"/>
+          </a:xfrm>
+          <a:prstGeom prst="rightArrow">
+            <a:avLst/>
+          </a:prstGeom>
+        </p:spPr>
+        <p:style>
+          <a:lnRef idx="2">
+            <a:schemeClr val="accent1">
+              <a:shade val="50000"/>
+            </a:schemeClr>
+          </a:lnRef>
+          <a:fillRef idx="1">
+            <a:schemeClr val="accent1"/>
+          </a:fillRef>
+          <a:effectRef idx="0">
+            <a:schemeClr val="accent1"/>
+          </a:effectRef>
+          <a:fontRef idx="minor">
+            <a:schemeClr val="lt1"/>
+          </a:fontRef>
+        </p:style>
+        <p:txBody>
+          <a:bodyPr rtlCol="0" anchor="ctr"/>
+          <a:lstStyle/>
+          <a:p>
+            <a:pPr algn="ctr"/>
+            <a:endParaRPr lang="zh-CN" altLang="en-US"/>
+          </a:p>
+        </p:txBody>
+      </p:sp>
+      <p:sp>
+        <p:nvSpPr>
+          <p:cNvPr id="85" name="矩形 84"/>
+          <p:cNvSpPr/>
+          <p:nvPr/>
+        </p:nvSpPr>
+        <p:spPr>
+          <a:xfrm>
+            <a:off x="8474049" y="2635549"/>
+            <a:ext cx="971426" cy="869186"/>
+          </a:xfrm>
+          <a:prstGeom prst="rect">
+            <a:avLst/>
+          </a:prstGeom>
+          <a:ln>
+            <a:prstDash val="dash"/>
+          </a:ln>
+        </p:spPr>
+        <p:style>
+          <a:lnRef idx="2">
+            <a:schemeClr val="accent1">
+              <a:shade val="50000"/>
+            </a:schemeClr>
+          </a:lnRef>
+          <a:fillRef idx="1">
+            <a:schemeClr val="accent1"/>
+          </a:fillRef>
+          <a:effectRef idx="0">
+            <a:schemeClr val="accent1"/>
+          </a:effectRef>
+          <a:fontRef idx="minor">
+            <a:schemeClr val="lt1"/>
+          </a:fontRef>
+        </p:style>
+        <p:txBody>
+          <a:bodyPr rtlCol="0" anchor="ctr"/>
+          <a:lstStyle/>
+          <a:p>
+            <a:r>
+              <a:rPr lang="en-US" altLang="zh-CN" sz="1400" dirty="0" smtClean="0"/>
+              <a:t>Model</a:t>
+            </a:r>
+          </a:p>
+          <a:p>
+            <a:r>
+              <a:rPr lang="en-US" altLang="zh-CN" sz="1400" dirty="0" smtClean="0"/>
+              <a:t>_decks</a:t>
+            </a:r>
+          </a:p>
+          <a:p>
+            <a:r>
+              <a:rPr lang="en-US" altLang="zh-CN" sz="1400" dirty="0" smtClean="0"/>
+              <a:t>.</a:t>
+            </a:r>
+            <a:r>
+              <a:rPr lang="en-US" altLang="zh-CN" sz="1400" dirty="0" err="1" smtClean="0"/>
+              <a:t>model_id</a:t>
+            </a:r>
+            <a:endParaRPr lang="en-US" altLang="zh-CN" sz="1400" dirty="0" smtClean="0"/>
+          </a:p>
+          <a:p>
+            <a:r>
+              <a:rPr lang="en-US" altLang="zh-CN" sz="1400" dirty="0" smtClean="0"/>
+              <a:t>.</a:t>
+            </a:r>
+            <a:r>
+              <a:rPr lang="en-US" altLang="zh-CN" sz="1400" dirty="0" err="1" smtClean="0"/>
+              <a:t>deck_id</a:t>
+            </a:r>
+            <a:endParaRPr lang="zh-CN" altLang="en-US" sz="1400" dirty="0"/>
+          </a:p>
+        </p:txBody>
+      </p:sp>
+      <p:sp>
+        <p:nvSpPr>
+          <p:cNvPr id="86" name="矩形 85"/>
+          <p:cNvSpPr/>
+          <p:nvPr/>
+        </p:nvSpPr>
+        <p:spPr>
+          <a:xfrm>
+            <a:off x="9717333" y="2701620"/>
+            <a:ext cx="2046514" cy="375558"/>
+          </a:xfrm>
+          <a:prstGeom prst="rect">
+            <a:avLst/>
+          </a:prstGeom>
+        </p:spPr>
+        <p:style>
+          <a:lnRef idx="2">
+            <a:schemeClr val="accent4">
+              <a:shade val="50000"/>
+            </a:schemeClr>
+          </a:lnRef>
+          <a:fillRef idx="1">
+            <a:schemeClr val="accent4"/>
+          </a:fillRef>
+          <a:effectRef idx="0">
+            <a:schemeClr val="accent4"/>
+          </a:effectRef>
+          <a:fontRef idx="minor">
+            <a:schemeClr val="lt1"/>
+          </a:fontRef>
+        </p:style>
+        <p:txBody>
+          <a:bodyPr rtlCol="0" anchor="ctr"/>
+          <a:lstStyle/>
+          <a:p>
+            <a:pPr algn="ctr"/>
+            <a:r>
+              <a:rPr lang="en-US" altLang="zh-CN" dirty="0" smtClean="0"/>
+              <a:t>Cards</a:t>
+            </a:r>
+          </a:p>
+        </p:txBody>
+      </p:sp>
+      <p:sp>
+        <p:nvSpPr>
+          <p:cNvPr id="87" name="矩形 86"/>
+          <p:cNvSpPr/>
+          <p:nvPr/>
+        </p:nvSpPr>
+        <p:spPr>
+          <a:xfrm>
+            <a:off x="9717333" y="2100438"/>
+            <a:ext cx="2046514" cy="375558"/>
+          </a:xfrm>
+          <a:prstGeom prst="rect">
+            <a:avLst/>
+          </a:prstGeom>
+        </p:spPr>
+        <p:style>
+          <a:lnRef idx="2">
+            <a:schemeClr val="accent4">
+              <a:shade val="50000"/>
+            </a:schemeClr>
+          </a:lnRef>
+          <a:fillRef idx="1">
+            <a:schemeClr val="accent4"/>
+          </a:fillRef>
+          <a:effectRef idx="0">
+            <a:schemeClr val="accent4"/>
+          </a:effectRef>
+          <a:fontRef idx="minor">
+            <a:schemeClr val="lt1"/>
+          </a:fontRef>
+        </p:style>
+        <p:txBody>
+          <a:bodyPr rtlCol="0" anchor="ctr"/>
+          <a:lstStyle/>
+          <a:p>
+            <a:pPr algn="ctr"/>
+            <a:r>
+              <a:rPr lang="en-US" altLang="zh-CN" dirty="0" smtClean="0"/>
+              <a:t>Notes ..tags</a:t>
+            </a:r>
+          </a:p>
+        </p:txBody>
+      </p:sp>
+      <p:sp>
+        <p:nvSpPr>
+          <p:cNvPr id="88" name="右箭头 87"/>
+          <p:cNvSpPr/>
+          <p:nvPr/>
+        </p:nvSpPr>
+        <p:spPr>
+          <a:xfrm rot="8210705">
+            <a:off x="6547692" y="3039752"/>
+            <a:ext cx="2150602" cy="108906"/>
+          </a:xfrm>
+          <a:prstGeom prst="rightArrow">
+            <a:avLst/>
+          </a:prstGeom>
+        </p:spPr>
+        <p:style>
+          <a:lnRef idx="2">
+            <a:schemeClr val="accent2">
+              <a:shade val="50000"/>
+            </a:schemeClr>
+          </a:lnRef>
+          <a:fillRef idx="1">
+            <a:schemeClr val="accent2"/>
+          </a:fillRef>
+          <a:effectRef idx="0">
+            <a:schemeClr val="accent2"/>
+          </a:effectRef>
+          <a:fontRef idx="minor">
+            <a:schemeClr val="lt1"/>
+          </a:fontRef>
+        </p:style>
+        <p:txBody>
+          <a:bodyPr rtlCol="0" anchor="ctr"/>
+          <a:lstStyle/>
+          <a:p>
+            <a:pPr algn="ctr"/>
+            <a:endParaRPr lang="zh-CN" altLang="en-US"/>
+          </a:p>
+        </p:txBody>
+      </p:sp>
+      <p:sp>
+        <p:nvSpPr>
+          <p:cNvPr id="89" name="右箭头 88"/>
+          <p:cNvSpPr/>
+          <p:nvPr/>
+        </p:nvSpPr>
+        <p:spPr>
+          <a:xfrm rot="8707495">
+            <a:off x="6691729" y="3298532"/>
+            <a:ext cx="1948138" cy="132848"/>
+          </a:xfrm>
+          <a:prstGeom prst="rightArrow">
+            <a:avLst/>
+          </a:prstGeom>
+        </p:spPr>
+        <p:style>
+          <a:lnRef idx="2">
+            <a:schemeClr val="accent2">
+              <a:shade val="50000"/>
+            </a:schemeClr>
+          </a:lnRef>
+          <a:fillRef idx="1">
+            <a:schemeClr val="accent2"/>
+          </a:fillRef>
+          <a:effectRef idx="0">
+            <a:schemeClr val="accent2"/>
+          </a:effectRef>
+          <a:fontRef idx="minor">
+            <a:schemeClr val="lt1"/>
+          </a:fontRef>
+        </p:style>
+        <p:txBody>
+          <a:bodyPr rtlCol="0" anchor="ctr"/>
+          <a:lstStyle/>
+          <a:p>
+            <a:pPr algn="ctr"/>
+            <a:endParaRPr lang="zh-CN" altLang="en-US"/>
+          </a:p>
+        </p:txBody>
+      </p:sp>
+      <p:sp>
+        <p:nvSpPr>
+          <p:cNvPr id="94" name="左弧形箭头 93"/>
+          <p:cNvSpPr/>
+          <p:nvPr/>
+        </p:nvSpPr>
+        <p:spPr>
+          <a:xfrm rot="10800000" flipH="1">
+            <a:off x="7995077" y="1792063"/>
+            <a:ext cx="453836" cy="1636936"/>
+          </a:xfrm>
+          <a:prstGeom prst="curvedRightArrow">
+            <a:avLst>
+              <a:gd name="adj1" fmla="val 25000"/>
+              <a:gd name="adj2" fmla="val 32663"/>
+              <a:gd name="adj3" fmla="val 25000"/>
+            </a:avLst>
+          </a:prstGeom>
+        </p:spPr>
+        <p:style>
+          <a:lnRef idx="2">
+            <a:schemeClr val="accent3">
+              <a:shade val="50000"/>
+            </a:schemeClr>
+          </a:lnRef>
+          <a:fillRef idx="1">
+            <a:schemeClr val="accent3"/>
+          </a:fillRef>
+          <a:effectRef idx="0">
+            <a:schemeClr val="accent3"/>
+          </a:effectRef>
+          <a:fontRef idx="minor">
+            <a:schemeClr val="lt1"/>
+          </a:fontRef>
+        </p:style>
+        <p:txBody>
+          <a:bodyPr rtlCol="0" anchor="ctr"/>
+          <a:lstStyle/>
+          <a:p>
+            <a:pPr algn="ctr"/>
+            <a:endParaRPr lang="zh-CN" altLang="en-US">
+              <a:solidFill>
+                <a:schemeClr val="tx1"/>
+              </a:solidFill>
+            </a:endParaRPr>
+          </a:p>
+        </p:txBody>
+      </p:sp>
+      <p:sp>
+        <p:nvSpPr>
+          <p:cNvPr id="95" name="右箭头 94"/>
+          <p:cNvSpPr/>
+          <p:nvPr/>
+        </p:nvSpPr>
+        <p:spPr>
+          <a:xfrm rot="10800000" flipH="1">
+            <a:off x="8511954" y="1774395"/>
+            <a:ext cx="1155106" cy="134641"/>
+          </a:xfrm>
+          <a:prstGeom prst="rightArrow">
+            <a:avLst/>
+          </a:prstGeom>
+        </p:spPr>
+        <p:style>
+          <a:lnRef idx="2">
+            <a:schemeClr val="accent3">
+              <a:shade val="50000"/>
+            </a:schemeClr>
+          </a:lnRef>
+          <a:fillRef idx="1">
+            <a:schemeClr val="accent3"/>
+          </a:fillRef>
+          <a:effectRef idx="0">
+            <a:schemeClr val="accent3"/>
+          </a:effectRef>
+          <a:fontRef idx="minor">
+            <a:schemeClr val="lt1"/>
+          </a:fontRef>
+        </p:style>
+        <p:txBody>
+          <a:bodyPr rtlCol="0" anchor="ctr"/>
+          <a:lstStyle/>
+          <a:p>
+            <a:pPr algn="ctr"/>
+            <a:endParaRPr lang="zh-CN" altLang="en-US"/>
+          </a:p>
+        </p:txBody>
+      </p:sp>
+      <p:sp>
+        <p:nvSpPr>
+          <p:cNvPr id="96" name="右箭头 95"/>
+          <p:cNvSpPr/>
+          <p:nvPr/>
+        </p:nvSpPr>
+        <p:spPr>
+          <a:xfrm rot="10800000">
+            <a:off x="8191310" y="1587752"/>
+            <a:ext cx="1475749" cy="105559"/>
+          </a:xfrm>
+          <a:prstGeom prst="rightArrow">
+            <a:avLst/>
+          </a:prstGeom>
+        </p:spPr>
+        <p:style>
+          <a:lnRef idx="2">
+            <a:schemeClr val="accent3">
+              <a:shade val="50000"/>
+            </a:schemeClr>
+          </a:lnRef>
+          <a:fillRef idx="1">
+            <a:schemeClr val="accent3"/>
+          </a:fillRef>
+          <a:effectRef idx="0">
+            <a:schemeClr val="accent3"/>
+          </a:effectRef>
+          <a:fontRef idx="minor">
+            <a:schemeClr val="lt1"/>
+          </a:fontRef>
+        </p:style>
+        <p:txBody>
+          <a:bodyPr rtlCol="0" anchor="ctr"/>
+          <a:lstStyle/>
+          <a:p>
+            <a:pPr algn="ctr"/>
+            <a:endParaRPr lang="zh-CN" altLang="en-US"/>
+          </a:p>
+        </p:txBody>
+      </p:sp>
+      <p:sp>
+        <p:nvSpPr>
+          <p:cNvPr id="97" name="右箭头 96"/>
+          <p:cNvSpPr/>
+          <p:nvPr/>
+        </p:nvSpPr>
+        <p:spPr>
+          <a:xfrm rot="8267873">
+            <a:off x="6883282" y="2099289"/>
+            <a:ext cx="1479419" cy="166641"/>
+          </a:xfrm>
+          <a:prstGeom prst="rightArrow">
+            <a:avLst/>
+          </a:prstGeom>
+        </p:spPr>
+        <p:style>
+          <a:lnRef idx="2">
+            <a:schemeClr val="accent3">
+              <a:shade val="50000"/>
+            </a:schemeClr>
+          </a:lnRef>
+          <a:fillRef idx="1">
+            <a:schemeClr val="accent3"/>
+          </a:fillRef>
+          <a:effectRef idx="0">
+            <a:schemeClr val="accent3"/>
+          </a:effectRef>
+          <a:fontRef idx="minor">
+            <a:schemeClr val="lt1"/>
+          </a:fontRef>
+        </p:style>
+        <p:txBody>
+          <a:bodyPr rtlCol="0" anchor="ctr"/>
+          <a:lstStyle/>
+          <a:p>
+            <a:pPr algn="ctr"/>
+            <a:endParaRPr lang="zh-CN" altLang="en-US"/>
+          </a:p>
+        </p:txBody>
+      </p:sp>
+      <p:sp>
+        <p:nvSpPr>
+          <p:cNvPr id="98" name="右弧形箭头 97"/>
+          <p:cNvSpPr/>
+          <p:nvPr/>
+        </p:nvSpPr>
+        <p:spPr>
+          <a:xfrm>
+            <a:off x="7113810" y="2705576"/>
+            <a:ext cx="524108" cy="2371681"/>
+          </a:xfrm>
+          <a:prstGeom prst="curvedLeftArrow">
+            <a:avLst/>
+          </a:prstGeom>
+        </p:spPr>
+        <p:style>
+          <a:lnRef idx="2">
+            <a:schemeClr val="accent3">
+              <a:shade val="50000"/>
+            </a:schemeClr>
+          </a:lnRef>
+          <a:fillRef idx="1">
+            <a:schemeClr val="accent3"/>
+          </a:fillRef>
+          <a:effectRef idx="0">
+            <a:schemeClr val="accent3"/>
+          </a:effectRef>
+          <a:fontRef idx="minor">
+            <a:schemeClr val="lt1"/>
+          </a:fontRef>
+        </p:style>
+        <p:txBody>
+          <a:bodyPr rtlCol="0" anchor="ctr"/>
+          <a:lstStyle/>
+          <a:p>
+            <a:pPr algn="ctr"/>
+            <a:endParaRPr lang="zh-CN" altLang="en-US">
+              <a:solidFill>
+                <a:schemeClr val="tx1"/>
+              </a:solidFill>
+            </a:endParaRPr>
+          </a:p>
+        </p:txBody>
+      </p:sp>
+      <p:sp>
+        <p:nvSpPr>
+          <p:cNvPr id="99" name="左弧形箭头 98"/>
+          <p:cNvSpPr/>
+          <p:nvPr/>
+        </p:nvSpPr>
+        <p:spPr>
+          <a:xfrm rot="10800000" flipH="1">
+            <a:off x="7993863" y="1106987"/>
+            <a:ext cx="453836" cy="2096808"/>
+          </a:xfrm>
+          <a:prstGeom prst="curvedRightArrow">
+            <a:avLst>
+              <a:gd name="adj1" fmla="val 25000"/>
+              <a:gd name="adj2" fmla="val 32663"/>
+              <a:gd name="adj3" fmla="val 25000"/>
+            </a:avLst>
+          </a:prstGeom>
+        </p:spPr>
+        <p:style>
+          <a:lnRef idx="2">
+            <a:schemeClr val="accent5">
+              <a:shade val="50000"/>
+            </a:schemeClr>
+          </a:lnRef>
+          <a:fillRef idx="1">
+            <a:schemeClr val="accent5"/>
+          </a:fillRef>
+          <a:effectRef idx="0">
+            <a:schemeClr val="accent5"/>
+          </a:effectRef>
+          <a:fontRef idx="minor">
+            <a:schemeClr val="lt1"/>
+          </a:fontRef>
+        </p:style>
+        <p:txBody>
+          <a:bodyPr rtlCol="0" anchor="ctr"/>
+          <a:lstStyle/>
+          <a:p>
+            <a:pPr algn="ctr"/>
+            <a:endParaRPr lang="zh-CN" altLang="en-US">
+              <a:solidFill>
+                <a:schemeClr val="tx1"/>
+              </a:solidFill>
+            </a:endParaRPr>
+          </a:p>
+        </p:txBody>
+      </p:sp>
+      <p:sp>
+        <p:nvSpPr>
+          <p:cNvPr id="100" name="右箭头 99"/>
+          <p:cNvSpPr/>
+          <p:nvPr/>
+        </p:nvSpPr>
+        <p:spPr>
+          <a:xfrm rot="10800000" flipH="1">
+            <a:off x="8485857" y="1112514"/>
+            <a:ext cx="1155106" cy="134641"/>
+          </a:xfrm>
+          <a:prstGeom prst="rightArrow">
+            <a:avLst/>
+          </a:prstGeom>
+        </p:spPr>
+        <p:style>
+          <a:lnRef idx="2">
+            <a:schemeClr val="accent5">
+              <a:shade val="50000"/>
+            </a:schemeClr>
+          </a:lnRef>
+          <a:fillRef idx="1">
+            <a:schemeClr val="accent5"/>
+          </a:fillRef>
+          <a:effectRef idx="0">
+            <a:schemeClr val="accent5"/>
+          </a:effectRef>
+          <a:fontRef idx="minor">
+            <a:schemeClr val="lt1"/>
+          </a:fontRef>
+        </p:style>
+        <p:txBody>
+          <a:bodyPr rtlCol="0" anchor="ctr"/>
+          <a:lstStyle/>
+          <a:p>
+            <a:pPr algn="ctr"/>
+            <a:endParaRPr lang="zh-CN" altLang="en-US"/>
+          </a:p>
+        </p:txBody>
+      </p:sp>
+      <p:sp>
+        <p:nvSpPr>
+          <p:cNvPr id="101" name="右箭头 100"/>
+          <p:cNvSpPr/>
+          <p:nvPr/>
+        </p:nvSpPr>
+        <p:spPr>
+          <a:xfrm rot="10800000">
+            <a:off x="7182438" y="925870"/>
+            <a:ext cx="2458523" cy="140390"/>
+          </a:xfrm>
+          <a:prstGeom prst="rightArrow">
+            <a:avLst/>
+          </a:prstGeom>
+        </p:spPr>
+        <p:style>
+          <a:lnRef idx="2">
+            <a:schemeClr val="accent5">
+              <a:shade val="50000"/>
+            </a:schemeClr>
+          </a:lnRef>
+          <a:fillRef idx="1">
+            <a:schemeClr val="accent5"/>
+          </a:fillRef>
+          <a:effectRef idx="0">
+            <a:schemeClr val="accent5"/>
+          </a:effectRef>
+          <a:fontRef idx="minor">
+            <a:schemeClr val="lt1"/>
+          </a:fontRef>
+        </p:style>
+        <p:txBody>
+          <a:bodyPr rtlCol="0" anchor="ctr"/>
+          <a:lstStyle/>
+          <a:p>
+            <a:pPr algn="ctr"/>
+            <a:endParaRPr lang="zh-CN" altLang="en-US"/>
+          </a:p>
+        </p:txBody>
+      </p:sp>
+      <p:sp>
+        <p:nvSpPr>
+          <p:cNvPr id="103" name="右弧形箭头 102"/>
+          <p:cNvSpPr/>
+          <p:nvPr/>
+        </p:nvSpPr>
+        <p:spPr>
+          <a:xfrm>
+            <a:off x="7167445" y="1106987"/>
+            <a:ext cx="524108" cy="3454083"/>
+          </a:xfrm>
+          <a:prstGeom prst="curvedLeftArrow">
+            <a:avLst/>
+          </a:prstGeom>
+        </p:spPr>
+        <p:style>
+          <a:lnRef idx="2">
+            <a:schemeClr val="accent5">
+              <a:shade val="50000"/>
+            </a:schemeClr>
+          </a:lnRef>
+          <a:fillRef idx="1">
+            <a:schemeClr val="accent5"/>
+          </a:fillRef>
+          <a:effectRef idx="0">
+            <a:schemeClr val="accent5"/>
+          </a:effectRef>
+          <a:fontRef idx="minor">
+            <a:schemeClr val="lt1"/>
+          </a:fontRef>
+        </p:style>
+        <p:txBody>
+          <a:bodyPr rtlCol="0" anchor="ctr"/>
+          <a:lstStyle/>
+          <a:p>
+            <a:pPr algn="ctr"/>
+            <a:endParaRPr lang="zh-CN" altLang="en-US">
+              <a:solidFill>
+                <a:schemeClr val="tx1"/>
+              </a:solidFill>
+            </a:endParaRPr>
+          </a:p>
+        </p:txBody>
+      </p:sp>
+    </p:spTree>
+    <p:extLst>
+      <p:ext uri="{BB962C8B-B14F-4D97-AF65-F5344CB8AC3E}">
+        <p14:creationId xmlns:p14="http://schemas.microsoft.com/office/powerpoint/2010/main" val="3073587105"/>
+      </p:ext>
+    </p:extLst>
+  </p:cSld>
+  <p:clrMapOvr>
+    <a:masterClrMapping/>
+  </p:clrMapOvr>
+</p:sld>
+</file>
+
 <file path=ppt/theme/theme1.xml><?xml version="1.0" encoding="utf-8"?>
 <a:theme xmlns:a="http://schemas.openxmlformats.org/drawingml/2006/main" name="Office 主题">
   <a:themeElements>

--- a/csv2anki/design.pptx
+++ b/csv2anki/design.pptx
@@ -7,6 +7,8 @@
   <p:sldIdLst>
     <p:sldId id="256" r:id="rId2"/>
     <p:sldId id="257" r:id="rId3"/>
+    <p:sldId id="258" r:id="rId4"/>
+    <p:sldId id="259" r:id="rId5"/>
   </p:sldIdLst>
   <p:sldSz cx="12192000" cy="6858000"/>
   <p:notesSz cx="6858000" cy="9144000"/>
@@ -253,7 +255,7 @@
           <a:p>
             <a:fld id="{A96FB359-0509-4226-834D-6F1306F6973B}" type="datetimeFigureOut">
               <a:rPr lang="zh-CN" altLang="en-US" smtClean="0"/>
-              <a:t>2017/3/20</a:t>
+              <a:t>2017/3/21</a:t>
             </a:fld>
             <a:endParaRPr lang="zh-CN" altLang="en-US"/>
           </a:p>
@@ -421,7 +423,7 @@
           <a:p>
             <a:fld id="{A96FB359-0509-4226-834D-6F1306F6973B}" type="datetimeFigureOut">
               <a:rPr lang="zh-CN" altLang="en-US" smtClean="0"/>
-              <a:t>2017/3/20</a:t>
+              <a:t>2017/3/21</a:t>
             </a:fld>
             <a:endParaRPr lang="zh-CN" altLang="en-US"/>
           </a:p>
@@ -599,7 +601,7 @@
           <a:p>
             <a:fld id="{A96FB359-0509-4226-834D-6F1306F6973B}" type="datetimeFigureOut">
               <a:rPr lang="zh-CN" altLang="en-US" smtClean="0"/>
-              <a:t>2017/3/20</a:t>
+              <a:t>2017/3/21</a:t>
             </a:fld>
             <a:endParaRPr lang="zh-CN" altLang="en-US"/>
           </a:p>
@@ -767,7 +769,7 @@
           <a:p>
             <a:fld id="{A96FB359-0509-4226-834D-6F1306F6973B}" type="datetimeFigureOut">
               <a:rPr lang="zh-CN" altLang="en-US" smtClean="0"/>
-              <a:t>2017/3/20</a:t>
+              <a:t>2017/3/21</a:t>
             </a:fld>
             <a:endParaRPr lang="zh-CN" altLang="en-US"/>
           </a:p>
@@ -1012,7 +1014,7 @@
           <a:p>
             <a:fld id="{A96FB359-0509-4226-834D-6F1306F6973B}" type="datetimeFigureOut">
               <a:rPr lang="zh-CN" altLang="en-US" smtClean="0"/>
-              <a:t>2017/3/20</a:t>
+              <a:t>2017/3/21</a:t>
             </a:fld>
             <a:endParaRPr lang="zh-CN" altLang="en-US"/>
           </a:p>
@@ -1241,7 +1243,7 @@
           <a:p>
             <a:fld id="{A96FB359-0509-4226-834D-6F1306F6973B}" type="datetimeFigureOut">
               <a:rPr lang="zh-CN" altLang="en-US" smtClean="0"/>
-              <a:t>2017/3/20</a:t>
+              <a:t>2017/3/21</a:t>
             </a:fld>
             <a:endParaRPr lang="zh-CN" altLang="en-US"/>
           </a:p>
@@ -1605,7 +1607,7 @@
           <a:p>
             <a:fld id="{A96FB359-0509-4226-834D-6F1306F6973B}" type="datetimeFigureOut">
               <a:rPr lang="zh-CN" altLang="en-US" smtClean="0"/>
-              <a:t>2017/3/20</a:t>
+              <a:t>2017/3/21</a:t>
             </a:fld>
             <a:endParaRPr lang="zh-CN" altLang="en-US"/>
           </a:p>
@@ -1722,7 +1724,7 @@
           <a:p>
             <a:fld id="{A96FB359-0509-4226-834D-6F1306F6973B}" type="datetimeFigureOut">
               <a:rPr lang="zh-CN" altLang="en-US" smtClean="0"/>
-              <a:t>2017/3/20</a:t>
+              <a:t>2017/3/21</a:t>
             </a:fld>
             <a:endParaRPr lang="zh-CN" altLang="en-US"/>
           </a:p>
@@ -1817,7 +1819,7 @@
           <a:p>
             <a:fld id="{A96FB359-0509-4226-834D-6F1306F6973B}" type="datetimeFigureOut">
               <a:rPr lang="zh-CN" altLang="en-US" smtClean="0"/>
-              <a:t>2017/3/20</a:t>
+              <a:t>2017/3/21</a:t>
             </a:fld>
             <a:endParaRPr lang="zh-CN" altLang="en-US"/>
           </a:p>
@@ -2092,7 +2094,7 @@
           <a:p>
             <a:fld id="{A96FB359-0509-4226-834D-6F1306F6973B}" type="datetimeFigureOut">
               <a:rPr lang="zh-CN" altLang="en-US" smtClean="0"/>
-              <a:t>2017/3/20</a:t>
+              <a:t>2017/3/21</a:t>
             </a:fld>
             <a:endParaRPr lang="zh-CN" altLang="en-US"/>
           </a:p>
@@ -2344,7 +2346,7 @@
           <a:p>
             <a:fld id="{A96FB359-0509-4226-834D-6F1306F6973B}" type="datetimeFigureOut">
               <a:rPr lang="zh-CN" altLang="en-US" smtClean="0"/>
-              <a:t>2017/3/20</a:t>
+              <a:t>2017/3/21</a:t>
             </a:fld>
             <a:endParaRPr lang="zh-CN" altLang="en-US"/>
           </a:p>
@@ -2555,7 +2557,7 @@
           <a:p>
             <a:fld id="{A96FB359-0509-4226-834D-6F1306F6973B}" type="datetimeFigureOut">
               <a:rPr lang="zh-CN" altLang="en-US" smtClean="0"/>
-              <a:t>2017/3/20</a:t>
+              <a:t>2017/3/21</a:t>
             </a:fld>
             <a:endParaRPr lang="zh-CN" altLang="en-US"/>
           </a:p>
@@ -4432,94 +4434,6 @@
       </p:sp>
       <p:sp>
         <p:nvSpPr>
-          <p:cNvPr id="9" name="矩形 8"/>
-          <p:cNvSpPr/>
-          <p:nvPr/>
-        </p:nvSpPr>
-        <p:spPr>
-          <a:xfrm>
-            <a:off x="5067299" y="5459187"/>
-            <a:ext cx="881743" cy="293914"/>
-          </a:xfrm>
-          <a:prstGeom prst="rect">
-            <a:avLst/>
-          </a:prstGeom>
-        </p:spPr>
-        <p:style>
-          <a:lnRef idx="2">
-            <a:schemeClr val="accent1">
-              <a:shade val="50000"/>
-            </a:schemeClr>
-          </a:lnRef>
-          <a:fillRef idx="1">
-            <a:schemeClr val="accent1"/>
-          </a:fillRef>
-          <a:effectRef idx="0">
-            <a:schemeClr val="accent1"/>
-          </a:effectRef>
-          <a:fontRef idx="minor">
-            <a:schemeClr val="lt1"/>
-          </a:fontRef>
-        </p:style>
-        <p:txBody>
-          <a:bodyPr rtlCol="0" anchor="ctr"/>
-          <a:lstStyle/>
-          <a:p>
-            <a:pPr algn="ctr"/>
-            <a:r>
-              <a:rPr lang="en-US" altLang="zh-CN" dirty="0" err="1" smtClean="0"/>
-              <a:t>Conf</a:t>
-            </a:r>
-            <a:endParaRPr lang="en-US" altLang="zh-CN" dirty="0" smtClean="0"/>
-          </a:p>
-        </p:txBody>
-      </p:sp>
-      <p:sp>
-        <p:nvSpPr>
-          <p:cNvPr id="10" name="矩形 9"/>
-          <p:cNvSpPr/>
-          <p:nvPr/>
-        </p:nvSpPr>
-        <p:spPr>
-          <a:xfrm>
-            <a:off x="6237513" y="5459187"/>
-            <a:ext cx="881743" cy="293914"/>
-          </a:xfrm>
-          <a:prstGeom prst="rect">
-            <a:avLst/>
-          </a:prstGeom>
-        </p:spPr>
-        <p:style>
-          <a:lnRef idx="2">
-            <a:schemeClr val="accent1">
-              <a:shade val="50000"/>
-            </a:schemeClr>
-          </a:lnRef>
-          <a:fillRef idx="1">
-            <a:schemeClr val="accent1"/>
-          </a:fillRef>
-          <a:effectRef idx="0">
-            <a:schemeClr val="accent1"/>
-          </a:effectRef>
-          <a:fontRef idx="minor">
-            <a:schemeClr val="lt1"/>
-          </a:fontRef>
-        </p:style>
-        <p:txBody>
-          <a:bodyPr rtlCol="0" anchor="ctr"/>
-          <a:lstStyle/>
-          <a:p>
-            <a:pPr algn="ctr"/>
-            <a:r>
-              <a:rPr lang="en-US" altLang="zh-CN" dirty="0" err="1" smtClean="0"/>
-              <a:t>Dconf</a:t>
-            </a:r>
-            <a:endParaRPr lang="en-US" altLang="zh-CN" dirty="0" smtClean="0"/>
-          </a:p>
-        </p:txBody>
-      </p:sp>
-      <p:sp>
-        <p:nvSpPr>
           <p:cNvPr id="11" name="矩形 10"/>
           <p:cNvSpPr/>
           <p:nvPr/>
@@ -4575,6 +4489,9 @@
           <a:prstGeom prst="rect">
             <a:avLst/>
           </a:prstGeom>
+          <a:ln>
+            <a:prstDash val="dash"/>
+          </a:ln>
         </p:spPr>
         <p:style>
           <a:lnRef idx="2">
@@ -4598,7 +4515,7 @@
           <a:p>
             <a:r>
               <a:rPr lang="en-US" altLang="zh-CN" dirty="0" smtClean="0"/>
-              <a:t>Models</a:t>
+              <a:t>Model</a:t>
             </a:r>
             <a:endParaRPr lang="en-US" altLang="zh-CN" dirty="0"/>
           </a:p>
@@ -4673,6 +4590,9 @@
           <a:prstGeom prst="rect">
             <a:avLst/>
           </a:prstGeom>
+          <a:ln>
+            <a:prstDash val="dash"/>
+          </a:ln>
         </p:spPr>
         <p:style>
           <a:lnRef idx="2">
@@ -4696,7 +4616,11 @@
           <a:p>
             <a:r>
               <a:rPr lang="en-US" altLang="zh-CN" dirty="0" smtClean="0"/>
-              <a:t>Decks  .</a:t>
+              <a:t>Deck  </a:t>
+            </a:r>
+            <a:r>
+              <a:rPr lang="en-US" altLang="zh-CN" dirty="0" smtClean="0"/>
+              <a:t>.</a:t>
             </a:r>
             <a:r>
               <a:rPr lang="en-US" altLang="zh-CN" dirty="0" err="1" smtClean="0"/>
@@ -6567,10 +6491,4486 @@
           </a:p>
         </p:txBody>
       </p:sp>
+      <p:sp>
+        <p:nvSpPr>
+          <p:cNvPr id="9" name="矩形 8"/>
+          <p:cNvSpPr/>
+          <p:nvPr/>
+        </p:nvSpPr>
+        <p:spPr>
+          <a:xfrm>
+            <a:off x="9711890" y="3682499"/>
+            <a:ext cx="881743" cy="293914"/>
+          </a:xfrm>
+          <a:prstGeom prst="rect">
+            <a:avLst/>
+          </a:prstGeom>
+        </p:spPr>
+        <p:style>
+          <a:lnRef idx="2">
+            <a:schemeClr val="accent1">
+              <a:shade val="50000"/>
+            </a:schemeClr>
+          </a:lnRef>
+          <a:fillRef idx="1">
+            <a:schemeClr val="accent1"/>
+          </a:fillRef>
+          <a:effectRef idx="0">
+            <a:schemeClr val="accent1"/>
+          </a:effectRef>
+          <a:fontRef idx="minor">
+            <a:schemeClr val="lt1"/>
+          </a:fontRef>
+        </p:style>
+        <p:txBody>
+          <a:bodyPr rtlCol="0" anchor="ctr"/>
+          <a:lstStyle/>
+          <a:p>
+            <a:pPr algn="ctr"/>
+            <a:r>
+              <a:rPr lang="en-US" altLang="zh-CN" dirty="0" err="1" smtClean="0"/>
+              <a:t>Conf</a:t>
+            </a:r>
+            <a:endParaRPr lang="en-US" altLang="zh-CN" dirty="0" smtClean="0"/>
+          </a:p>
+        </p:txBody>
+      </p:sp>
+      <p:sp>
+        <p:nvSpPr>
+          <p:cNvPr id="10" name="矩形 9"/>
+          <p:cNvSpPr/>
+          <p:nvPr/>
+        </p:nvSpPr>
+        <p:spPr>
+          <a:xfrm>
+            <a:off x="10882104" y="3682499"/>
+            <a:ext cx="881743" cy="293914"/>
+          </a:xfrm>
+          <a:prstGeom prst="rect">
+            <a:avLst/>
+          </a:prstGeom>
+        </p:spPr>
+        <p:style>
+          <a:lnRef idx="2">
+            <a:schemeClr val="accent1">
+              <a:shade val="50000"/>
+            </a:schemeClr>
+          </a:lnRef>
+          <a:fillRef idx="1">
+            <a:schemeClr val="accent1"/>
+          </a:fillRef>
+          <a:effectRef idx="0">
+            <a:schemeClr val="accent1"/>
+          </a:effectRef>
+          <a:fontRef idx="minor">
+            <a:schemeClr val="lt1"/>
+          </a:fontRef>
+        </p:style>
+        <p:txBody>
+          <a:bodyPr rtlCol="0" anchor="ctr"/>
+          <a:lstStyle/>
+          <a:p>
+            <a:pPr algn="ctr"/>
+            <a:r>
+              <a:rPr lang="en-US" altLang="zh-CN" dirty="0" err="1" smtClean="0"/>
+              <a:t>Dconf</a:t>
+            </a:r>
+            <a:endParaRPr lang="en-US" altLang="zh-CN" dirty="0" smtClean="0"/>
+          </a:p>
+        </p:txBody>
+      </p:sp>
     </p:spTree>
     <p:extLst>
       <p:ext uri="{BB962C8B-B14F-4D97-AF65-F5344CB8AC3E}">
         <p14:creationId xmlns:p14="http://schemas.microsoft.com/office/powerpoint/2010/main" val="3073587105"/>
+      </p:ext>
+    </p:extLst>
+  </p:cSld>
+  <p:clrMapOvr>
+    <a:masterClrMapping/>
+  </p:clrMapOvr>
+</p:sld>
+</file>
+
+<file path=ppt/slides/slide3.xml><?xml version="1.0" encoding="utf-8"?>
+<p:sld xmlns:a="http://schemas.openxmlformats.org/drawingml/2006/main" xmlns:r="http://schemas.openxmlformats.org/officeDocument/2006/relationships" xmlns:p="http://schemas.openxmlformats.org/presentationml/2006/main">
+  <p:cSld>
+    <p:spTree>
+      <p:nvGrpSpPr>
+        <p:cNvPr id="1" name=""/>
+        <p:cNvGrpSpPr/>
+        <p:nvPr/>
+      </p:nvGrpSpPr>
+      <p:grpSpPr>
+        <a:xfrm>
+          <a:off x="0" y="0"/>
+          <a:ext cx="0" cy="0"/>
+          <a:chOff x="0" y="0"/>
+          <a:chExt cx="0" cy="0"/>
+        </a:xfrm>
+      </p:grpSpPr>
+      <p:sp>
+        <p:nvSpPr>
+          <p:cNvPr id="105" name="矩形 104"/>
+          <p:cNvSpPr/>
+          <p:nvPr/>
+        </p:nvSpPr>
+        <p:spPr>
+          <a:xfrm>
+            <a:off x="7596083" y="2365333"/>
+            <a:ext cx="1587031" cy="2748685"/>
+          </a:xfrm>
+          <a:prstGeom prst="rect">
+            <a:avLst/>
+          </a:prstGeom>
+        </p:spPr>
+        <p:style>
+          <a:lnRef idx="2">
+            <a:schemeClr val="accent4">
+              <a:shade val="50000"/>
+            </a:schemeClr>
+          </a:lnRef>
+          <a:fillRef idx="1">
+            <a:schemeClr val="accent4"/>
+          </a:fillRef>
+          <a:effectRef idx="0">
+            <a:schemeClr val="accent4"/>
+          </a:effectRef>
+          <a:fontRef idx="minor">
+            <a:schemeClr val="lt1"/>
+          </a:fontRef>
+        </p:style>
+        <p:txBody>
+          <a:bodyPr rtlCol="0" anchor="t"/>
+          <a:lstStyle/>
+          <a:p>
+            <a:r>
+              <a:rPr lang="en-US" altLang="zh-CN" dirty="0" err="1" smtClean="0"/>
+              <a:t>Db_Model</a:t>
+            </a:r>
+            <a:r>
+              <a:rPr lang="en-US" altLang="zh-CN" dirty="0" err="1" smtClean="0"/>
+              <a:t>_Decks</a:t>
+            </a:r>
+            <a:endParaRPr lang="en-US" altLang="zh-CN" dirty="0" smtClean="0"/>
+          </a:p>
+          <a:p>
+            <a:r>
+              <a:rPr lang="en-US" altLang="zh-CN" dirty="0" smtClean="0"/>
+              <a:t>.</a:t>
+            </a:r>
+            <a:r>
+              <a:rPr lang="en-US" altLang="zh-CN" dirty="0" err="1" smtClean="0"/>
+              <a:t>Db_models</a:t>
+            </a:r>
+            <a:endParaRPr lang="en-US" altLang="zh-CN" dirty="0" smtClean="0"/>
+          </a:p>
+          <a:p>
+            <a:r>
+              <a:rPr lang="en-US" altLang="zh-CN" dirty="0" smtClean="0"/>
+              <a:t>.</a:t>
+            </a:r>
+            <a:r>
+              <a:rPr lang="en-US" altLang="zh-CN" dirty="0" err="1" smtClean="0"/>
+              <a:t>Db_Decks</a:t>
+            </a:r>
+            <a:endParaRPr lang="en-US" altLang="zh-CN" dirty="0" smtClean="0"/>
+          </a:p>
+        </p:txBody>
+      </p:sp>
+      <p:sp>
+        <p:nvSpPr>
+          <p:cNvPr id="8" name="矩形 7"/>
+          <p:cNvSpPr/>
+          <p:nvPr/>
+        </p:nvSpPr>
+        <p:spPr>
+          <a:xfrm>
+            <a:off x="4757056" y="385538"/>
+            <a:ext cx="2677887" cy="6099627"/>
+          </a:xfrm>
+          <a:prstGeom prst="rect">
+            <a:avLst/>
+          </a:prstGeom>
+        </p:spPr>
+        <p:style>
+          <a:lnRef idx="2">
+            <a:schemeClr val="accent4">
+              <a:shade val="50000"/>
+            </a:schemeClr>
+          </a:lnRef>
+          <a:fillRef idx="1">
+            <a:schemeClr val="accent4"/>
+          </a:fillRef>
+          <a:effectRef idx="0">
+            <a:schemeClr val="accent4"/>
+          </a:effectRef>
+          <a:fontRef idx="minor">
+            <a:schemeClr val="lt1"/>
+          </a:fontRef>
+        </p:style>
+        <p:txBody>
+          <a:bodyPr rtlCol="0" anchor="t"/>
+          <a:lstStyle/>
+          <a:p>
+            <a:r>
+              <a:rPr lang="en-US" altLang="zh-CN" dirty="0" smtClean="0"/>
+              <a:t>Col</a:t>
+            </a:r>
+            <a:endParaRPr lang="en-US" altLang="zh-CN" dirty="0"/>
+          </a:p>
+        </p:txBody>
+      </p:sp>
+      <p:sp>
+        <p:nvSpPr>
+          <p:cNvPr id="4" name="矩形 3"/>
+          <p:cNvSpPr/>
+          <p:nvPr/>
+        </p:nvSpPr>
+        <p:spPr>
+          <a:xfrm>
+            <a:off x="5072743" y="3117392"/>
+            <a:ext cx="2046514" cy="2113197"/>
+          </a:xfrm>
+          <a:prstGeom prst="rect">
+            <a:avLst/>
+          </a:prstGeom>
+        </p:spPr>
+        <p:style>
+          <a:lnRef idx="2">
+            <a:schemeClr val="accent4">
+              <a:shade val="50000"/>
+            </a:schemeClr>
+          </a:lnRef>
+          <a:fillRef idx="1">
+            <a:schemeClr val="accent4"/>
+          </a:fillRef>
+          <a:effectRef idx="0">
+            <a:schemeClr val="accent4"/>
+          </a:effectRef>
+          <a:fontRef idx="minor">
+            <a:schemeClr val="lt1"/>
+          </a:fontRef>
+        </p:style>
+        <p:txBody>
+          <a:bodyPr rtlCol="0" anchor="t"/>
+          <a:lstStyle/>
+          <a:p>
+            <a:r>
+              <a:rPr lang="en-US" altLang="zh-CN" dirty="0" err="1" smtClean="0"/>
+              <a:t>Model_decks</a:t>
+            </a:r>
+            <a:endParaRPr lang="en-US" altLang="zh-CN" dirty="0"/>
+          </a:p>
+        </p:txBody>
+      </p:sp>
+      <p:sp>
+        <p:nvSpPr>
+          <p:cNvPr id="5" name="圆角矩形 4"/>
+          <p:cNvSpPr/>
+          <p:nvPr/>
+        </p:nvSpPr>
+        <p:spPr>
+          <a:xfrm>
+            <a:off x="5470071" y="4298032"/>
+            <a:ext cx="1251857" cy="363771"/>
+          </a:xfrm>
+          <a:prstGeom prst="roundRect">
+            <a:avLst/>
+          </a:prstGeom>
+        </p:spPr>
+        <p:style>
+          <a:lnRef idx="2">
+            <a:schemeClr val="accent2">
+              <a:shade val="50000"/>
+            </a:schemeClr>
+          </a:lnRef>
+          <a:fillRef idx="1">
+            <a:schemeClr val="accent2"/>
+          </a:fillRef>
+          <a:effectRef idx="0">
+            <a:schemeClr val="accent2"/>
+          </a:effectRef>
+          <a:fontRef idx="minor">
+            <a:schemeClr val="lt1"/>
+          </a:fontRef>
+        </p:style>
+        <p:txBody>
+          <a:bodyPr rtlCol="0" anchor="t"/>
+          <a:lstStyle/>
+          <a:p>
+            <a:r>
+              <a:rPr lang="en-US" altLang="zh-CN" dirty="0" smtClean="0"/>
+              <a:t>Model</a:t>
+            </a:r>
+          </a:p>
+        </p:txBody>
+      </p:sp>
+      <p:sp>
+        <p:nvSpPr>
+          <p:cNvPr id="6" name="圆角矩形 5"/>
+          <p:cNvSpPr/>
+          <p:nvPr/>
+        </p:nvSpPr>
+        <p:spPr>
+          <a:xfrm>
+            <a:off x="5470072" y="4727123"/>
+            <a:ext cx="1251857" cy="363771"/>
+          </a:xfrm>
+          <a:prstGeom prst="roundRect">
+            <a:avLst/>
+          </a:prstGeom>
+        </p:spPr>
+        <p:style>
+          <a:lnRef idx="2">
+            <a:schemeClr val="accent2">
+              <a:shade val="50000"/>
+            </a:schemeClr>
+          </a:lnRef>
+          <a:fillRef idx="1">
+            <a:schemeClr val="accent2"/>
+          </a:fillRef>
+          <a:effectRef idx="0">
+            <a:schemeClr val="accent2"/>
+          </a:effectRef>
+          <a:fontRef idx="minor">
+            <a:schemeClr val="lt1"/>
+          </a:fontRef>
+        </p:style>
+        <p:txBody>
+          <a:bodyPr rtlCol="0" anchor="t"/>
+          <a:lstStyle/>
+          <a:p>
+            <a:r>
+              <a:rPr lang="en-US" altLang="zh-CN" dirty="0" smtClean="0"/>
+              <a:t>Deck</a:t>
+            </a:r>
+          </a:p>
+        </p:txBody>
+      </p:sp>
+      <p:sp>
+        <p:nvSpPr>
+          <p:cNvPr id="7" name="圆角矩形 6"/>
+          <p:cNvSpPr/>
+          <p:nvPr/>
+        </p:nvSpPr>
+        <p:spPr>
+          <a:xfrm>
+            <a:off x="5467348" y="3504735"/>
+            <a:ext cx="1251857" cy="729343"/>
+          </a:xfrm>
+          <a:prstGeom prst="roundRect">
+            <a:avLst/>
+          </a:prstGeom>
+        </p:spPr>
+        <p:style>
+          <a:lnRef idx="2">
+            <a:schemeClr val="accent4">
+              <a:shade val="50000"/>
+            </a:schemeClr>
+          </a:lnRef>
+          <a:fillRef idx="1">
+            <a:schemeClr val="accent4"/>
+          </a:fillRef>
+          <a:effectRef idx="0">
+            <a:schemeClr val="accent4"/>
+          </a:effectRef>
+          <a:fontRef idx="minor">
+            <a:schemeClr val="lt1"/>
+          </a:fontRef>
+        </p:style>
+        <p:txBody>
+          <a:bodyPr rtlCol="0" anchor="t"/>
+          <a:lstStyle/>
+          <a:p>
+            <a:r>
+              <a:rPr lang="en-US" altLang="zh-CN" dirty="0" smtClean="0"/>
+              <a:t>Notes</a:t>
+            </a:r>
+          </a:p>
+          <a:p>
+            <a:r>
+              <a:rPr lang="en-US" altLang="zh-CN" dirty="0" smtClean="0"/>
+              <a:t>..tags</a:t>
+            </a:r>
+          </a:p>
+        </p:txBody>
+      </p:sp>
+      <p:sp>
+        <p:nvSpPr>
+          <p:cNvPr id="11" name="矩形 10"/>
+          <p:cNvSpPr/>
+          <p:nvPr/>
+        </p:nvSpPr>
+        <p:spPr>
+          <a:xfrm>
+            <a:off x="5072743" y="5881009"/>
+            <a:ext cx="2046514" cy="375558"/>
+          </a:xfrm>
+          <a:prstGeom prst="rect">
+            <a:avLst/>
+          </a:prstGeom>
+        </p:spPr>
+        <p:style>
+          <a:lnRef idx="2">
+            <a:schemeClr val="accent1">
+              <a:shade val="50000"/>
+            </a:schemeClr>
+          </a:lnRef>
+          <a:fillRef idx="1">
+            <a:schemeClr val="accent1"/>
+          </a:fillRef>
+          <a:effectRef idx="0">
+            <a:schemeClr val="accent1"/>
+          </a:effectRef>
+          <a:fontRef idx="minor">
+            <a:schemeClr val="lt1"/>
+          </a:fontRef>
+        </p:style>
+        <p:txBody>
+          <a:bodyPr rtlCol="0" anchor="ctr"/>
+          <a:lstStyle/>
+          <a:p>
+            <a:pPr algn="ctr"/>
+            <a:r>
+              <a:rPr lang="en-US" altLang="zh-CN" dirty="0" smtClean="0"/>
+              <a:t>media</a:t>
+            </a:r>
+          </a:p>
+        </p:txBody>
+      </p:sp>
+      <p:sp>
+        <p:nvSpPr>
+          <p:cNvPr id="13" name="矩形 12"/>
+          <p:cNvSpPr/>
+          <p:nvPr/>
+        </p:nvSpPr>
+        <p:spPr>
+          <a:xfrm>
+            <a:off x="5067299" y="767448"/>
+            <a:ext cx="2051957" cy="1636461"/>
+          </a:xfrm>
+          <a:prstGeom prst="rect">
+            <a:avLst/>
+          </a:prstGeom>
+          <a:ln>
+            <a:prstDash val="dash"/>
+          </a:ln>
+        </p:spPr>
+        <p:style>
+          <a:lnRef idx="2">
+            <a:schemeClr val="accent4">
+              <a:shade val="50000"/>
+            </a:schemeClr>
+          </a:lnRef>
+          <a:fillRef idx="1">
+            <a:schemeClr val="accent4"/>
+          </a:fillRef>
+          <a:effectRef idx="0">
+            <a:schemeClr val="accent4"/>
+          </a:effectRef>
+          <a:fontRef idx="minor">
+            <a:schemeClr val="lt1"/>
+          </a:fontRef>
+        </p:style>
+        <p:txBody>
+          <a:bodyPr rtlCol="0" anchor="ctr"/>
+          <a:lstStyle/>
+          <a:p>
+            <a:r>
+              <a:rPr lang="en-US" altLang="zh-CN" dirty="0" smtClean="0"/>
+              <a:t>Model</a:t>
+            </a:r>
+            <a:endParaRPr lang="en-US" altLang="zh-CN" dirty="0"/>
+          </a:p>
+          <a:p>
+            <a:r>
+              <a:rPr lang="en-US" altLang="zh-CN" dirty="0"/>
+              <a:t>.</a:t>
+            </a:r>
+            <a:r>
+              <a:rPr lang="en-US" altLang="zh-CN" dirty="0" err="1"/>
+              <a:t>tmpls</a:t>
+            </a:r>
+            <a:endParaRPr lang="en-US" altLang="zh-CN" dirty="0"/>
+          </a:p>
+          <a:p>
+            <a:r>
+              <a:rPr lang="en-US" altLang="zh-CN" dirty="0"/>
+              <a:t>.</a:t>
+            </a:r>
+            <a:r>
+              <a:rPr lang="en-US" altLang="zh-CN" dirty="0" err="1"/>
+              <a:t>flds</a:t>
+            </a:r>
+            <a:endParaRPr lang="en-US" altLang="zh-CN" dirty="0"/>
+          </a:p>
+          <a:p>
+            <a:r>
+              <a:rPr lang="en-US" altLang="zh-CN" dirty="0"/>
+              <a:t>. </a:t>
+            </a:r>
+            <a:r>
+              <a:rPr lang="en-US" altLang="zh-CN" dirty="0" err="1"/>
+              <a:t>is_cloze</a:t>
+            </a:r>
+            <a:endParaRPr lang="en-US" altLang="zh-CN" dirty="0"/>
+          </a:p>
+          <a:p>
+            <a:r>
+              <a:rPr lang="en-US" altLang="zh-CN" dirty="0"/>
+              <a:t>..</a:t>
+            </a:r>
+            <a:r>
+              <a:rPr lang="en-US" altLang="zh-CN" dirty="0" err="1" smtClean="0"/>
+              <a:t>css</a:t>
+            </a:r>
+            <a:endParaRPr lang="en-US" altLang="zh-CN" dirty="0" smtClean="0"/>
+          </a:p>
+          <a:p>
+            <a:r>
+              <a:rPr lang="en-US" altLang="zh-CN" dirty="0" smtClean="0"/>
+              <a:t>..</a:t>
+            </a:r>
+            <a:r>
+              <a:rPr lang="en-US" altLang="zh-CN" dirty="0" err="1" smtClean="0"/>
+              <a:t>model_name</a:t>
+            </a:r>
+            <a:endParaRPr lang="en-US" altLang="zh-CN" dirty="0"/>
+          </a:p>
+        </p:txBody>
+      </p:sp>
+      <p:sp>
+        <p:nvSpPr>
+          <p:cNvPr id="15" name="矩形 14"/>
+          <p:cNvSpPr/>
+          <p:nvPr/>
+        </p:nvSpPr>
+        <p:spPr>
+          <a:xfrm>
+            <a:off x="5067300" y="2543604"/>
+            <a:ext cx="2051956" cy="468086"/>
+          </a:xfrm>
+          <a:prstGeom prst="rect">
+            <a:avLst/>
+          </a:prstGeom>
+          <a:ln>
+            <a:prstDash val="dash"/>
+          </a:ln>
+        </p:spPr>
+        <p:style>
+          <a:lnRef idx="2">
+            <a:schemeClr val="accent4">
+              <a:shade val="50000"/>
+            </a:schemeClr>
+          </a:lnRef>
+          <a:fillRef idx="1">
+            <a:schemeClr val="accent4"/>
+          </a:fillRef>
+          <a:effectRef idx="0">
+            <a:schemeClr val="accent4"/>
+          </a:effectRef>
+          <a:fontRef idx="minor">
+            <a:schemeClr val="lt1"/>
+          </a:fontRef>
+        </p:style>
+        <p:txBody>
+          <a:bodyPr rtlCol="0" anchor="ctr"/>
+          <a:lstStyle/>
+          <a:p>
+            <a:r>
+              <a:rPr lang="en-US" altLang="zh-CN" dirty="0" smtClean="0"/>
+              <a:t>Deck  </a:t>
+            </a:r>
+            <a:r>
+              <a:rPr lang="en-US" altLang="zh-CN" dirty="0" smtClean="0"/>
+              <a:t>.</a:t>
+            </a:r>
+            <a:r>
+              <a:rPr lang="en-US" altLang="zh-CN" dirty="0" err="1" smtClean="0"/>
+              <a:t>deck_name</a:t>
+            </a:r>
+            <a:endParaRPr lang="zh-CN" altLang="en-US" dirty="0"/>
+          </a:p>
+        </p:txBody>
+      </p:sp>
+      <p:sp>
+        <p:nvSpPr>
+          <p:cNvPr id="16" name="矩形 15"/>
+          <p:cNvSpPr/>
+          <p:nvPr/>
+        </p:nvSpPr>
+        <p:spPr>
+          <a:xfrm>
+            <a:off x="1106713" y="385539"/>
+            <a:ext cx="2677887" cy="6112331"/>
+          </a:xfrm>
+          <a:prstGeom prst="rect">
+            <a:avLst/>
+          </a:prstGeom>
+          <a:solidFill>
+            <a:schemeClr val="accent2">
+              <a:lumMod val="40000"/>
+              <a:lumOff val="60000"/>
+            </a:schemeClr>
+          </a:solidFill>
+          <a:ln>
+            <a:noFill/>
+          </a:ln>
+        </p:spPr>
+        <p:style>
+          <a:lnRef idx="2">
+            <a:schemeClr val="accent4">
+              <a:shade val="50000"/>
+            </a:schemeClr>
+          </a:lnRef>
+          <a:fillRef idx="1">
+            <a:schemeClr val="accent4"/>
+          </a:fillRef>
+          <a:effectRef idx="0">
+            <a:schemeClr val="accent4"/>
+          </a:effectRef>
+          <a:fontRef idx="minor">
+            <a:schemeClr val="lt1"/>
+          </a:fontRef>
+        </p:style>
+        <p:txBody>
+          <a:bodyPr rtlCol="0" anchor="t"/>
+          <a:lstStyle/>
+          <a:p>
+            <a:pPr algn="ctr"/>
+            <a:r>
+              <a:rPr lang="en-US" altLang="zh-CN" dirty="0" smtClean="0">
+                <a:solidFill>
+                  <a:schemeClr val="tx1"/>
+                </a:solidFill>
+              </a:rPr>
+              <a:t>File System</a:t>
+            </a:r>
+          </a:p>
+        </p:txBody>
+      </p:sp>
+      <p:sp>
+        <p:nvSpPr>
+          <p:cNvPr id="17" name="矩形 16"/>
+          <p:cNvSpPr/>
+          <p:nvPr/>
+        </p:nvSpPr>
+        <p:spPr>
+          <a:xfrm>
+            <a:off x="9327350" y="385539"/>
+            <a:ext cx="2677887" cy="6112331"/>
+          </a:xfrm>
+          <a:prstGeom prst="rect">
+            <a:avLst/>
+          </a:prstGeom>
+          <a:solidFill>
+            <a:schemeClr val="accent2">
+              <a:lumMod val="40000"/>
+              <a:lumOff val="60000"/>
+            </a:schemeClr>
+          </a:solidFill>
+          <a:ln>
+            <a:noFill/>
+          </a:ln>
+        </p:spPr>
+        <p:style>
+          <a:lnRef idx="2">
+            <a:schemeClr val="accent4">
+              <a:shade val="50000"/>
+            </a:schemeClr>
+          </a:lnRef>
+          <a:fillRef idx="1">
+            <a:schemeClr val="accent4"/>
+          </a:fillRef>
+          <a:effectRef idx="0">
+            <a:schemeClr val="accent4"/>
+          </a:effectRef>
+          <a:fontRef idx="minor">
+            <a:schemeClr val="lt1"/>
+          </a:fontRef>
+        </p:style>
+        <p:txBody>
+          <a:bodyPr rtlCol="0" anchor="t"/>
+          <a:lstStyle/>
+          <a:p>
+            <a:pPr algn="ctr"/>
+            <a:r>
+              <a:rPr lang="en-US" altLang="zh-CN" dirty="0" smtClean="0">
+                <a:solidFill>
+                  <a:schemeClr val="tx1"/>
+                </a:solidFill>
+              </a:rPr>
+              <a:t>DB</a:t>
+            </a:r>
+            <a:endParaRPr lang="en-US" altLang="zh-CN" dirty="0">
+              <a:solidFill>
+                <a:schemeClr val="tx1"/>
+              </a:solidFill>
+            </a:endParaRPr>
+          </a:p>
+        </p:txBody>
+      </p:sp>
+      <p:sp>
+        <p:nvSpPr>
+          <p:cNvPr id="18" name="矩形 17"/>
+          <p:cNvSpPr/>
+          <p:nvPr/>
+        </p:nvSpPr>
+        <p:spPr>
+          <a:xfrm>
+            <a:off x="1476827" y="898075"/>
+            <a:ext cx="2006601" cy="1467258"/>
+          </a:xfrm>
+          <a:prstGeom prst="rect">
+            <a:avLst/>
+          </a:prstGeom>
+        </p:spPr>
+        <p:style>
+          <a:lnRef idx="2">
+            <a:schemeClr val="accent4">
+              <a:shade val="50000"/>
+            </a:schemeClr>
+          </a:lnRef>
+          <a:fillRef idx="1">
+            <a:schemeClr val="accent4"/>
+          </a:fillRef>
+          <a:effectRef idx="0">
+            <a:schemeClr val="accent4"/>
+          </a:effectRef>
+          <a:fontRef idx="minor">
+            <a:schemeClr val="lt1"/>
+          </a:fontRef>
+        </p:style>
+        <p:txBody>
+          <a:bodyPr rtlCol="0" anchor="t"/>
+          <a:lstStyle/>
+          <a:p>
+            <a:r>
+              <a:rPr lang="en-US" altLang="zh-CN" dirty="0" smtClean="0"/>
+              <a:t>CSV</a:t>
+            </a:r>
+          </a:p>
+          <a:p>
+            <a:r>
+              <a:rPr lang="en-US" altLang="zh-CN" dirty="0" smtClean="0"/>
+              <a:t>.</a:t>
+            </a:r>
+            <a:r>
+              <a:rPr lang="en-US" altLang="zh-CN" dirty="0" err="1" smtClean="0"/>
+              <a:t>file_name</a:t>
+            </a:r>
+            <a:endParaRPr lang="en-US" altLang="zh-CN" dirty="0" smtClean="0"/>
+          </a:p>
+          <a:p>
+            <a:r>
+              <a:rPr lang="en-US" altLang="zh-CN" dirty="0" smtClean="0"/>
+              <a:t>.</a:t>
+            </a:r>
+            <a:r>
+              <a:rPr lang="en-US" altLang="zh-CN" dirty="0" err="1" smtClean="0"/>
+              <a:t>flds</a:t>
+            </a:r>
+            <a:endParaRPr lang="en-US" altLang="zh-CN" dirty="0" smtClean="0"/>
+          </a:p>
+          <a:p>
+            <a:r>
+              <a:rPr lang="en-US" altLang="zh-CN" dirty="0" smtClean="0"/>
+              <a:t>.</a:t>
+            </a:r>
+            <a:r>
+              <a:rPr lang="en-US" altLang="zh-CN" dirty="0" err="1" smtClean="0"/>
+              <a:t>notes</a:t>
+            </a:r>
+            <a:r>
+              <a:rPr lang="en-US" altLang="zh-CN" dirty="0" err="1"/>
+              <a:t>..</a:t>
+            </a:r>
+            <a:r>
+              <a:rPr lang="en-US" altLang="zh-CN" dirty="0" err="1" smtClean="0"/>
+              <a:t>tags</a:t>
+            </a:r>
+            <a:endParaRPr lang="zh-CN" altLang="en-US" dirty="0"/>
+          </a:p>
+        </p:txBody>
+      </p:sp>
+      <p:sp>
+        <p:nvSpPr>
+          <p:cNvPr id="37" name="矩形 36"/>
+          <p:cNvSpPr/>
+          <p:nvPr/>
+        </p:nvSpPr>
+        <p:spPr>
+          <a:xfrm>
+            <a:off x="1476827" y="2518644"/>
+            <a:ext cx="2006601" cy="483953"/>
+          </a:xfrm>
+          <a:prstGeom prst="rect">
+            <a:avLst/>
+          </a:prstGeom>
+        </p:spPr>
+        <p:style>
+          <a:lnRef idx="2">
+            <a:schemeClr val="accent4">
+              <a:shade val="50000"/>
+            </a:schemeClr>
+          </a:lnRef>
+          <a:fillRef idx="1">
+            <a:schemeClr val="accent4"/>
+          </a:fillRef>
+          <a:effectRef idx="0">
+            <a:schemeClr val="accent4"/>
+          </a:effectRef>
+          <a:fontRef idx="minor">
+            <a:schemeClr val="lt1"/>
+          </a:fontRef>
+        </p:style>
+        <p:txBody>
+          <a:bodyPr rtlCol="0" anchor="t"/>
+          <a:lstStyle/>
+          <a:p>
+            <a:r>
+              <a:rPr lang="en-US" altLang="zh-CN" dirty="0" err="1" smtClean="0"/>
+              <a:t>Tmpls</a:t>
+            </a:r>
+            <a:endParaRPr lang="en-US" altLang="zh-CN" dirty="0" smtClean="0"/>
+          </a:p>
+        </p:txBody>
+      </p:sp>
+      <p:sp>
+        <p:nvSpPr>
+          <p:cNvPr id="54" name="右箭头 53"/>
+          <p:cNvSpPr/>
+          <p:nvPr/>
+        </p:nvSpPr>
+        <p:spPr>
+          <a:xfrm>
+            <a:off x="2692853" y="1315374"/>
+            <a:ext cx="1371145" cy="170514"/>
+          </a:xfrm>
+          <a:prstGeom prst="rightArrow">
+            <a:avLst/>
+          </a:prstGeom>
+        </p:spPr>
+        <p:style>
+          <a:lnRef idx="2">
+            <a:schemeClr val="accent1">
+              <a:shade val="50000"/>
+            </a:schemeClr>
+          </a:lnRef>
+          <a:fillRef idx="1">
+            <a:schemeClr val="accent1"/>
+          </a:fillRef>
+          <a:effectRef idx="0">
+            <a:schemeClr val="accent1"/>
+          </a:effectRef>
+          <a:fontRef idx="minor">
+            <a:schemeClr val="lt1"/>
+          </a:fontRef>
+        </p:style>
+        <p:txBody>
+          <a:bodyPr rtlCol="0" anchor="ctr"/>
+          <a:lstStyle/>
+          <a:p>
+            <a:pPr algn="ctr"/>
+            <a:endParaRPr lang="zh-CN" altLang="en-US"/>
+          </a:p>
+        </p:txBody>
+      </p:sp>
+      <p:sp>
+        <p:nvSpPr>
+          <p:cNvPr id="55" name="右箭头 54"/>
+          <p:cNvSpPr/>
+          <p:nvPr/>
+        </p:nvSpPr>
+        <p:spPr>
+          <a:xfrm rot="2368607">
+            <a:off x="3889603" y="1798398"/>
+            <a:ext cx="1371145" cy="170514"/>
+          </a:xfrm>
+          <a:prstGeom prst="rightArrow">
+            <a:avLst/>
+          </a:prstGeom>
+        </p:spPr>
+        <p:style>
+          <a:lnRef idx="2">
+            <a:schemeClr val="accent1">
+              <a:shade val="50000"/>
+            </a:schemeClr>
+          </a:lnRef>
+          <a:fillRef idx="1">
+            <a:schemeClr val="accent1"/>
+          </a:fillRef>
+          <a:effectRef idx="0">
+            <a:schemeClr val="accent1"/>
+          </a:effectRef>
+          <a:fontRef idx="minor">
+            <a:schemeClr val="lt1"/>
+          </a:fontRef>
+        </p:style>
+        <p:txBody>
+          <a:bodyPr rtlCol="0" anchor="ctr"/>
+          <a:lstStyle/>
+          <a:p>
+            <a:pPr algn="ctr"/>
+            <a:endParaRPr lang="zh-CN" altLang="en-US"/>
+          </a:p>
+        </p:txBody>
+      </p:sp>
+      <p:sp>
+        <p:nvSpPr>
+          <p:cNvPr id="56" name="右箭头 55"/>
+          <p:cNvSpPr/>
+          <p:nvPr/>
+        </p:nvSpPr>
+        <p:spPr>
+          <a:xfrm rot="2943866">
+            <a:off x="3712210" y="1970020"/>
+            <a:ext cx="1749195" cy="187392"/>
+          </a:xfrm>
+          <a:prstGeom prst="rightArrow">
+            <a:avLst/>
+          </a:prstGeom>
+        </p:spPr>
+        <p:style>
+          <a:lnRef idx="2">
+            <a:schemeClr val="accent1">
+              <a:shade val="50000"/>
+            </a:schemeClr>
+          </a:lnRef>
+          <a:fillRef idx="1">
+            <a:schemeClr val="accent1"/>
+          </a:fillRef>
+          <a:effectRef idx="0">
+            <a:schemeClr val="accent1"/>
+          </a:effectRef>
+          <a:fontRef idx="minor">
+            <a:schemeClr val="lt1"/>
+          </a:fontRef>
+        </p:style>
+        <p:txBody>
+          <a:bodyPr rtlCol="0" anchor="ctr"/>
+          <a:lstStyle/>
+          <a:p>
+            <a:pPr algn="ctr"/>
+            <a:r>
+              <a:rPr lang="en-US" altLang="zh-CN" dirty="0" smtClean="0"/>
+              <a:t>`</a:t>
+            </a:r>
+            <a:endParaRPr lang="zh-CN" altLang="en-US" dirty="0"/>
+          </a:p>
+        </p:txBody>
+      </p:sp>
+      <p:sp>
+        <p:nvSpPr>
+          <p:cNvPr id="57" name="右箭头 56"/>
+          <p:cNvSpPr/>
+          <p:nvPr/>
+        </p:nvSpPr>
+        <p:spPr>
+          <a:xfrm>
+            <a:off x="2545217" y="1585678"/>
+            <a:ext cx="1371145" cy="170514"/>
+          </a:xfrm>
+          <a:prstGeom prst="rightArrow">
+            <a:avLst/>
+          </a:prstGeom>
+        </p:spPr>
+        <p:style>
+          <a:lnRef idx="2">
+            <a:schemeClr val="accent1">
+              <a:shade val="50000"/>
+            </a:schemeClr>
+          </a:lnRef>
+          <a:fillRef idx="1">
+            <a:schemeClr val="accent1"/>
+          </a:fillRef>
+          <a:effectRef idx="0">
+            <a:schemeClr val="accent1"/>
+          </a:effectRef>
+          <a:fontRef idx="minor">
+            <a:schemeClr val="lt1"/>
+          </a:fontRef>
+        </p:style>
+        <p:txBody>
+          <a:bodyPr rtlCol="0" anchor="ctr"/>
+          <a:lstStyle/>
+          <a:p>
+            <a:pPr algn="ctr"/>
+            <a:endParaRPr lang="zh-CN" altLang="en-US"/>
+          </a:p>
+        </p:txBody>
+      </p:sp>
+      <p:sp>
+        <p:nvSpPr>
+          <p:cNvPr id="58" name="右箭头 57"/>
+          <p:cNvSpPr/>
+          <p:nvPr/>
+        </p:nvSpPr>
+        <p:spPr>
+          <a:xfrm rot="20983624">
+            <a:off x="3770310" y="1489973"/>
+            <a:ext cx="1371145" cy="170514"/>
+          </a:xfrm>
+          <a:prstGeom prst="rightArrow">
+            <a:avLst/>
+          </a:prstGeom>
+        </p:spPr>
+        <p:style>
+          <a:lnRef idx="2">
+            <a:schemeClr val="accent1">
+              <a:shade val="50000"/>
+            </a:schemeClr>
+          </a:lnRef>
+          <a:fillRef idx="1">
+            <a:schemeClr val="accent1"/>
+          </a:fillRef>
+          <a:effectRef idx="0">
+            <a:schemeClr val="accent1"/>
+          </a:effectRef>
+          <a:fontRef idx="minor">
+            <a:schemeClr val="lt1"/>
+          </a:fontRef>
+        </p:style>
+        <p:txBody>
+          <a:bodyPr rtlCol="0" anchor="ctr"/>
+          <a:lstStyle/>
+          <a:p>
+            <a:pPr algn="ctr"/>
+            <a:endParaRPr lang="zh-CN" altLang="en-US"/>
+          </a:p>
+        </p:txBody>
+      </p:sp>
+      <p:sp>
+        <p:nvSpPr>
+          <p:cNvPr id="59" name="右箭头 58"/>
+          <p:cNvSpPr/>
+          <p:nvPr/>
+        </p:nvSpPr>
+        <p:spPr>
+          <a:xfrm>
+            <a:off x="2672193" y="2681296"/>
+            <a:ext cx="1371145" cy="170514"/>
+          </a:xfrm>
+          <a:prstGeom prst="rightArrow">
+            <a:avLst/>
+          </a:prstGeom>
+        </p:spPr>
+        <p:style>
+          <a:lnRef idx="2">
+            <a:schemeClr val="accent1">
+              <a:shade val="50000"/>
+            </a:schemeClr>
+          </a:lnRef>
+          <a:fillRef idx="1">
+            <a:schemeClr val="accent1"/>
+          </a:fillRef>
+          <a:effectRef idx="0">
+            <a:schemeClr val="accent1"/>
+          </a:effectRef>
+          <a:fontRef idx="minor">
+            <a:schemeClr val="lt1"/>
+          </a:fontRef>
+        </p:style>
+        <p:txBody>
+          <a:bodyPr rtlCol="0" anchor="ctr"/>
+          <a:lstStyle/>
+          <a:p>
+            <a:pPr algn="ctr"/>
+            <a:endParaRPr lang="zh-CN" altLang="en-US"/>
+          </a:p>
+        </p:txBody>
+      </p:sp>
+      <p:sp>
+        <p:nvSpPr>
+          <p:cNvPr id="60" name="右箭头 59"/>
+          <p:cNvSpPr/>
+          <p:nvPr/>
+        </p:nvSpPr>
+        <p:spPr>
+          <a:xfrm rot="18200887">
+            <a:off x="3586619" y="1856592"/>
+            <a:ext cx="1903261" cy="201372"/>
+          </a:xfrm>
+          <a:prstGeom prst="rightArrow">
+            <a:avLst/>
+          </a:prstGeom>
+        </p:spPr>
+        <p:style>
+          <a:lnRef idx="2">
+            <a:schemeClr val="accent1">
+              <a:shade val="50000"/>
+            </a:schemeClr>
+          </a:lnRef>
+          <a:fillRef idx="1">
+            <a:schemeClr val="accent1"/>
+          </a:fillRef>
+          <a:effectRef idx="0">
+            <a:schemeClr val="accent1"/>
+          </a:effectRef>
+          <a:fontRef idx="minor">
+            <a:schemeClr val="lt1"/>
+          </a:fontRef>
+        </p:style>
+        <p:txBody>
+          <a:bodyPr rtlCol="0" anchor="ctr"/>
+          <a:lstStyle/>
+          <a:p>
+            <a:pPr algn="ctr"/>
+            <a:r>
+              <a:rPr lang="en-US" altLang="zh-CN" dirty="0" smtClean="0"/>
+              <a:t>`</a:t>
+            </a:r>
+            <a:endParaRPr lang="zh-CN" altLang="en-US" dirty="0"/>
+          </a:p>
+        </p:txBody>
+      </p:sp>
+      <p:sp>
+        <p:nvSpPr>
+          <p:cNvPr id="63" name="矩形 62"/>
+          <p:cNvSpPr/>
+          <p:nvPr/>
+        </p:nvSpPr>
+        <p:spPr>
+          <a:xfrm>
+            <a:off x="1476827" y="3127458"/>
+            <a:ext cx="2006601" cy="483953"/>
+          </a:xfrm>
+          <a:prstGeom prst="rect">
+            <a:avLst/>
+          </a:prstGeom>
+        </p:spPr>
+        <p:style>
+          <a:lnRef idx="2">
+            <a:schemeClr val="accent1">
+              <a:shade val="50000"/>
+            </a:schemeClr>
+          </a:lnRef>
+          <a:fillRef idx="1">
+            <a:schemeClr val="accent1"/>
+          </a:fillRef>
+          <a:effectRef idx="0">
+            <a:schemeClr val="accent1"/>
+          </a:effectRef>
+          <a:fontRef idx="minor">
+            <a:schemeClr val="lt1"/>
+          </a:fontRef>
+        </p:style>
+        <p:txBody>
+          <a:bodyPr rtlCol="0" anchor="t"/>
+          <a:lstStyle/>
+          <a:p>
+            <a:r>
+              <a:rPr lang="en-US" altLang="zh-CN" dirty="0" smtClean="0"/>
+              <a:t>CSS</a:t>
+            </a:r>
+          </a:p>
+        </p:txBody>
+      </p:sp>
+      <p:sp>
+        <p:nvSpPr>
+          <p:cNvPr id="64" name="右箭头 63"/>
+          <p:cNvSpPr/>
+          <p:nvPr/>
+        </p:nvSpPr>
+        <p:spPr>
+          <a:xfrm>
+            <a:off x="2464930" y="3194442"/>
+            <a:ext cx="1371145" cy="170514"/>
+          </a:xfrm>
+          <a:prstGeom prst="rightArrow">
+            <a:avLst/>
+          </a:prstGeom>
+        </p:spPr>
+        <p:style>
+          <a:lnRef idx="2">
+            <a:schemeClr val="accent1">
+              <a:shade val="50000"/>
+            </a:schemeClr>
+          </a:lnRef>
+          <a:fillRef idx="1">
+            <a:schemeClr val="accent1"/>
+          </a:fillRef>
+          <a:effectRef idx="0">
+            <a:schemeClr val="accent1"/>
+          </a:effectRef>
+          <a:fontRef idx="minor">
+            <a:schemeClr val="lt1"/>
+          </a:fontRef>
+        </p:style>
+        <p:txBody>
+          <a:bodyPr rtlCol="0" anchor="ctr"/>
+          <a:lstStyle/>
+          <a:p>
+            <a:pPr algn="ctr"/>
+            <a:endParaRPr lang="zh-CN" altLang="en-US"/>
+          </a:p>
+        </p:txBody>
+      </p:sp>
+      <p:sp>
+        <p:nvSpPr>
+          <p:cNvPr id="65" name="右箭头 64"/>
+          <p:cNvSpPr/>
+          <p:nvPr/>
+        </p:nvSpPr>
+        <p:spPr>
+          <a:xfrm rot="18925131">
+            <a:off x="3461138" y="2534863"/>
+            <a:ext cx="1903261" cy="201372"/>
+          </a:xfrm>
+          <a:prstGeom prst="rightArrow">
+            <a:avLst/>
+          </a:prstGeom>
+        </p:spPr>
+        <p:style>
+          <a:lnRef idx="2">
+            <a:schemeClr val="accent1">
+              <a:shade val="50000"/>
+            </a:schemeClr>
+          </a:lnRef>
+          <a:fillRef idx="1">
+            <a:schemeClr val="accent1"/>
+          </a:fillRef>
+          <a:effectRef idx="0">
+            <a:schemeClr val="accent1"/>
+          </a:effectRef>
+          <a:fontRef idx="minor">
+            <a:schemeClr val="lt1"/>
+          </a:fontRef>
+        </p:style>
+        <p:txBody>
+          <a:bodyPr rtlCol="0" anchor="ctr"/>
+          <a:lstStyle/>
+          <a:p>
+            <a:pPr algn="ctr"/>
+            <a:r>
+              <a:rPr lang="en-US" altLang="zh-CN" dirty="0" smtClean="0"/>
+              <a:t>`</a:t>
+            </a:r>
+            <a:endParaRPr lang="zh-CN" altLang="en-US" dirty="0"/>
+          </a:p>
+        </p:txBody>
+      </p:sp>
+      <p:sp>
+        <p:nvSpPr>
+          <p:cNvPr id="66" name="右弧形箭头 65"/>
+          <p:cNvSpPr/>
+          <p:nvPr/>
+        </p:nvSpPr>
+        <p:spPr>
+          <a:xfrm flipH="1">
+            <a:off x="4636110" y="1161935"/>
+            <a:ext cx="368006" cy="630130"/>
+          </a:xfrm>
+          <a:prstGeom prst="curvedLeftArrow">
+            <a:avLst/>
+          </a:prstGeom>
+        </p:spPr>
+        <p:style>
+          <a:lnRef idx="2">
+            <a:schemeClr val="accent1">
+              <a:shade val="50000"/>
+            </a:schemeClr>
+          </a:lnRef>
+          <a:fillRef idx="1">
+            <a:schemeClr val="accent1"/>
+          </a:fillRef>
+          <a:effectRef idx="0">
+            <a:schemeClr val="accent1"/>
+          </a:effectRef>
+          <a:fontRef idx="minor">
+            <a:schemeClr val="lt1"/>
+          </a:fontRef>
+        </p:style>
+        <p:txBody>
+          <a:bodyPr rtlCol="0" anchor="ctr"/>
+          <a:lstStyle/>
+          <a:p>
+            <a:pPr algn="ctr"/>
+            <a:endParaRPr lang="zh-CN" altLang="en-US">
+              <a:solidFill>
+                <a:schemeClr val="tx1"/>
+              </a:solidFill>
+            </a:endParaRPr>
+          </a:p>
+        </p:txBody>
+      </p:sp>
+      <p:sp>
+        <p:nvSpPr>
+          <p:cNvPr id="67" name="左弧形箭头 66"/>
+          <p:cNvSpPr/>
+          <p:nvPr/>
+        </p:nvSpPr>
+        <p:spPr>
+          <a:xfrm>
+            <a:off x="4176486" y="855276"/>
+            <a:ext cx="791593" cy="3727875"/>
+          </a:xfrm>
+          <a:prstGeom prst="curvedRightArrow">
+            <a:avLst/>
+          </a:prstGeom>
+        </p:spPr>
+        <p:style>
+          <a:lnRef idx="2">
+            <a:schemeClr val="accent2">
+              <a:shade val="50000"/>
+            </a:schemeClr>
+          </a:lnRef>
+          <a:fillRef idx="1">
+            <a:schemeClr val="accent2"/>
+          </a:fillRef>
+          <a:effectRef idx="0">
+            <a:schemeClr val="accent2"/>
+          </a:effectRef>
+          <a:fontRef idx="minor">
+            <a:schemeClr val="lt1"/>
+          </a:fontRef>
+        </p:style>
+        <p:txBody>
+          <a:bodyPr rtlCol="0" anchor="ctr"/>
+          <a:lstStyle/>
+          <a:p>
+            <a:pPr algn="ctr"/>
+            <a:endParaRPr lang="zh-CN" altLang="en-US">
+              <a:solidFill>
+                <a:schemeClr val="tx1"/>
+              </a:solidFill>
+            </a:endParaRPr>
+          </a:p>
+        </p:txBody>
+      </p:sp>
+      <p:sp>
+        <p:nvSpPr>
+          <p:cNvPr id="68" name="左弧形箭头 67"/>
+          <p:cNvSpPr/>
+          <p:nvPr/>
+        </p:nvSpPr>
+        <p:spPr>
+          <a:xfrm>
+            <a:off x="4213786" y="2720074"/>
+            <a:ext cx="773814" cy="2342687"/>
+          </a:xfrm>
+          <a:prstGeom prst="curvedRightArrow">
+            <a:avLst/>
+          </a:prstGeom>
+        </p:spPr>
+        <p:style>
+          <a:lnRef idx="2">
+            <a:schemeClr val="accent2">
+              <a:shade val="50000"/>
+            </a:schemeClr>
+          </a:lnRef>
+          <a:fillRef idx="1">
+            <a:schemeClr val="accent2"/>
+          </a:fillRef>
+          <a:effectRef idx="0">
+            <a:schemeClr val="accent2"/>
+          </a:effectRef>
+          <a:fontRef idx="minor">
+            <a:schemeClr val="lt1"/>
+          </a:fontRef>
+        </p:style>
+        <p:txBody>
+          <a:bodyPr rtlCol="0" anchor="ctr"/>
+          <a:lstStyle/>
+          <a:p>
+            <a:pPr algn="ctr"/>
+            <a:endParaRPr lang="zh-CN" altLang="en-US">
+              <a:solidFill>
+                <a:schemeClr val="tx1"/>
+              </a:solidFill>
+            </a:endParaRPr>
+          </a:p>
+        </p:txBody>
+      </p:sp>
+      <p:sp>
+        <p:nvSpPr>
+          <p:cNvPr id="69" name="右箭头 68"/>
+          <p:cNvSpPr/>
+          <p:nvPr/>
+        </p:nvSpPr>
+        <p:spPr>
+          <a:xfrm rot="2024700">
+            <a:off x="2451687" y="2835032"/>
+            <a:ext cx="3106556" cy="148311"/>
+          </a:xfrm>
+          <a:prstGeom prst="rightArrow">
+            <a:avLst/>
+          </a:prstGeom>
+        </p:spPr>
+        <p:style>
+          <a:lnRef idx="2">
+            <a:schemeClr val="accent3">
+              <a:shade val="50000"/>
+            </a:schemeClr>
+          </a:lnRef>
+          <a:fillRef idx="1">
+            <a:schemeClr val="accent3"/>
+          </a:fillRef>
+          <a:effectRef idx="0">
+            <a:schemeClr val="accent3"/>
+          </a:effectRef>
+          <a:fontRef idx="minor">
+            <a:schemeClr val="lt1"/>
+          </a:fontRef>
+        </p:style>
+        <p:txBody>
+          <a:bodyPr rtlCol="0" anchor="ctr"/>
+          <a:lstStyle/>
+          <a:p>
+            <a:pPr algn="ctr"/>
+            <a:endParaRPr lang="zh-CN" altLang="en-US"/>
+          </a:p>
+        </p:txBody>
+      </p:sp>
+      <p:sp>
+        <p:nvSpPr>
+          <p:cNvPr id="70" name="矩形 69"/>
+          <p:cNvSpPr/>
+          <p:nvPr/>
+        </p:nvSpPr>
+        <p:spPr>
+          <a:xfrm>
+            <a:off x="1476827" y="5881009"/>
+            <a:ext cx="2046514" cy="375558"/>
+          </a:xfrm>
+          <a:prstGeom prst="rect">
+            <a:avLst/>
+          </a:prstGeom>
+        </p:spPr>
+        <p:style>
+          <a:lnRef idx="2">
+            <a:schemeClr val="accent1">
+              <a:shade val="50000"/>
+            </a:schemeClr>
+          </a:lnRef>
+          <a:fillRef idx="1">
+            <a:schemeClr val="accent1"/>
+          </a:fillRef>
+          <a:effectRef idx="0">
+            <a:schemeClr val="accent1"/>
+          </a:effectRef>
+          <a:fontRef idx="minor">
+            <a:schemeClr val="lt1"/>
+          </a:fontRef>
+        </p:style>
+        <p:txBody>
+          <a:bodyPr rtlCol="0" anchor="ctr"/>
+          <a:lstStyle/>
+          <a:p>
+            <a:pPr algn="ctr"/>
+            <a:r>
+              <a:rPr lang="en-US" altLang="zh-CN" dirty="0" smtClean="0"/>
+              <a:t>media</a:t>
+            </a:r>
+          </a:p>
+        </p:txBody>
+      </p:sp>
+      <p:sp>
+        <p:nvSpPr>
+          <p:cNvPr id="71" name="右箭头 70"/>
+          <p:cNvSpPr/>
+          <p:nvPr/>
+        </p:nvSpPr>
+        <p:spPr>
+          <a:xfrm>
+            <a:off x="3611796" y="5983531"/>
+            <a:ext cx="1371145" cy="170514"/>
+          </a:xfrm>
+          <a:prstGeom prst="rightArrow">
+            <a:avLst/>
+          </a:prstGeom>
+        </p:spPr>
+        <p:style>
+          <a:lnRef idx="2">
+            <a:schemeClr val="accent5">
+              <a:shade val="50000"/>
+            </a:schemeClr>
+          </a:lnRef>
+          <a:fillRef idx="1">
+            <a:schemeClr val="accent5"/>
+          </a:fillRef>
+          <a:effectRef idx="0">
+            <a:schemeClr val="accent5"/>
+          </a:effectRef>
+          <a:fontRef idx="minor">
+            <a:schemeClr val="lt1"/>
+          </a:fontRef>
+        </p:style>
+        <p:txBody>
+          <a:bodyPr rtlCol="0" anchor="ctr"/>
+          <a:lstStyle/>
+          <a:p>
+            <a:pPr algn="ctr"/>
+            <a:endParaRPr lang="zh-CN" altLang="en-US"/>
+          </a:p>
+        </p:txBody>
+      </p:sp>
+      <p:sp>
+        <p:nvSpPr>
+          <p:cNvPr id="72" name="右箭头 71"/>
+          <p:cNvSpPr/>
+          <p:nvPr/>
+        </p:nvSpPr>
+        <p:spPr>
+          <a:xfrm>
+            <a:off x="71105" y="1144860"/>
+            <a:ext cx="714352" cy="170514"/>
+          </a:xfrm>
+          <a:prstGeom prst="rightArrow">
+            <a:avLst/>
+          </a:prstGeom>
+        </p:spPr>
+        <p:style>
+          <a:lnRef idx="2">
+            <a:schemeClr val="accent1">
+              <a:shade val="50000"/>
+            </a:schemeClr>
+          </a:lnRef>
+          <a:fillRef idx="1">
+            <a:schemeClr val="accent1"/>
+          </a:fillRef>
+          <a:effectRef idx="0">
+            <a:schemeClr val="accent1"/>
+          </a:effectRef>
+          <a:fontRef idx="minor">
+            <a:schemeClr val="lt1"/>
+          </a:fontRef>
+        </p:style>
+        <p:txBody>
+          <a:bodyPr rtlCol="0" anchor="ctr"/>
+          <a:lstStyle/>
+          <a:p>
+            <a:pPr algn="ctr"/>
+            <a:endParaRPr lang="zh-CN" altLang="en-US"/>
+          </a:p>
+        </p:txBody>
+      </p:sp>
+      <p:sp>
+        <p:nvSpPr>
+          <p:cNvPr id="73" name="右箭头 72"/>
+          <p:cNvSpPr/>
+          <p:nvPr/>
+        </p:nvSpPr>
+        <p:spPr>
+          <a:xfrm>
+            <a:off x="71105" y="1315374"/>
+            <a:ext cx="714352" cy="170514"/>
+          </a:xfrm>
+          <a:prstGeom prst="rightArrow">
+            <a:avLst/>
+          </a:prstGeom>
+        </p:spPr>
+        <p:style>
+          <a:lnRef idx="2">
+            <a:schemeClr val="accent2">
+              <a:shade val="50000"/>
+            </a:schemeClr>
+          </a:lnRef>
+          <a:fillRef idx="1">
+            <a:schemeClr val="accent2"/>
+          </a:fillRef>
+          <a:effectRef idx="0">
+            <a:schemeClr val="accent2"/>
+          </a:effectRef>
+          <a:fontRef idx="minor">
+            <a:schemeClr val="lt1"/>
+          </a:fontRef>
+        </p:style>
+        <p:txBody>
+          <a:bodyPr rtlCol="0" anchor="ctr"/>
+          <a:lstStyle/>
+          <a:p>
+            <a:pPr algn="ctr"/>
+            <a:endParaRPr lang="zh-CN" altLang="en-US"/>
+          </a:p>
+        </p:txBody>
+      </p:sp>
+      <p:sp>
+        <p:nvSpPr>
+          <p:cNvPr id="74" name="右箭头 73"/>
+          <p:cNvSpPr/>
+          <p:nvPr/>
+        </p:nvSpPr>
+        <p:spPr>
+          <a:xfrm>
+            <a:off x="71105" y="1477000"/>
+            <a:ext cx="714352" cy="170514"/>
+          </a:xfrm>
+          <a:prstGeom prst="rightArrow">
+            <a:avLst/>
+          </a:prstGeom>
+        </p:spPr>
+        <p:style>
+          <a:lnRef idx="2">
+            <a:schemeClr val="accent3">
+              <a:shade val="50000"/>
+            </a:schemeClr>
+          </a:lnRef>
+          <a:fillRef idx="1">
+            <a:schemeClr val="accent3"/>
+          </a:fillRef>
+          <a:effectRef idx="0">
+            <a:schemeClr val="accent3"/>
+          </a:effectRef>
+          <a:fontRef idx="minor">
+            <a:schemeClr val="lt1"/>
+          </a:fontRef>
+        </p:style>
+        <p:txBody>
+          <a:bodyPr rtlCol="0" anchor="ctr"/>
+          <a:lstStyle/>
+          <a:p>
+            <a:pPr algn="ctr"/>
+            <a:endParaRPr lang="zh-CN" altLang="en-US"/>
+          </a:p>
+        </p:txBody>
+      </p:sp>
+      <p:sp>
+        <p:nvSpPr>
+          <p:cNvPr id="75" name="右箭头 74"/>
+          <p:cNvSpPr/>
+          <p:nvPr/>
+        </p:nvSpPr>
+        <p:spPr>
+          <a:xfrm>
+            <a:off x="71105" y="1638568"/>
+            <a:ext cx="714352" cy="170514"/>
+          </a:xfrm>
+          <a:prstGeom prst="rightArrow">
+            <a:avLst/>
+          </a:prstGeom>
+        </p:spPr>
+        <p:style>
+          <a:lnRef idx="2">
+            <a:schemeClr val="accent5">
+              <a:shade val="50000"/>
+            </a:schemeClr>
+          </a:lnRef>
+          <a:fillRef idx="1">
+            <a:schemeClr val="accent5"/>
+          </a:fillRef>
+          <a:effectRef idx="0">
+            <a:schemeClr val="accent5"/>
+          </a:effectRef>
+          <a:fontRef idx="minor">
+            <a:schemeClr val="lt1"/>
+          </a:fontRef>
+        </p:style>
+        <p:txBody>
+          <a:bodyPr rtlCol="0" anchor="ctr"/>
+          <a:lstStyle/>
+          <a:p>
+            <a:pPr algn="ctr"/>
+            <a:endParaRPr lang="zh-CN" altLang="en-US"/>
+          </a:p>
+        </p:txBody>
+      </p:sp>
+      <p:sp>
+        <p:nvSpPr>
+          <p:cNvPr id="78" name="矩形 77"/>
+          <p:cNvSpPr/>
+          <p:nvPr/>
+        </p:nvSpPr>
+        <p:spPr>
+          <a:xfrm>
+            <a:off x="9781316" y="2811147"/>
+            <a:ext cx="2046514" cy="375558"/>
+          </a:xfrm>
+          <a:prstGeom prst="rect">
+            <a:avLst/>
+          </a:prstGeom>
+        </p:spPr>
+        <p:style>
+          <a:lnRef idx="2">
+            <a:schemeClr val="accent4">
+              <a:shade val="50000"/>
+            </a:schemeClr>
+          </a:lnRef>
+          <a:fillRef idx="1">
+            <a:schemeClr val="accent4"/>
+          </a:fillRef>
+          <a:effectRef idx="0">
+            <a:schemeClr val="accent4"/>
+          </a:effectRef>
+          <a:fontRef idx="minor">
+            <a:schemeClr val="lt1"/>
+          </a:fontRef>
+        </p:style>
+        <p:txBody>
+          <a:bodyPr rtlCol="0" anchor="ctr"/>
+          <a:lstStyle/>
+          <a:p>
+            <a:pPr algn="ctr"/>
+            <a:r>
+              <a:rPr lang="en-US" altLang="zh-CN" dirty="0" smtClean="0"/>
+              <a:t>Models</a:t>
+            </a:r>
+          </a:p>
+        </p:txBody>
+      </p:sp>
+      <p:sp>
+        <p:nvSpPr>
+          <p:cNvPr id="79" name="矩形 78"/>
+          <p:cNvSpPr/>
+          <p:nvPr/>
+        </p:nvSpPr>
+        <p:spPr>
+          <a:xfrm>
+            <a:off x="9781316" y="3412328"/>
+            <a:ext cx="2046514" cy="375558"/>
+          </a:xfrm>
+          <a:prstGeom prst="rect">
+            <a:avLst/>
+          </a:prstGeom>
+        </p:spPr>
+        <p:style>
+          <a:lnRef idx="2">
+            <a:schemeClr val="accent4">
+              <a:shade val="50000"/>
+            </a:schemeClr>
+          </a:lnRef>
+          <a:fillRef idx="1">
+            <a:schemeClr val="accent4"/>
+          </a:fillRef>
+          <a:effectRef idx="0">
+            <a:schemeClr val="accent4"/>
+          </a:effectRef>
+          <a:fontRef idx="minor">
+            <a:schemeClr val="lt1"/>
+          </a:fontRef>
+        </p:style>
+        <p:txBody>
+          <a:bodyPr rtlCol="0" anchor="ctr"/>
+          <a:lstStyle/>
+          <a:p>
+            <a:pPr algn="ctr"/>
+            <a:r>
+              <a:rPr lang="en-US" altLang="zh-CN" dirty="0" smtClean="0"/>
+              <a:t>Decks</a:t>
+            </a:r>
+          </a:p>
+        </p:txBody>
+      </p:sp>
+      <p:sp>
+        <p:nvSpPr>
+          <p:cNvPr id="86" name="矩形 85"/>
+          <p:cNvSpPr/>
+          <p:nvPr/>
+        </p:nvSpPr>
+        <p:spPr>
+          <a:xfrm>
+            <a:off x="9781316" y="4614691"/>
+            <a:ext cx="2046514" cy="375558"/>
+          </a:xfrm>
+          <a:prstGeom prst="rect">
+            <a:avLst/>
+          </a:prstGeom>
+        </p:spPr>
+        <p:style>
+          <a:lnRef idx="2">
+            <a:schemeClr val="accent4">
+              <a:shade val="50000"/>
+            </a:schemeClr>
+          </a:lnRef>
+          <a:fillRef idx="1">
+            <a:schemeClr val="accent4"/>
+          </a:fillRef>
+          <a:effectRef idx="0">
+            <a:schemeClr val="accent4"/>
+          </a:effectRef>
+          <a:fontRef idx="minor">
+            <a:schemeClr val="lt1"/>
+          </a:fontRef>
+        </p:style>
+        <p:txBody>
+          <a:bodyPr rtlCol="0" anchor="ctr"/>
+          <a:lstStyle/>
+          <a:p>
+            <a:pPr algn="ctr"/>
+            <a:r>
+              <a:rPr lang="en-US" altLang="zh-CN" dirty="0" smtClean="0"/>
+              <a:t>Cards</a:t>
+            </a:r>
+          </a:p>
+        </p:txBody>
+      </p:sp>
+      <p:sp>
+        <p:nvSpPr>
+          <p:cNvPr id="87" name="矩形 86"/>
+          <p:cNvSpPr/>
+          <p:nvPr/>
+        </p:nvSpPr>
+        <p:spPr>
+          <a:xfrm>
+            <a:off x="9781316" y="4013509"/>
+            <a:ext cx="2046514" cy="375558"/>
+          </a:xfrm>
+          <a:prstGeom prst="rect">
+            <a:avLst/>
+          </a:prstGeom>
+        </p:spPr>
+        <p:style>
+          <a:lnRef idx="2">
+            <a:schemeClr val="accent4">
+              <a:shade val="50000"/>
+            </a:schemeClr>
+          </a:lnRef>
+          <a:fillRef idx="1">
+            <a:schemeClr val="accent4"/>
+          </a:fillRef>
+          <a:effectRef idx="0">
+            <a:schemeClr val="accent4"/>
+          </a:effectRef>
+          <a:fontRef idx="minor">
+            <a:schemeClr val="lt1"/>
+          </a:fontRef>
+        </p:style>
+        <p:txBody>
+          <a:bodyPr rtlCol="0" anchor="ctr"/>
+          <a:lstStyle/>
+          <a:p>
+            <a:pPr algn="ctr"/>
+            <a:r>
+              <a:rPr lang="en-US" altLang="zh-CN" dirty="0" smtClean="0"/>
+              <a:t>Notes ..tags</a:t>
+            </a:r>
+          </a:p>
+        </p:txBody>
+      </p:sp>
+      <p:sp>
+        <p:nvSpPr>
+          <p:cNvPr id="9" name="矩形 8"/>
+          <p:cNvSpPr/>
+          <p:nvPr/>
+        </p:nvSpPr>
+        <p:spPr>
+          <a:xfrm>
+            <a:off x="9781316" y="1904707"/>
+            <a:ext cx="881743" cy="293914"/>
+          </a:xfrm>
+          <a:prstGeom prst="rect">
+            <a:avLst/>
+          </a:prstGeom>
+        </p:spPr>
+        <p:style>
+          <a:lnRef idx="2">
+            <a:schemeClr val="accent1">
+              <a:shade val="50000"/>
+            </a:schemeClr>
+          </a:lnRef>
+          <a:fillRef idx="1">
+            <a:schemeClr val="accent1"/>
+          </a:fillRef>
+          <a:effectRef idx="0">
+            <a:schemeClr val="accent1"/>
+          </a:effectRef>
+          <a:fontRef idx="minor">
+            <a:schemeClr val="lt1"/>
+          </a:fontRef>
+        </p:style>
+        <p:txBody>
+          <a:bodyPr rtlCol="0" anchor="ctr"/>
+          <a:lstStyle/>
+          <a:p>
+            <a:pPr algn="ctr"/>
+            <a:r>
+              <a:rPr lang="en-US" altLang="zh-CN" dirty="0" err="1" smtClean="0"/>
+              <a:t>Conf</a:t>
+            </a:r>
+            <a:endParaRPr lang="en-US" altLang="zh-CN" dirty="0" smtClean="0"/>
+          </a:p>
+        </p:txBody>
+      </p:sp>
+      <p:sp>
+        <p:nvSpPr>
+          <p:cNvPr id="10" name="矩形 9"/>
+          <p:cNvSpPr/>
+          <p:nvPr/>
+        </p:nvSpPr>
+        <p:spPr>
+          <a:xfrm>
+            <a:off x="10951530" y="1904707"/>
+            <a:ext cx="881743" cy="293914"/>
+          </a:xfrm>
+          <a:prstGeom prst="rect">
+            <a:avLst/>
+          </a:prstGeom>
+        </p:spPr>
+        <p:style>
+          <a:lnRef idx="2">
+            <a:schemeClr val="accent1">
+              <a:shade val="50000"/>
+            </a:schemeClr>
+          </a:lnRef>
+          <a:fillRef idx="1">
+            <a:schemeClr val="accent1"/>
+          </a:fillRef>
+          <a:effectRef idx="0">
+            <a:schemeClr val="accent1"/>
+          </a:effectRef>
+          <a:fontRef idx="minor">
+            <a:schemeClr val="lt1"/>
+          </a:fontRef>
+        </p:style>
+        <p:txBody>
+          <a:bodyPr rtlCol="0" anchor="ctr"/>
+          <a:lstStyle/>
+          <a:p>
+            <a:pPr algn="ctr"/>
+            <a:r>
+              <a:rPr lang="en-US" altLang="zh-CN" dirty="0" err="1" smtClean="0"/>
+              <a:t>Dconf</a:t>
+            </a:r>
+            <a:endParaRPr lang="en-US" altLang="zh-CN" dirty="0" smtClean="0"/>
+          </a:p>
+        </p:txBody>
+      </p:sp>
+      <p:sp>
+        <p:nvSpPr>
+          <p:cNvPr id="93" name="矩形 92"/>
+          <p:cNvSpPr/>
+          <p:nvPr/>
+        </p:nvSpPr>
+        <p:spPr>
+          <a:xfrm>
+            <a:off x="7750630" y="3548757"/>
+            <a:ext cx="1307800" cy="1514004"/>
+          </a:xfrm>
+          <a:prstGeom prst="rect">
+            <a:avLst/>
+          </a:prstGeom>
+        </p:spPr>
+        <p:style>
+          <a:lnRef idx="2">
+            <a:schemeClr val="accent4">
+              <a:shade val="50000"/>
+            </a:schemeClr>
+          </a:lnRef>
+          <a:fillRef idx="1">
+            <a:schemeClr val="accent4"/>
+          </a:fillRef>
+          <a:effectRef idx="0">
+            <a:schemeClr val="accent4"/>
+          </a:effectRef>
+          <a:fontRef idx="minor">
+            <a:schemeClr val="lt1"/>
+          </a:fontRef>
+        </p:style>
+        <p:txBody>
+          <a:bodyPr rtlCol="0" anchor="ctr"/>
+          <a:lstStyle/>
+          <a:p>
+            <a:pPr algn="ctr"/>
+            <a:r>
+              <a:rPr lang="en-US" altLang="zh-CN" dirty="0" err="1" smtClean="0"/>
+              <a:t>Db_Model</a:t>
+            </a:r>
+            <a:endParaRPr lang="en-US" altLang="zh-CN" dirty="0" smtClean="0"/>
+          </a:p>
+          <a:p>
+            <a:pPr algn="ctr"/>
+            <a:r>
+              <a:rPr lang="en-US" altLang="zh-CN" dirty="0" smtClean="0"/>
+              <a:t>_Deck</a:t>
+            </a:r>
+          </a:p>
+          <a:p>
+            <a:r>
+              <a:rPr lang="en-US" altLang="zh-CN" dirty="0" smtClean="0"/>
+              <a:t>.</a:t>
+            </a:r>
+            <a:r>
+              <a:rPr lang="en-US" altLang="zh-CN" dirty="0" err="1" smtClean="0"/>
+              <a:t>Db_model</a:t>
+            </a:r>
+            <a:endParaRPr lang="en-US" altLang="zh-CN" dirty="0" smtClean="0"/>
+          </a:p>
+          <a:p>
+            <a:r>
+              <a:rPr lang="en-US" altLang="zh-CN" dirty="0" smtClean="0"/>
+              <a:t>.</a:t>
+            </a:r>
+            <a:r>
+              <a:rPr lang="en-US" altLang="zh-CN" dirty="0" err="1" smtClean="0"/>
+              <a:t>Db_deck</a:t>
+            </a:r>
+            <a:endParaRPr lang="en-US" altLang="zh-CN" dirty="0" smtClean="0"/>
+          </a:p>
+          <a:p>
+            <a:r>
+              <a:rPr lang="en-US" altLang="zh-CN" dirty="0" smtClean="0"/>
+              <a:t>.</a:t>
+            </a:r>
+            <a:r>
+              <a:rPr lang="en-US" altLang="zh-CN" dirty="0" err="1" smtClean="0"/>
+              <a:t>notes..tags</a:t>
+            </a:r>
+            <a:endParaRPr lang="en-US" altLang="zh-CN" dirty="0" smtClean="0"/>
+          </a:p>
+        </p:txBody>
+      </p:sp>
+      <p:sp>
+        <p:nvSpPr>
+          <p:cNvPr id="104" name="右箭头 103"/>
+          <p:cNvSpPr/>
+          <p:nvPr/>
+        </p:nvSpPr>
+        <p:spPr>
+          <a:xfrm>
+            <a:off x="7022263" y="3888861"/>
+            <a:ext cx="714352" cy="618441"/>
+          </a:xfrm>
+          <a:prstGeom prst="rightArrow">
+            <a:avLst/>
+          </a:prstGeom>
+        </p:spPr>
+        <p:style>
+          <a:lnRef idx="2">
+            <a:schemeClr val="accent1">
+              <a:shade val="50000"/>
+            </a:schemeClr>
+          </a:lnRef>
+          <a:fillRef idx="1">
+            <a:schemeClr val="accent1"/>
+          </a:fillRef>
+          <a:effectRef idx="0">
+            <a:schemeClr val="accent1"/>
+          </a:effectRef>
+          <a:fontRef idx="minor">
+            <a:schemeClr val="lt1"/>
+          </a:fontRef>
+        </p:style>
+        <p:txBody>
+          <a:bodyPr rtlCol="0" anchor="ctr"/>
+          <a:lstStyle/>
+          <a:p>
+            <a:pPr algn="ctr"/>
+            <a:endParaRPr lang="zh-CN" altLang="en-US"/>
+          </a:p>
+        </p:txBody>
+      </p:sp>
+      <p:sp>
+        <p:nvSpPr>
+          <p:cNvPr id="106" name="右箭头 105"/>
+          <p:cNvSpPr/>
+          <p:nvPr/>
+        </p:nvSpPr>
+        <p:spPr>
+          <a:xfrm rot="21112735">
+            <a:off x="9039575" y="2921101"/>
+            <a:ext cx="652765" cy="285000"/>
+          </a:xfrm>
+          <a:prstGeom prst="rightArrow">
+            <a:avLst/>
+          </a:prstGeom>
+        </p:spPr>
+        <p:style>
+          <a:lnRef idx="2">
+            <a:schemeClr val="accent2">
+              <a:shade val="50000"/>
+            </a:schemeClr>
+          </a:lnRef>
+          <a:fillRef idx="1">
+            <a:schemeClr val="accent2"/>
+          </a:fillRef>
+          <a:effectRef idx="0">
+            <a:schemeClr val="accent2"/>
+          </a:effectRef>
+          <a:fontRef idx="minor">
+            <a:schemeClr val="lt1"/>
+          </a:fontRef>
+        </p:style>
+        <p:txBody>
+          <a:bodyPr rtlCol="0" anchor="ctr"/>
+          <a:lstStyle/>
+          <a:p>
+            <a:pPr algn="ctr"/>
+            <a:endParaRPr lang="zh-CN" altLang="en-US"/>
+          </a:p>
+        </p:txBody>
+      </p:sp>
+      <p:sp>
+        <p:nvSpPr>
+          <p:cNvPr id="110" name="右箭头 109"/>
+          <p:cNvSpPr/>
+          <p:nvPr/>
+        </p:nvSpPr>
+        <p:spPr>
+          <a:xfrm rot="934913">
+            <a:off x="9061872" y="3341099"/>
+            <a:ext cx="652765" cy="285000"/>
+          </a:xfrm>
+          <a:prstGeom prst="rightArrow">
+            <a:avLst/>
+          </a:prstGeom>
+        </p:spPr>
+        <p:style>
+          <a:lnRef idx="2">
+            <a:schemeClr val="accent2">
+              <a:shade val="50000"/>
+            </a:schemeClr>
+          </a:lnRef>
+          <a:fillRef idx="1">
+            <a:schemeClr val="accent2"/>
+          </a:fillRef>
+          <a:effectRef idx="0">
+            <a:schemeClr val="accent2"/>
+          </a:effectRef>
+          <a:fontRef idx="minor">
+            <a:schemeClr val="lt1"/>
+          </a:fontRef>
+        </p:style>
+        <p:txBody>
+          <a:bodyPr rtlCol="0" anchor="ctr"/>
+          <a:lstStyle/>
+          <a:p>
+            <a:pPr algn="ctr"/>
+            <a:endParaRPr lang="zh-CN" altLang="en-US"/>
+          </a:p>
+        </p:txBody>
+      </p:sp>
+      <p:sp>
+        <p:nvSpPr>
+          <p:cNvPr id="111" name="右箭头 110"/>
+          <p:cNvSpPr/>
+          <p:nvPr/>
+        </p:nvSpPr>
+        <p:spPr>
+          <a:xfrm rot="21112735">
+            <a:off x="9079971" y="4096639"/>
+            <a:ext cx="652765" cy="285000"/>
+          </a:xfrm>
+          <a:prstGeom prst="rightArrow">
+            <a:avLst/>
+          </a:prstGeom>
+        </p:spPr>
+        <p:style>
+          <a:lnRef idx="2">
+            <a:schemeClr val="accent3">
+              <a:shade val="50000"/>
+            </a:schemeClr>
+          </a:lnRef>
+          <a:fillRef idx="1">
+            <a:schemeClr val="accent3"/>
+          </a:fillRef>
+          <a:effectRef idx="0">
+            <a:schemeClr val="accent3"/>
+          </a:effectRef>
+          <a:fontRef idx="minor">
+            <a:schemeClr val="lt1"/>
+          </a:fontRef>
+        </p:style>
+        <p:txBody>
+          <a:bodyPr rtlCol="0" anchor="ctr"/>
+          <a:lstStyle/>
+          <a:p>
+            <a:pPr algn="ctr"/>
+            <a:endParaRPr lang="zh-CN" altLang="en-US"/>
+          </a:p>
+        </p:txBody>
+      </p:sp>
+      <p:sp>
+        <p:nvSpPr>
+          <p:cNvPr id="112" name="右箭头 111"/>
+          <p:cNvSpPr/>
+          <p:nvPr/>
+        </p:nvSpPr>
+        <p:spPr>
+          <a:xfrm rot="934913">
+            <a:off x="9102268" y="4516637"/>
+            <a:ext cx="652765" cy="285000"/>
+          </a:xfrm>
+          <a:prstGeom prst="rightArrow">
+            <a:avLst/>
+          </a:prstGeom>
+        </p:spPr>
+        <p:style>
+          <a:lnRef idx="2">
+            <a:schemeClr val="accent3">
+              <a:shade val="50000"/>
+            </a:schemeClr>
+          </a:lnRef>
+          <a:fillRef idx="1">
+            <a:schemeClr val="accent3"/>
+          </a:fillRef>
+          <a:effectRef idx="0">
+            <a:schemeClr val="accent3"/>
+          </a:effectRef>
+          <a:fontRef idx="minor">
+            <a:schemeClr val="lt1"/>
+          </a:fontRef>
+        </p:style>
+        <p:txBody>
+          <a:bodyPr rtlCol="0" anchor="ctr"/>
+          <a:lstStyle/>
+          <a:p>
+            <a:pPr algn="ctr"/>
+            <a:endParaRPr lang="zh-CN" altLang="en-US"/>
+          </a:p>
+        </p:txBody>
+      </p:sp>
+      <p:sp>
+        <p:nvSpPr>
+          <p:cNvPr id="14" name="左弧形箭头 13"/>
+          <p:cNvSpPr/>
+          <p:nvPr/>
+        </p:nvSpPr>
+        <p:spPr>
+          <a:xfrm>
+            <a:off x="9384463" y="4229391"/>
+            <a:ext cx="301672" cy="442943"/>
+          </a:xfrm>
+          <a:prstGeom prst="curvedRightArrow">
+            <a:avLst/>
+          </a:prstGeom>
+        </p:spPr>
+        <p:style>
+          <a:lnRef idx="2">
+            <a:schemeClr val="accent3">
+              <a:shade val="50000"/>
+            </a:schemeClr>
+          </a:lnRef>
+          <a:fillRef idx="1">
+            <a:schemeClr val="accent3"/>
+          </a:fillRef>
+          <a:effectRef idx="0">
+            <a:schemeClr val="accent3"/>
+          </a:effectRef>
+          <a:fontRef idx="minor">
+            <a:schemeClr val="lt1"/>
+          </a:fontRef>
+        </p:style>
+        <p:txBody>
+          <a:bodyPr rtlCol="0" anchor="ctr"/>
+          <a:lstStyle/>
+          <a:p>
+            <a:pPr algn="ctr"/>
+            <a:endParaRPr lang="zh-CN" altLang="en-US">
+              <a:solidFill>
+                <a:schemeClr val="tx1"/>
+              </a:solidFill>
+            </a:endParaRPr>
+          </a:p>
+        </p:txBody>
+      </p:sp>
+      <p:sp>
+        <p:nvSpPr>
+          <p:cNvPr id="113" name="右箭头 112"/>
+          <p:cNvSpPr/>
+          <p:nvPr/>
+        </p:nvSpPr>
+        <p:spPr>
+          <a:xfrm rot="15048721">
+            <a:off x="10208493" y="2358731"/>
+            <a:ext cx="441744" cy="285000"/>
+          </a:xfrm>
+          <a:prstGeom prst="rightArrow">
+            <a:avLst/>
+          </a:prstGeom>
+        </p:spPr>
+        <p:style>
+          <a:lnRef idx="2">
+            <a:schemeClr val="accent5">
+              <a:shade val="50000"/>
+            </a:schemeClr>
+          </a:lnRef>
+          <a:fillRef idx="1">
+            <a:schemeClr val="accent5"/>
+          </a:fillRef>
+          <a:effectRef idx="0">
+            <a:schemeClr val="accent5"/>
+          </a:effectRef>
+          <a:fontRef idx="minor">
+            <a:schemeClr val="lt1"/>
+          </a:fontRef>
+        </p:style>
+        <p:txBody>
+          <a:bodyPr rtlCol="0" anchor="ctr"/>
+          <a:lstStyle/>
+          <a:p>
+            <a:pPr algn="ctr"/>
+            <a:endParaRPr lang="zh-CN" altLang="en-US"/>
+          </a:p>
+        </p:txBody>
+      </p:sp>
+      <p:sp>
+        <p:nvSpPr>
+          <p:cNvPr id="114" name="右箭头 113"/>
+          <p:cNvSpPr/>
+          <p:nvPr/>
+        </p:nvSpPr>
+        <p:spPr>
+          <a:xfrm rot="18030567">
+            <a:off x="10865115" y="2330967"/>
+            <a:ext cx="441744" cy="285000"/>
+          </a:xfrm>
+          <a:prstGeom prst="rightArrow">
+            <a:avLst/>
+          </a:prstGeom>
+        </p:spPr>
+        <p:style>
+          <a:lnRef idx="2">
+            <a:schemeClr val="accent5">
+              <a:shade val="50000"/>
+            </a:schemeClr>
+          </a:lnRef>
+          <a:fillRef idx="1">
+            <a:schemeClr val="accent5"/>
+          </a:fillRef>
+          <a:effectRef idx="0">
+            <a:schemeClr val="accent5"/>
+          </a:effectRef>
+          <a:fontRef idx="minor">
+            <a:schemeClr val="lt1"/>
+          </a:fontRef>
+        </p:style>
+        <p:txBody>
+          <a:bodyPr rtlCol="0" anchor="ctr"/>
+          <a:lstStyle/>
+          <a:p>
+            <a:pPr algn="ctr"/>
+            <a:endParaRPr lang="zh-CN" altLang="en-US"/>
+          </a:p>
+        </p:txBody>
+      </p:sp>
+      <p:sp>
+        <p:nvSpPr>
+          <p:cNvPr id="115" name="右箭头 114"/>
+          <p:cNvSpPr/>
+          <p:nvPr/>
+        </p:nvSpPr>
+        <p:spPr>
+          <a:xfrm rot="15422250">
+            <a:off x="9579320" y="2650481"/>
+            <a:ext cx="1086503" cy="285000"/>
+          </a:xfrm>
+          <a:prstGeom prst="rightArrow">
+            <a:avLst/>
+          </a:prstGeom>
+        </p:spPr>
+        <p:style>
+          <a:lnRef idx="2">
+            <a:schemeClr val="accent5">
+              <a:shade val="50000"/>
+            </a:schemeClr>
+          </a:lnRef>
+          <a:fillRef idx="1">
+            <a:schemeClr val="accent5"/>
+          </a:fillRef>
+          <a:effectRef idx="0">
+            <a:schemeClr val="accent5"/>
+          </a:effectRef>
+          <a:fontRef idx="minor">
+            <a:schemeClr val="lt1"/>
+          </a:fontRef>
+        </p:style>
+        <p:txBody>
+          <a:bodyPr rtlCol="0" anchor="ctr"/>
+          <a:lstStyle/>
+          <a:p>
+            <a:pPr algn="ctr"/>
+            <a:endParaRPr lang="zh-CN" altLang="en-US"/>
+          </a:p>
+        </p:txBody>
+      </p:sp>
+      <p:sp>
+        <p:nvSpPr>
+          <p:cNvPr id="116" name="右箭头 115"/>
+          <p:cNvSpPr/>
+          <p:nvPr/>
+        </p:nvSpPr>
+        <p:spPr>
+          <a:xfrm rot="16686337">
+            <a:off x="10851452" y="2655402"/>
+            <a:ext cx="1127139" cy="285000"/>
+          </a:xfrm>
+          <a:prstGeom prst="rightArrow">
+            <a:avLst/>
+          </a:prstGeom>
+        </p:spPr>
+        <p:style>
+          <a:lnRef idx="2">
+            <a:schemeClr val="accent5">
+              <a:shade val="50000"/>
+            </a:schemeClr>
+          </a:lnRef>
+          <a:fillRef idx="1">
+            <a:schemeClr val="accent5"/>
+          </a:fillRef>
+          <a:effectRef idx="0">
+            <a:schemeClr val="accent5"/>
+          </a:effectRef>
+          <a:fontRef idx="minor">
+            <a:schemeClr val="lt1"/>
+          </a:fontRef>
+        </p:style>
+        <p:txBody>
+          <a:bodyPr rtlCol="0" anchor="ctr"/>
+          <a:lstStyle/>
+          <a:p>
+            <a:pPr algn="ctr"/>
+            <a:endParaRPr lang="zh-CN" altLang="en-US"/>
+          </a:p>
+        </p:txBody>
+      </p:sp>
+      <p:sp>
+        <p:nvSpPr>
+          <p:cNvPr id="19" name="右弧形箭头 18"/>
+          <p:cNvSpPr/>
+          <p:nvPr/>
+        </p:nvSpPr>
+        <p:spPr>
+          <a:xfrm rot="10800000">
+            <a:off x="7577843" y="3061707"/>
+            <a:ext cx="301672" cy="1167683"/>
+          </a:xfrm>
+          <a:prstGeom prst="curvedLeftArrow">
+            <a:avLst/>
+          </a:prstGeom>
+        </p:spPr>
+        <p:style>
+          <a:lnRef idx="2">
+            <a:schemeClr val="accent1">
+              <a:shade val="50000"/>
+            </a:schemeClr>
+          </a:lnRef>
+          <a:fillRef idx="1">
+            <a:schemeClr val="accent1"/>
+          </a:fillRef>
+          <a:effectRef idx="0">
+            <a:schemeClr val="accent1"/>
+          </a:effectRef>
+          <a:fontRef idx="minor">
+            <a:schemeClr val="lt1"/>
+          </a:fontRef>
+        </p:style>
+        <p:txBody>
+          <a:bodyPr rtlCol="0" anchor="ctr"/>
+          <a:lstStyle/>
+          <a:p>
+            <a:pPr algn="ctr"/>
+            <a:endParaRPr lang="zh-CN" altLang="en-US">
+              <a:solidFill>
+                <a:schemeClr val="tx1"/>
+              </a:solidFill>
+            </a:endParaRPr>
+          </a:p>
+        </p:txBody>
+      </p:sp>
+      <p:sp>
+        <p:nvSpPr>
+          <p:cNvPr id="117" name="右弧形箭头 116"/>
+          <p:cNvSpPr/>
+          <p:nvPr/>
+        </p:nvSpPr>
+        <p:spPr>
+          <a:xfrm rot="10800000">
+            <a:off x="7622818" y="3429667"/>
+            <a:ext cx="301672" cy="1167683"/>
+          </a:xfrm>
+          <a:prstGeom prst="curvedLeftArrow">
+            <a:avLst/>
+          </a:prstGeom>
+        </p:spPr>
+        <p:style>
+          <a:lnRef idx="2">
+            <a:schemeClr val="accent1">
+              <a:shade val="50000"/>
+            </a:schemeClr>
+          </a:lnRef>
+          <a:fillRef idx="1">
+            <a:schemeClr val="accent1"/>
+          </a:fillRef>
+          <a:effectRef idx="0">
+            <a:schemeClr val="accent1"/>
+          </a:effectRef>
+          <a:fontRef idx="minor">
+            <a:schemeClr val="lt1"/>
+          </a:fontRef>
+        </p:style>
+        <p:txBody>
+          <a:bodyPr rtlCol="0" anchor="ctr"/>
+          <a:lstStyle/>
+          <a:p>
+            <a:pPr algn="ctr"/>
+            <a:endParaRPr lang="zh-CN" altLang="en-US">
+              <a:solidFill>
+                <a:schemeClr val="tx1"/>
+              </a:solidFill>
+            </a:endParaRPr>
+          </a:p>
+        </p:txBody>
+      </p:sp>
+    </p:spTree>
+    <p:extLst>
+      <p:ext uri="{BB962C8B-B14F-4D97-AF65-F5344CB8AC3E}">
+        <p14:creationId xmlns:p14="http://schemas.microsoft.com/office/powerpoint/2010/main" val="3384488338"/>
+      </p:ext>
+    </p:extLst>
+  </p:cSld>
+  <p:clrMapOvr>
+    <a:masterClrMapping/>
+  </p:clrMapOvr>
+</p:sld>
+</file>
+
+<file path=ppt/slides/slide4.xml><?xml version="1.0" encoding="utf-8"?>
+<p:sld xmlns:a="http://schemas.openxmlformats.org/drawingml/2006/main" xmlns:r="http://schemas.openxmlformats.org/officeDocument/2006/relationships" xmlns:p="http://schemas.openxmlformats.org/presentationml/2006/main">
+  <p:cSld>
+    <p:spTree>
+      <p:nvGrpSpPr>
+        <p:cNvPr id="1" name=""/>
+        <p:cNvGrpSpPr/>
+        <p:nvPr/>
+      </p:nvGrpSpPr>
+      <p:grpSpPr>
+        <a:xfrm>
+          <a:off x="0" y="0"/>
+          <a:ext cx="0" cy="0"/>
+          <a:chOff x="0" y="0"/>
+          <a:chExt cx="0" cy="0"/>
+        </a:xfrm>
+      </p:grpSpPr>
+      <p:sp>
+        <p:nvSpPr>
+          <p:cNvPr id="105" name="矩形 104"/>
+          <p:cNvSpPr/>
+          <p:nvPr/>
+        </p:nvSpPr>
+        <p:spPr>
+          <a:xfrm>
+            <a:off x="7596083" y="2365333"/>
+            <a:ext cx="1587031" cy="2748685"/>
+          </a:xfrm>
+          <a:prstGeom prst="rect">
+            <a:avLst/>
+          </a:prstGeom>
+        </p:spPr>
+        <p:style>
+          <a:lnRef idx="2">
+            <a:schemeClr val="accent4">
+              <a:shade val="50000"/>
+            </a:schemeClr>
+          </a:lnRef>
+          <a:fillRef idx="1">
+            <a:schemeClr val="accent4"/>
+          </a:fillRef>
+          <a:effectRef idx="0">
+            <a:schemeClr val="accent4"/>
+          </a:effectRef>
+          <a:fontRef idx="minor">
+            <a:schemeClr val="lt1"/>
+          </a:fontRef>
+        </p:style>
+        <p:txBody>
+          <a:bodyPr rtlCol="0" anchor="t"/>
+          <a:lstStyle/>
+          <a:p>
+            <a:r>
+              <a:rPr lang="en-US" altLang="zh-CN" dirty="0" err="1" smtClean="0"/>
+              <a:t>Db_Model</a:t>
+            </a:r>
+            <a:r>
+              <a:rPr lang="en-US" altLang="zh-CN" dirty="0" err="1" smtClean="0"/>
+              <a:t>_Decks</a:t>
+            </a:r>
+            <a:endParaRPr lang="en-US" altLang="zh-CN" dirty="0" smtClean="0"/>
+          </a:p>
+          <a:p>
+            <a:r>
+              <a:rPr lang="en-US" altLang="zh-CN" dirty="0" smtClean="0"/>
+              <a:t>.</a:t>
+            </a:r>
+            <a:r>
+              <a:rPr lang="en-US" altLang="zh-CN" dirty="0" err="1" smtClean="0"/>
+              <a:t>Db_models</a:t>
+            </a:r>
+            <a:endParaRPr lang="en-US" altLang="zh-CN" dirty="0" smtClean="0"/>
+          </a:p>
+          <a:p>
+            <a:r>
+              <a:rPr lang="en-US" altLang="zh-CN" dirty="0" smtClean="0"/>
+              <a:t>.</a:t>
+            </a:r>
+            <a:r>
+              <a:rPr lang="en-US" altLang="zh-CN" dirty="0" err="1" smtClean="0"/>
+              <a:t>Db_Decks</a:t>
+            </a:r>
+            <a:endParaRPr lang="en-US" altLang="zh-CN" dirty="0" smtClean="0"/>
+          </a:p>
+        </p:txBody>
+      </p:sp>
+      <p:sp>
+        <p:nvSpPr>
+          <p:cNvPr id="8" name="矩形 7"/>
+          <p:cNvSpPr/>
+          <p:nvPr/>
+        </p:nvSpPr>
+        <p:spPr>
+          <a:xfrm>
+            <a:off x="4757056" y="385538"/>
+            <a:ext cx="2677887" cy="6099627"/>
+          </a:xfrm>
+          <a:prstGeom prst="rect">
+            <a:avLst/>
+          </a:prstGeom>
+        </p:spPr>
+        <p:style>
+          <a:lnRef idx="2">
+            <a:schemeClr val="accent4">
+              <a:shade val="50000"/>
+            </a:schemeClr>
+          </a:lnRef>
+          <a:fillRef idx="1">
+            <a:schemeClr val="accent4"/>
+          </a:fillRef>
+          <a:effectRef idx="0">
+            <a:schemeClr val="accent4"/>
+          </a:effectRef>
+          <a:fontRef idx="minor">
+            <a:schemeClr val="lt1"/>
+          </a:fontRef>
+        </p:style>
+        <p:txBody>
+          <a:bodyPr rtlCol="0" anchor="t"/>
+          <a:lstStyle/>
+          <a:p>
+            <a:r>
+              <a:rPr lang="en-US" altLang="zh-CN" dirty="0" smtClean="0"/>
+              <a:t>Col</a:t>
+            </a:r>
+            <a:endParaRPr lang="en-US" altLang="zh-CN" dirty="0"/>
+          </a:p>
+        </p:txBody>
+      </p:sp>
+      <p:sp>
+        <p:nvSpPr>
+          <p:cNvPr id="4" name="矩形 3"/>
+          <p:cNvSpPr/>
+          <p:nvPr/>
+        </p:nvSpPr>
+        <p:spPr>
+          <a:xfrm>
+            <a:off x="5072743" y="3117392"/>
+            <a:ext cx="2046514" cy="2113197"/>
+          </a:xfrm>
+          <a:prstGeom prst="rect">
+            <a:avLst/>
+          </a:prstGeom>
+        </p:spPr>
+        <p:style>
+          <a:lnRef idx="2">
+            <a:schemeClr val="accent4">
+              <a:shade val="50000"/>
+            </a:schemeClr>
+          </a:lnRef>
+          <a:fillRef idx="1">
+            <a:schemeClr val="accent4"/>
+          </a:fillRef>
+          <a:effectRef idx="0">
+            <a:schemeClr val="accent4"/>
+          </a:effectRef>
+          <a:fontRef idx="minor">
+            <a:schemeClr val="lt1"/>
+          </a:fontRef>
+        </p:style>
+        <p:txBody>
+          <a:bodyPr rtlCol="0" anchor="t"/>
+          <a:lstStyle/>
+          <a:p>
+            <a:r>
+              <a:rPr lang="en-US" altLang="zh-CN" dirty="0" err="1" smtClean="0"/>
+              <a:t>Model_decks</a:t>
+            </a:r>
+            <a:endParaRPr lang="en-US" altLang="zh-CN" dirty="0"/>
+          </a:p>
+        </p:txBody>
+      </p:sp>
+      <p:sp>
+        <p:nvSpPr>
+          <p:cNvPr id="5" name="圆角矩形 4"/>
+          <p:cNvSpPr/>
+          <p:nvPr/>
+        </p:nvSpPr>
+        <p:spPr>
+          <a:xfrm>
+            <a:off x="5470071" y="4298032"/>
+            <a:ext cx="1251857" cy="363771"/>
+          </a:xfrm>
+          <a:prstGeom prst="roundRect">
+            <a:avLst/>
+          </a:prstGeom>
+        </p:spPr>
+        <p:style>
+          <a:lnRef idx="2">
+            <a:schemeClr val="accent2">
+              <a:shade val="50000"/>
+            </a:schemeClr>
+          </a:lnRef>
+          <a:fillRef idx="1">
+            <a:schemeClr val="accent2"/>
+          </a:fillRef>
+          <a:effectRef idx="0">
+            <a:schemeClr val="accent2"/>
+          </a:effectRef>
+          <a:fontRef idx="minor">
+            <a:schemeClr val="lt1"/>
+          </a:fontRef>
+        </p:style>
+        <p:txBody>
+          <a:bodyPr rtlCol="0" anchor="t"/>
+          <a:lstStyle/>
+          <a:p>
+            <a:r>
+              <a:rPr lang="en-US" altLang="zh-CN" dirty="0" smtClean="0"/>
+              <a:t>Model</a:t>
+            </a:r>
+          </a:p>
+        </p:txBody>
+      </p:sp>
+      <p:sp>
+        <p:nvSpPr>
+          <p:cNvPr id="6" name="圆角矩形 5"/>
+          <p:cNvSpPr/>
+          <p:nvPr/>
+        </p:nvSpPr>
+        <p:spPr>
+          <a:xfrm>
+            <a:off x="5470072" y="4727123"/>
+            <a:ext cx="1251857" cy="363771"/>
+          </a:xfrm>
+          <a:prstGeom prst="roundRect">
+            <a:avLst/>
+          </a:prstGeom>
+        </p:spPr>
+        <p:style>
+          <a:lnRef idx="2">
+            <a:schemeClr val="accent2">
+              <a:shade val="50000"/>
+            </a:schemeClr>
+          </a:lnRef>
+          <a:fillRef idx="1">
+            <a:schemeClr val="accent2"/>
+          </a:fillRef>
+          <a:effectRef idx="0">
+            <a:schemeClr val="accent2"/>
+          </a:effectRef>
+          <a:fontRef idx="minor">
+            <a:schemeClr val="lt1"/>
+          </a:fontRef>
+        </p:style>
+        <p:txBody>
+          <a:bodyPr rtlCol="0" anchor="t"/>
+          <a:lstStyle/>
+          <a:p>
+            <a:r>
+              <a:rPr lang="en-US" altLang="zh-CN" dirty="0" smtClean="0"/>
+              <a:t>Deck</a:t>
+            </a:r>
+          </a:p>
+        </p:txBody>
+      </p:sp>
+      <p:sp>
+        <p:nvSpPr>
+          <p:cNvPr id="7" name="圆角矩形 6"/>
+          <p:cNvSpPr/>
+          <p:nvPr/>
+        </p:nvSpPr>
+        <p:spPr>
+          <a:xfrm>
+            <a:off x="5467348" y="3504735"/>
+            <a:ext cx="1251857" cy="729343"/>
+          </a:xfrm>
+          <a:prstGeom prst="roundRect">
+            <a:avLst/>
+          </a:prstGeom>
+        </p:spPr>
+        <p:style>
+          <a:lnRef idx="2">
+            <a:schemeClr val="accent4">
+              <a:shade val="50000"/>
+            </a:schemeClr>
+          </a:lnRef>
+          <a:fillRef idx="1">
+            <a:schemeClr val="accent4"/>
+          </a:fillRef>
+          <a:effectRef idx="0">
+            <a:schemeClr val="accent4"/>
+          </a:effectRef>
+          <a:fontRef idx="minor">
+            <a:schemeClr val="lt1"/>
+          </a:fontRef>
+        </p:style>
+        <p:txBody>
+          <a:bodyPr rtlCol="0" anchor="t"/>
+          <a:lstStyle/>
+          <a:p>
+            <a:r>
+              <a:rPr lang="en-US" altLang="zh-CN" dirty="0" smtClean="0"/>
+              <a:t>Notes</a:t>
+            </a:r>
+          </a:p>
+          <a:p>
+            <a:r>
+              <a:rPr lang="en-US" altLang="zh-CN" dirty="0" smtClean="0"/>
+              <a:t>..tags</a:t>
+            </a:r>
+          </a:p>
+        </p:txBody>
+      </p:sp>
+      <p:sp>
+        <p:nvSpPr>
+          <p:cNvPr id="11" name="矩形 10"/>
+          <p:cNvSpPr/>
+          <p:nvPr/>
+        </p:nvSpPr>
+        <p:spPr>
+          <a:xfrm>
+            <a:off x="5072743" y="5881009"/>
+            <a:ext cx="2046514" cy="375558"/>
+          </a:xfrm>
+          <a:prstGeom prst="rect">
+            <a:avLst/>
+          </a:prstGeom>
+        </p:spPr>
+        <p:style>
+          <a:lnRef idx="2">
+            <a:schemeClr val="accent1">
+              <a:shade val="50000"/>
+            </a:schemeClr>
+          </a:lnRef>
+          <a:fillRef idx="1">
+            <a:schemeClr val="accent1"/>
+          </a:fillRef>
+          <a:effectRef idx="0">
+            <a:schemeClr val="accent1"/>
+          </a:effectRef>
+          <a:fontRef idx="minor">
+            <a:schemeClr val="lt1"/>
+          </a:fontRef>
+        </p:style>
+        <p:txBody>
+          <a:bodyPr rtlCol="0" anchor="ctr"/>
+          <a:lstStyle/>
+          <a:p>
+            <a:pPr algn="ctr"/>
+            <a:r>
+              <a:rPr lang="en-US" altLang="zh-CN" dirty="0" smtClean="0"/>
+              <a:t>media</a:t>
+            </a:r>
+          </a:p>
+        </p:txBody>
+      </p:sp>
+      <p:sp>
+        <p:nvSpPr>
+          <p:cNvPr id="13" name="矩形 12"/>
+          <p:cNvSpPr/>
+          <p:nvPr/>
+        </p:nvSpPr>
+        <p:spPr>
+          <a:xfrm>
+            <a:off x="5067299" y="767448"/>
+            <a:ext cx="2051957" cy="1636461"/>
+          </a:xfrm>
+          <a:prstGeom prst="rect">
+            <a:avLst/>
+          </a:prstGeom>
+          <a:ln>
+            <a:prstDash val="dash"/>
+          </a:ln>
+        </p:spPr>
+        <p:style>
+          <a:lnRef idx="2">
+            <a:schemeClr val="accent4">
+              <a:shade val="50000"/>
+            </a:schemeClr>
+          </a:lnRef>
+          <a:fillRef idx="1">
+            <a:schemeClr val="accent4"/>
+          </a:fillRef>
+          <a:effectRef idx="0">
+            <a:schemeClr val="accent4"/>
+          </a:effectRef>
+          <a:fontRef idx="minor">
+            <a:schemeClr val="lt1"/>
+          </a:fontRef>
+        </p:style>
+        <p:txBody>
+          <a:bodyPr rtlCol="0" anchor="ctr"/>
+          <a:lstStyle/>
+          <a:p>
+            <a:r>
+              <a:rPr lang="en-US" altLang="zh-CN" dirty="0" smtClean="0"/>
+              <a:t>Model</a:t>
+            </a:r>
+            <a:endParaRPr lang="en-US" altLang="zh-CN" dirty="0"/>
+          </a:p>
+          <a:p>
+            <a:r>
+              <a:rPr lang="en-US" altLang="zh-CN" dirty="0"/>
+              <a:t>.</a:t>
+            </a:r>
+            <a:r>
+              <a:rPr lang="en-US" altLang="zh-CN" dirty="0" err="1"/>
+              <a:t>tmpls</a:t>
+            </a:r>
+            <a:endParaRPr lang="en-US" altLang="zh-CN" dirty="0"/>
+          </a:p>
+          <a:p>
+            <a:r>
+              <a:rPr lang="en-US" altLang="zh-CN" dirty="0"/>
+              <a:t>.</a:t>
+            </a:r>
+            <a:r>
+              <a:rPr lang="en-US" altLang="zh-CN" dirty="0" err="1"/>
+              <a:t>flds</a:t>
+            </a:r>
+            <a:endParaRPr lang="en-US" altLang="zh-CN" dirty="0"/>
+          </a:p>
+          <a:p>
+            <a:r>
+              <a:rPr lang="en-US" altLang="zh-CN" dirty="0"/>
+              <a:t>. </a:t>
+            </a:r>
+            <a:r>
+              <a:rPr lang="en-US" altLang="zh-CN" dirty="0" err="1"/>
+              <a:t>is_cloze</a:t>
+            </a:r>
+            <a:endParaRPr lang="en-US" altLang="zh-CN" dirty="0"/>
+          </a:p>
+          <a:p>
+            <a:r>
+              <a:rPr lang="en-US" altLang="zh-CN" dirty="0"/>
+              <a:t>..</a:t>
+            </a:r>
+            <a:r>
+              <a:rPr lang="en-US" altLang="zh-CN" dirty="0" err="1" smtClean="0"/>
+              <a:t>css</a:t>
+            </a:r>
+            <a:endParaRPr lang="en-US" altLang="zh-CN" dirty="0" smtClean="0"/>
+          </a:p>
+          <a:p>
+            <a:r>
+              <a:rPr lang="en-US" altLang="zh-CN" dirty="0" smtClean="0"/>
+              <a:t>..</a:t>
+            </a:r>
+            <a:r>
+              <a:rPr lang="en-US" altLang="zh-CN" dirty="0" err="1" smtClean="0"/>
+              <a:t>model_name</a:t>
+            </a:r>
+            <a:endParaRPr lang="en-US" altLang="zh-CN" dirty="0"/>
+          </a:p>
+        </p:txBody>
+      </p:sp>
+      <p:sp>
+        <p:nvSpPr>
+          <p:cNvPr id="15" name="矩形 14"/>
+          <p:cNvSpPr/>
+          <p:nvPr/>
+        </p:nvSpPr>
+        <p:spPr>
+          <a:xfrm>
+            <a:off x="5067300" y="2543604"/>
+            <a:ext cx="2051956" cy="468086"/>
+          </a:xfrm>
+          <a:prstGeom prst="rect">
+            <a:avLst/>
+          </a:prstGeom>
+          <a:ln>
+            <a:prstDash val="dash"/>
+          </a:ln>
+        </p:spPr>
+        <p:style>
+          <a:lnRef idx="2">
+            <a:schemeClr val="accent4">
+              <a:shade val="50000"/>
+            </a:schemeClr>
+          </a:lnRef>
+          <a:fillRef idx="1">
+            <a:schemeClr val="accent4"/>
+          </a:fillRef>
+          <a:effectRef idx="0">
+            <a:schemeClr val="accent4"/>
+          </a:effectRef>
+          <a:fontRef idx="minor">
+            <a:schemeClr val="lt1"/>
+          </a:fontRef>
+        </p:style>
+        <p:txBody>
+          <a:bodyPr rtlCol="0" anchor="ctr"/>
+          <a:lstStyle/>
+          <a:p>
+            <a:r>
+              <a:rPr lang="en-US" altLang="zh-CN" dirty="0" smtClean="0"/>
+              <a:t>Deck  </a:t>
+            </a:r>
+            <a:r>
+              <a:rPr lang="en-US" altLang="zh-CN" dirty="0" smtClean="0"/>
+              <a:t>.</a:t>
+            </a:r>
+            <a:r>
+              <a:rPr lang="en-US" altLang="zh-CN" dirty="0" err="1" smtClean="0"/>
+              <a:t>deck_name</a:t>
+            </a:r>
+            <a:endParaRPr lang="zh-CN" altLang="en-US" dirty="0"/>
+          </a:p>
+        </p:txBody>
+      </p:sp>
+      <p:sp>
+        <p:nvSpPr>
+          <p:cNvPr id="16" name="矩形 15"/>
+          <p:cNvSpPr/>
+          <p:nvPr/>
+        </p:nvSpPr>
+        <p:spPr>
+          <a:xfrm>
+            <a:off x="1106713" y="385539"/>
+            <a:ext cx="2677887" cy="6112331"/>
+          </a:xfrm>
+          <a:prstGeom prst="rect">
+            <a:avLst/>
+          </a:prstGeom>
+          <a:solidFill>
+            <a:schemeClr val="accent2">
+              <a:lumMod val="40000"/>
+              <a:lumOff val="60000"/>
+            </a:schemeClr>
+          </a:solidFill>
+          <a:ln>
+            <a:noFill/>
+          </a:ln>
+        </p:spPr>
+        <p:style>
+          <a:lnRef idx="2">
+            <a:schemeClr val="accent4">
+              <a:shade val="50000"/>
+            </a:schemeClr>
+          </a:lnRef>
+          <a:fillRef idx="1">
+            <a:schemeClr val="accent4"/>
+          </a:fillRef>
+          <a:effectRef idx="0">
+            <a:schemeClr val="accent4"/>
+          </a:effectRef>
+          <a:fontRef idx="minor">
+            <a:schemeClr val="lt1"/>
+          </a:fontRef>
+        </p:style>
+        <p:txBody>
+          <a:bodyPr rtlCol="0" anchor="t"/>
+          <a:lstStyle/>
+          <a:p>
+            <a:pPr algn="ctr"/>
+            <a:r>
+              <a:rPr lang="en-US" altLang="zh-CN" dirty="0" smtClean="0">
+                <a:solidFill>
+                  <a:schemeClr val="tx1"/>
+                </a:solidFill>
+              </a:rPr>
+              <a:t>File System</a:t>
+            </a:r>
+          </a:p>
+        </p:txBody>
+      </p:sp>
+      <p:sp>
+        <p:nvSpPr>
+          <p:cNvPr id="17" name="矩形 16"/>
+          <p:cNvSpPr/>
+          <p:nvPr/>
+        </p:nvSpPr>
+        <p:spPr>
+          <a:xfrm>
+            <a:off x="9327350" y="385539"/>
+            <a:ext cx="2677887" cy="6112331"/>
+          </a:xfrm>
+          <a:prstGeom prst="rect">
+            <a:avLst/>
+          </a:prstGeom>
+          <a:solidFill>
+            <a:schemeClr val="accent2">
+              <a:lumMod val="40000"/>
+              <a:lumOff val="60000"/>
+            </a:schemeClr>
+          </a:solidFill>
+          <a:ln>
+            <a:noFill/>
+          </a:ln>
+        </p:spPr>
+        <p:style>
+          <a:lnRef idx="2">
+            <a:schemeClr val="accent4">
+              <a:shade val="50000"/>
+            </a:schemeClr>
+          </a:lnRef>
+          <a:fillRef idx="1">
+            <a:schemeClr val="accent4"/>
+          </a:fillRef>
+          <a:effectRef idx="0">
+            <a:schemeClr val="accent4"/>
+          </a:effectRef>
+          <a:fontRef idx="minor">
+            <a:schemeClr val="lt1"/>
+          </a:fontRef>
+        </p:style>
+        <p:txBody>
+          <a:bodyPr rtlCol="0" anchor="t"/>
+          <a:lstStyle/>
+          <a:p>
+            <a:pPr algn="ctr"/>
+            <a:r>
+              <a:rPr lang="en-US" altLang="zh-CN" dirty="0" smtClean="0">
+                <a:solidFill>
+                  <a:schemeClr val="tx1"/>
+                </a:solidFill>
+              </a:rPr>
+              <a:t>DB</a:t>
+            </a:r>
+            <a:endParaRPr lang="en-US" altLang="zh-CN" dirty="0">
+              <a:solidFill>
+                <a:schemeClr val="tx1"/>
+              </a:solidFill>
+            </a:endParaRPr>
+          </a:p>
+        </p:txBody>
+      </p:sp>
+      <p:sp>
+        <p:nvSpPr>
+          <p:cNvPr id="18" name="矩形 17"/>
+          <p:cNvSpPr/>
+          <p:nvPr/>
+        </p:nvSpPr>
+        <p:spPr>
+          <a:xfrm>
+            <a:off x="1476827" y="898075"/>
+            <a:ext cx="2006601" cy="1467258"/>
+          </a:xfrm>
+          <a:prstGeom prst="rect">
+            <a:avLst/>
+          </a:prstGeom>
+        </p:spPr>
+        <p:style>
+          <a:lnRef idx="2">
+            <a:schemeClr val="accent4">
+              <a:shade val="50000"/>
+            </a:schemeClr>
+          </a:lnRef>
+          <a:fillRef idx="1">
+            <a:schemeClr val="accent4"/>
+          </a:fillRef>
+          <a:effectRef idx="0">
+            <a:schemeClr val="accent4"/>
+          </a:effectRef>
+          <a:fontRef idx="minor">
+            <a:schemeClr val="lt1"/>
+          </a:fontRef>
+        </p:style>
+        <p:txBody>
+          <a:bodyPr rtlCol="0" anchor="t"/>
+          <a:lstStyle/>
+          <a:p>
+            <a:r>
+              <a:rPr lang="en-US" altLang="zh-CN" dirty="0" smtClean="0"/>
+              <a:t>CSV</a:t>
+            </a:r>
+          </a:p>
+          <a:p>
+            <a:r>
+              <a:rPr lang="en-US" altLang="zh-CN" dirty="0" smtClean="0"/>
+              <a:t>.</a:t>
+            </a:r>
+            <a:r>
+              <a:rPr lang="en-US" altLang="zh-CN" dirty="0" err="1" smtClean="0"/>
+              <a:t>file_name</a:t>
+            </a:r>
+            <a:endParaRPr lang="en-US" altLang="zh-CN" dirty="0" smtClean="0"/>
+          </a:p>
+          <a:p>
+            <a:r>
+              <a:rPr lang="en-US" altLang="zh-CN" dirty="0" smtClean="0"/>
+              <a:t>.</a:t>
+            </a:r>
+            <a:r>
+              <a:rPr lang="en-US" altLang="zh-CN" dirty="0" err="1" smtClean="0"/>
+              <a:t>flds</a:t>
+            </a:r>
+            <a:endParaRPr lang="en-US" altLang="zh-CN" dirty="0" smtClean="0"/>
+          </a:p>
+          <a:p>
+            <a:r>
+              <a:rPr lang="en-US" altLang="zh-CN" dirty="0" smtClean="0"/>
+              <a:t>.</a:t>
+            </a:r>
+            <a:r>
+              <a:rPr lang="en-US" altLang="zh-CN" dirty="0" err="1" smtClean="0"/>
+              <a:t>notes</a:t>
+            </a:r>
+            <a:r>
+              <a:rPr lang="en-US" altLang="zh-CN" dirty="0" err="1"/>
+              <a:t>..</a:t>
+            </a:r>
+            <a:r>
+              <a:rPr lang="en-US" altLang="zh-CN" dirty="0" err="1" smtClean="0"/>
+              <a:t>tags</a:t>
+            </a:r>
+            <a:endParaRPr lang="zh-CN" altLang="en-US" dirty="0"/>
+          </a:p>
+        </p:txBody>
+      </p:sp>
+      <p:sp>
+        <p:nvSpPr>
+          <p:cNvPr id="37" name="矩形 36"/>
+          <p:cNvSpPr/>
+          <p:nvPr/>
+        </p:nvSpPr>
+        <p:spPr>
+          <a:xfrm>
+            <a:off x="1476827" y="2518644"/>
+            <a:ext cx="2006601" cy="483953"/>
+          </a:xfrm>
+          <a:prstGeom prst="rect">
+            <a:avLst/>
+          </a:prstGeom>
+        </p:spPr>
+        <p:style>
+          <a:lnRef idx="2">
+            <a:schemeClr val="accent4">
+              <a:shade val="50000"/>
+            </a:schemeClr>
+          </a:lnRef>
+          <a:fillRef idx="1">
+            <a:schemeClr val="accent4"/>
+          </a:fillRef>
+          <a:effectRef idx="0">
+            <a:schemeClr val="accent4"/>
+          </a:effectRef>
+          <a:fontRef idx="minor">
+            <a:schemeClr val="lt1"/>
+          </a:fontRef>
+        </p:style>
+        <p:txBody>
+          <a:bodyPr rtlCol="0" anchor="t"/>
+          <a:lstStyle/>
+          <a:p>
+            <a:r>
+              <a:rPr lang="en-US" altLang="zh-CN" dirty="0" err="1" smtClean="0"/>
+              <a:t>Tmpls</a:t>
+            </a:r>
+            <a:endParaRPr lang="en-US" altLang="zh-CN" dirty="0" smtClean="0"/>
+          </a:p>
+        </p:txBody>
+      </p:sp>
+      <p:sp>
+        <p:nvSpPr>
+          <p:cNvPr id="63" name="矩形 62"/>
+          <p:cNvSpPr/>
+          <p:nvPr/>
+        </p:nvSpPr>
+        <p:spPr>
+          <a:xfrm>
+            <a:off x="1476827" y="3127458"/>
+            <a:ext cx="2006601" cy="483953"/>
+          </a:xfrm>
+          <a:prstGeom prst="rect">
+            <a:avLst/>
+          </a:prstGeom>
+        </p:spPr>
+        <p:style>
+          <a:lnRef idx="2">
+            <a:schemeClr val="accent1">
+              <a:shade val="50000"/>
+            </a:schemeClr>
+          </a:lnRef>
+          <a:fillRef idx="1">
+            <a:schemeClr val="accent1"/>
+          </a:fillRef>
+          <a:effectRef idx="0">
+            <a:schemeClr val="accent1"/>
+          </a:effectRef>
+          <a:fontRef idx="minor">
+            <a:schemeClr val="lt1"/>
+          </a:fontRef>
+        </p:style>
+        <p:txBody>
+          <a:bodyPr rtlCol="0" anchor="t"/>
+          <a:lstStyle/>
+          <a:p>
+            <a:r>
+              <a:rPr lang="en-US" altLang="zh-CN" dirty="0" smtClean="0"/>
+              <a:t>CSS</a:t>
+            </a:r>
+          </a:p>
+        </p:txBody>
+      </p:sp>
+      <p:sp>
+        <p:nvSpPr>
+          <p:cNvPr id="70" name="矩形 69"/>
+          <p:cNvSpPr/>
+          <p:nvPr/>
+        </p:nvSpPr>
+        <p:spPr>
+          <a:xfrm>
+            <a:off x="1476827" y="5881009"/>
+            <a:ext cx="2046514" cy="375558"/>
+          </a:xfrm>
+          <a:prstGeom prst="rect">
+            <a:avLst/>
+          </a:prstGeom>
+        </p:spPr>
+        <p:style>
+          <a:lnRef idx="2">
+            <a:schemeClr val="accent1">
+              <a:shade val="50000"/>
+            </a:schemeClr>
+          </a:lnRef>
+          <a:fillRef idx="1">
+            <a:schemeClr val="accent1"/>
+          </a:fillRef>
+          <a:effectRef idx="0">
+            <a:schemeClr val="accent1"/>
+          </a:effectRef>
+          <a:fontRef idx="minor">
+            <a:schemeClr val="lt1"/>
+          </a:fontRef>
+        </p:style>
+        <p:txBody>
+          <a:bodyPr rtlCol="0" anchor="ctr"/>
+          <a:lstStyle/>
+          <a:p>
+            <a:pPr algn="ctr"/>
+            <a:r>
+              <a:rPr lang="en-US" altLang="zh-CN" dirty="0" smtClean="0"/>
+              <a:t>media</a:t>
+            </a:r>
+          </a:p>
+        </p:txBody>
+      </p:sp>
+      <p:sp>
+        <p:nvSpPr>
+          <p:cNvPr id="71" name="右箭头 70"/>
+          <p:cNvSpPr/>
+          <p:nvPr/>
+        </p:nvSpPr>
+        <p:spPr>
+          <a:xfrm>
+            <a:off x="3611796" y="5983531"/>
+            <a:ext cx="1371145" cy="170514"/>
+          </a:xfrm>
+          <a:prstGeom prst="rightArrow">
+            <a:avLst/>
+          </a:prstGeom>
+        </p:spPr>
+        <p:style>
+          <a:lnRef idx="2">
+            <a:schemeClr val="accent5">
+              <a:shade val="50000"/>
+            </a:schemeClr>
+          </a:lnRef>
+          <a:fillRef idx="1">
+            <a:schemeClr val="accent5"/>
+          </a:fillRef>
+          <a:effectRef idx="0">
+            <a:schemeClr val="accent5"/>
+          </a:effectRef>
+          <a:fontRef idx="minor">
+            <a:schemeClr val="lt1"/>
+          </a:fontRef>
+        </p:style>
+        <p:txBody>
+          <a:bodyPr rtlCol="0" anchor="ctr"/>
+          <a:lstStyle/>
+          <a:p>
+            <a:pPr algn="ctr"/>
+            <a:endParaRPr lang="zh-CN" altLang="en-US"/>
+          </a:p>
+        </p:txBody>
+      </p:sp>
+      <p:sp>
+        <p:nvSpPr>
+          <p:cNvPr id="72" name="右箭头 71"/>
+          <p:cNvSpPr/>
+          <p:nvPr/>
+        </p:nvSpPr>
+        <p:spPr>
+          <a:xfrm>
+            <a:off x="71105" y="1144860"/>
+            <a:ext cx="714352" cy="170514"/>
+          </a:xfrm>
+          <a:prstGeom prst="rightArrow">
+            <a:avLst/>
+          </a:prstGeom>
+        </p:spPr>
+        <p:style>
+          <a:lnRef idx="2">
+            <a:schemeClr val="accent1">
+              <a:shade val="50000"/>
+            </a:schemeClr>
+          </a:lnRef>
+          <a:fillRef idx="1">
+            <a:schemeClr val="accent1"/>
+          </a:fillRef>
+          <a:effectRef idx="0">
+            <a:schemeClr val="accent1"/>
+          </a:effectRef>
+          <a:fontRef idx="minor">
+            <a:schemeClr val="lt1"/>
+          </a:fontRef>
+        </p:style>
+        <p:txBody>
+          <a:bodyPr rtlCol="0" anchor="ctr"/>
+          <a:lstStyle/>
+          <a:p>
+            <a:pPr algn="ctr"/>
+            <a:endParaRPr lang="zh-CN" altLang="en-US"/>
+          </a:p>
+        </p:txBody>
+      </p:sp>
+      <p:sp>
+        <p:nvSpPr>
+          <p:cNvPr id="73" name="右箭头 72"/>
+          <p:cNvSpPr/>
+          <p:nvPr/>
+        </p:nvSpPr>
+        <p:spPr>
+          <a:xfrm>
+            <a:off x="71105" y="1315374"/>
+            <a:ext cx="714352" cy="170514"/>
+          </a:xfrm>
+          <a:prstGeom prst="rightArrow">
+            <a:avLst/>
+          </a:prstGeom>
+        </p:spPr>
+        <p:style>
+          <a:lnRef idx="2">
+            <a:schemeClr val="accent2">
+              <a:shade val="50000"/>
+            </a:schemeClr>
+          </a:lnRef>
+          <a:fillRef idx="1">
+            <a:schemeClr val="accent2"/>
+          </a:fillRef>
+          <a:effectRef idx="0">
+            <a:schemeClr val="accent2"/>
+          </a:effectRef>
+          <a:fontRef idx="minor">
+            <a:schemeClr val="lt1"/>
+          </a:fontRef>
+        </p:style>
+        <p:txBody>
+          <a:bodyPr rtlCol="0" anchor="ctr"/>
+          <a:lstStyle/>
+          <a:p>
+            <a:pPr algn="ctr"/>
+            <a:endParaRPr lang="zh-CN" altLang="en-US"/>
+          </a:p>
+        </p:txBody>
+      </p:sp>
+      <p:sp>
+        <p:nvSpPr>
+          <p:cNvPr id="74" name="右箭头 73"/>
+          <p:cNvSpPr/>
+          <p:nvPr/>
+        </p:nvSpPr>
+        <p:spPr>
+          <a:xfrm>
+            <a:off x="71105" y="1477000"/>
+            <a:ext cx="714352" cy="170514"/>
+          </a:xfrm>
+          <a:prstGeom prst="rightArrow">
+            <a:avLst/>
+          </a:prstGeom>
+        </p:spPr>
+        <p:style>
+          <a:lnRef idx="2">
+            <a:schemeClr val="accent3">
+              <a:shade val="50000"/>
+            </a:schemeClr>
+          </a:lnRef>
+          <a:fillRef idx="1">
+            <a:schemeClr val="accent3"/>
+          </a:fillRef>
+          <a:effectRef idx="0">
+            <a:schemeClr val="accent3"/>
+          </a:effectRef>
+          <a:fontRef idx="minor">
+            <a:schemeClr val="lt1"/>
+          </a:fontRef>
+        </p:style>
+        <p:txBody>
+          <a:bodyPr rtlCol="0" anchor="ctr"/>
+          <a:lstStyle/>
+          <a:p>
+            <a:pPr algn="ctr"/>
+            <a:endParaRPr lang="zh-CN" altLang="en-US"/>
+          </a:p>
+        </p:txBody>
+      </p:sp>
+      <p:sp>
+        <p:nvSpPr>
+          <p:cNvPr id="75" name="右箭头 74"/>
+          <p:cNvSpPr/>
+          <p:nvPr/>
+        </p:nvSpPr>
+        <p:spPr>
+          <a:xfrm>
+            <a:off x="71105" y="1638568"/>
+            <a:ext cx="714352" cy="170514"/>
+          </a:xfrm>
+          <a:prstGeom prst="rightArrow">
+            <a:avLst/>
+          </a:prstGeom>
+        </p:spPr>
+        <p:style>
+          <a:lnRef idx="2">
+            <a:schemeClr val="accent5">
+              <a:shade val="50000"/>
+            </a:schemeClr>
+          </a:lnRef>
+          <a:fillRef idx="1">
+            <a:schemeClr val="accent5"/>
+          </a:fillRef>
+          <a:effectRef idx="0">
+            <a:schemeClr val="accent5"/>
+          </a:effectRef>
+          <a:fontRef idx="minor">
+            <a:schemeClr val="lt1"/>
+          </a:fontRef>
+        </p:style>
+        <p:txBody>
+          <a:bodyPr rtlCol="0" anchor="ctr"/>
+          <a:lstStyle/>
+          <a:p>
+            <a:pPr algn="ctr"/>
+            <a:endParaRPr lang="zh-CN" altLang="en-US"/>
+          </a:p>
+        </p:txBody>
+      </p:sp>
+      <p:sp>
+        <p:nvSpPr>
+          <p:cNvPr id="78" name="矩形 77"/>
+          <p:cNvSpPr/>
+          <p:nvPr/>
+        </p:nvSpPr>
+        <p:spPr>
+          <a:xfrm>
+            <a:off x="9781316" y="2811147"/>
+            <a:ext cx="2046514" cy="375558"/>
+          </a:xfrm>
+          <a:prstGeom prst="rect">
+            <a:avLst/>
+          </a:prstGeom>
+        </p:spPr>
+        <p:style>
+          <a:lnRef idx="2">
+            <a:schemeClr val="accent4">
+              <a:shade val="50000"/>
+            </a:schemeClr>
+          </a:lnRef>
+          <a:fillRef idx="1">
+            <a:schemeClr val="accent4"/>
+          </a:fillRef>
+          <a:effectRef idx="0">
+            <a:schemeClr val="accent4"/>
+          </a:effectRef>
+          <a:fontRef idx="minor">
+            <a:schemeClr val="lt1"/>
+          </a:fontRef>
+        </p:style>
+        <p:txBody>
+          <a:bodyPr rtlCol="0" anchor="ctr"/>
+          <a:lstStyle/>
+          <a:p>
+            <a:pPr algn="ctr"/>
+            <a:r>
+              <a:rPr lang="en-US" altLang="zh-CN" dirty="0" smtClean="0"/>
+              <a:t>Models</a:t>
+            </a:r>
+          </a:p>
+        </p:txBody>
+      </p:sp>
+      <p:sp>
+        <p:nvSpPr>
+          <p:cNvPr id="79" name="矩形 78"/>
+          <p:cNvSpPr/>
+          <p:nvPr/>
+        </p:nvSpPr>
+        <p:spPr>
+          <a:xfrm>
+            <a:off x="9781316" y="3412328"/>
+            <a:ext cx="2046514" cy="375558"/>
+          </a:xfrm>
+          <a:prstGeom prst="rect">
+            <a:avLst/>
+          </a:prstGeom>
+        </p:spPr>
+        <p:style>
+          <a:lnRef idx="2">
+            <a:schemeClr val="accent4">
+              <a:shade val="50000"/>
+            </a:schemeClr>
+          </a:lnRef>
+          <a:fillRef idx="1">
+            <a:schemeClr val="accent4"/>
+          </a:fillRef>
+          <a:effectRef idx="0">
+            <a:schemeClr val="accent4"/>
+          </a:effectRef>
+          <a:fontRef idx="minor">
+            <a:schemeClr val="lt1"/>
+          </a:fontRef>
+        </p:style>
+        <p:txBody>
+          <a:bodyPr rtlCol="0" anchor="ctr"/>
+          <a:lstStyle/>
+          <a:p>
+            <a:pPr algn="ctr"/>
+            <a:r>
+              <a:rPr lang="en-US" altLang="zh-CN" dirty="0" smtClean="0"/>
+              <a:t>Decks</a:t>
+            </a:r>
+          </a:p>
+        </p:txBody>
+      </p:sp>
+      <p:sp>
+        <p:nvSpPr>
+          <p:cNvPr id="86" name="矩形 85"/>
+          <p:cNvSpPr/>
+          <p:nvPr/>
+        </p:nvSpPr>
+        <p:spPr>
+          <a:xfrm>
+            <a:off x="9781316" y="4614691"/>
+            <a:ext cx="2046514" cy="375558"/>
+          </a:xfrm>
+          <a:prstGeom prst="rect">
+            <a:avLst/>
+          </a:prstGeom>
+        </p:spPr>
+        <p:style>
+          <a:lnRef idx="2">
+            <a:schemeClr val="accent4">
+              <a:shade val="50000"/>
+            </a:schemeClr>
+          </a:lnRef>
+          <a:fillRef idx="1">
+            <a:schemeClr val="accent4"/>
+          </a:fillRef>
+          <a:effectRef idx="0">
+            <a:schemeClr val="accent4"/>
+          </a:effectRef>
+          <a:fontRef idx="minor">
+            <a:schemeClr val="lt1"/>
+          </a:fontRef>
+        </p:style>
+        <p:txBody>
+          <a:bodyPr rtlCol="0" anchor="ctr"/>
+          <a:lstStyle/>
+          <a:p>
+            <a:pPr algn="ctr"/>
+            <a:r>
+              <a:rPr lang="en-US" altLang="zh-CN" dirty="0" smtClean="0"/>
+              <a:t>Cards</a:t>
+            </a:r>
+          </a:p>
+        </p:txBody>
+      </p:sp>
+      <p:sp>
+        <p:nvSpPr>
+          <p:cNvPr id="87" name="矩形 86"/>
+          <p:cNvSpPr/>
+          <p:nvPr/>
+        </p:nvSpPr>
+        <p:spPr>
+          <a:xfrm>
+            <a:off x="9781316" y="4013509"/>
+            <a:ext cx="2046514" cy="375558"/>
+          </a:xfrm>
+          <a:prstGeom prst="rect">
+            <a:avLst/>
+          </a:prstGeom>
+        </p:spPr>
+        <p:style>
+          <a:lnRef idx="2">
+            <a:schemeClr val="accent4">
+              <a:shade val="50000"/>
+            </a:schemeClr>
+          </a:lnRef>
+          <a:fillRef idx="1">
+            <a:schemeClr val="accent4"/>
+          </a:fillRef>
+          <a:effectRef idx="0">
+            <a:schemeClr val="accent4"/>
+          </a:effectRef>
+          <a:fontRef idx="minor">
+            <a:schemeClr val="lt1"/>
+          </a:fontRef>
+        </p:style>
+        <p:txBody>
+          <a:bodyPr rtlCol="0" anchor="ctr"/>
+          <a:lstStyle/>
+          <a:p>
+            <a:pPr algn="ctr"/>
+            <a:r>
+              <a:rPr lang="en-US" altLang="zh-CN" dirty="0" smtClean="0"/>
+              <a:t>Notes ..tags</a:t>
+            </a:r>
+          </a:p>
+        </p:txBody>
+      </p:sp>
+      <p:sp>
+        <p:nvSpPr>
+          <p:cNvPr id="9" name="矩形 8"/>
+          <p:cNvSpPr/>
+          <p:nvPr/>
+        </p:nvSpPr>
+        <p:spPr>
+          <a:xfrm>
+            <a:off x="9781316" y="1904707"/>
+            <a:ext cx="881743" cy="293914"/>
+          </a:xfrm>
+          <a:prstGeom prst="rect">
+            <a:avLst/>
+          </a:prstGeom>
+        </p:spPr>
+        <p:style>
+          <a:lnRef idx="2">
+            <a:schemeClr val="accent1">
+              <a:shade val="50000"/>
+            </a:schemeClr>
+          </a:lnRef>
+          <a:fillRef idx="1">
+            <a:schemeClr val="accent1"/>
+          </a:fillRef>
+          <a:effectRef idx="0">
+            <a:schemeClr val="accent1"/>
+          </a:effectRef>
+          <a:fontRef idx="minor">
+            <a:schemeClr val="lt1"/>
+          </a:fontRef>
+        </p:style>
+        <p:txBody>
+          <a:bodyPr rtlCol="0" anchor="ctr"/>
+          <a:lstStyle/>
+          <a:p>
+            <a:pPr algn="ctr"/>
+            <a:r>
+              <a:rPr lang="en-US" altLang="zh-CN" dirty="0" err="1" smtClean="0"/>
+              <a:t>Conf</a:t>
+            </a:r>
+            <a:endParaRPr lang="en-US" altLang="zh-CN" dirty="0" smtClean="0"/>
+          </a:p>
+        </p:txBody>
+      </p:sp>
+      <p:sp>
+        <p:nvSpPr>
+          <p:cNvPr id="10" name="矩形 9"/>
+          <p:cNvSpPr/>
+          <p:nvPr/>
+        </p:nvSpPr>
+        <p:spPr>
+          <a:xfrm>
+            <a:off x="10951530" y="1904707"/>
+            <a:ext cx="881743" cy="293914"/>
+          </a:xfrm>
+          <a:prstGeom prst="rect">
+            <a:avLst/>
+          </a:prstGeom>
+        </p:spPr>
+        <p:style>
+          <a:lnRef idx="2">
+            <a:schemeClr val="accent1">
+              <a:shade val="50000"/>
+            </a:schemeClr>
+          </a:lnRef>
+          <a:fillRef idx="1">
+            <a:schemeClr val="accent1"/>
+          </a:fillRef>
+          <a:effectRef idx="0">
+            <a:schemeClr val="accent1"/>
+          </a:effectRef>
+          <a:fontRef idx="minor">
+            <a:schemeClr val="lt1"/>
+          </a:fontRef>
+        </p:style>
+        <p:txBody>
+          <a:bodyPr rtlCol="0" anchor="ctr"/>
+          <a:lstStyle/>
+          <a:p>
+            <a:pPr algn="ctr"/>
+            <a:r>
+              <a:rPr lang="en-US" altLang="zh-CN" dirty="0" err="1" smtClean="0"/>
+              <a:t>Dconf</a:t>
+            </a:r>
+            <a:endParaRPr lang="en-US" altLang="zh-CN" dirty="0" smtClean="0"/>
+          </a:p>
+        </p:txBody>
+      </p:sp>
+      <p:sp>
+        <p:nvSpPr>
+          <p:cNvPr id="93" name="矩形 92"/>
+          <p:cNvSpPr/>
+          <p:nvPr/>
+        </p:nvSpPr>
+        <p:spPr>
+          <a:xfrm>
+            <a:off x="7750630" y="3548757"/>
+            <a:ext cx="1307800" cy="1514004"/>
+          </a:xfrm>
+          <a:prstGeom prst="rect">
+            <a:avLst/>
+          </a:prstGeom>
+        </p:spPr>
+        <p:style>
+          <a:lnRef idx="2">
+            <a:schemeClr val="accent4">
+              <a:shade val="50000"/>
+            </a:schemeClr>
+          </a:lnRef>
+          <a:fillRef idx="1">
+            <a:schemeClr val="accent4"/>
+          </a:fillRef>
+          <a:effectRef idx="0">
+            <a:schemeClr val="accent4"/>
+          </a:effectRef>
+          <a:fontRef idx="minor">
+            <a:schemeClr val="lt1"/>
+          </a:fontRef>
+        </p:style>
+        <p:txBody>
+          <a:bodyPr rtlCol="0" anchor="ctr"/>
+          <a:lstStyle/>
+          <a:p>
+            <a:pPr algn="ctr"/>
+            <a:r>
+              <a:rPr lang="en-US" altLang="zh-CN" dirty="0" err="1" smtClean="0"/>
+              <a:t>Db_Model</a:t>
+            </a:r>
+            <a:endParaRPr lang="en-US" altLang="zh-CN" dirty="0" smtClean="0"/>
+          </a:p>
+          <a:p>
+            <a:pPr algn="ctr"/>
+            <a:r>
+              <a:rPr lang="en-US" altLang="zh-CN" dirty="0" smtClean="0"/>
+              <a:t>_Deck</a:t>
+            </a:r>
+          </a:p>
+          <a:p>
+            <a:r>
+              <a:rPr lang="en-US" altLang="zh-CN" dirty="0" smtClean="0"/>
+              <a:t>.</a:t>
+            </a:r>
+            <a:r>
+              <a:rPr lang="en-US" altLang="zh-CN" dirty="0" err="1" smtClean="0"/>
+              <a:t>Db_model</a:t>
+            </a:r>
+            <a:endParaRPr lang="en-US" altLang="zh-CN" dirty="0" smtClean="0"/>
+          </a:p>
+          <a:p>
+            <a:r>
+              <a:rPr lang="en-US" altLang="zh-CN" dirty="0" smtClean="0"/>
+              <a:t>.</a:t>
+            </a:r>
+            <a:r>
+              <a:rPr lang="en-US" altLang="zh-CN" dirty="0" err="1" smtClean="0"/>
+              <a:t>Db_deck</a:t>
+            </a:r>
+            <a:endParaRPr lang="en-US" altLang="zh-CN" dirty="0" smtClean="0"/>
+          </a:p>
+          <a:p>
+            <a:r>
+              <a:rPr lang="en-US" altLang="zh-CN" dirty="0" smtClean="0"/>
+              <a:t>.</a:t>
+            </a:r>
+            <a:r>
+              <a:rPr lang="en-US" altLang="zh-CN" dirty="0" err="1" smtClean="0"/>
+              <a:t>notes..tags</a:t>
+            </a:r>
+            <a:endParaRPr lang="en-US" altLang="zh-CN" dirty="0" smtClean="0"/>
+          </a:p>
+        </p:txBody>
+      </p:sp>
+      <p:sp>
+        <p:nvSpPr>
+          <p:cNvPr id="104" name="右箭头 103"/>
+          <p:cNvSpPr/>
+          <p:nvPr/>
+        </p:nvSpPr>
+        <p:spPr>
+          <a:xfrm>
+            <a:off x="7280397" y="3888861"/>
+            <a:ext cx="456218" cy="618441"/>
+          </a:xfrm>
+          <a:prstGeom prst="rightArrow">
+            <a:avLst/>
+          </a:prstGeom>
+        </p:spPr>
+        <p:style>
+          <a:lnRef idx="2">
+            <a:schemeClr val="accent1">
+              <a:shade val="50000"/>
+            </a:schemeClr>
+          </a:lnRef>
+          <a:fillRef idx="1">
+            <a:schemeClr val="accent1"/>
+          </a:fillRef>
+          <a:effectRef idx="0">
+            <a:schemeClr val="accent1"/>
+          </a:effectRef>
+          <a:fontRef idx="minor">
+            <a:schemeClr val="lt1"/>
+          </a:fontRef>
+        </p:style>
+        <p:txBody>
+          <a:bodyPr rtlCol="0" anchor="ctr"/>
+          <a:lstStyle/>
+          <a:p>
+            <a:pPr algn="ctr"/>
+            <a:endParaRPr lang="zh-CN" altLang="en-US"/>
+          </a:p>
+        </p:txBody>
+      </p:sp>
+      <p:sp>
+        <p:nvSpPr>
+          <p:cNvPr id="106" name="右箭头 105"/>
+          <p:cNvSpPr/>
+          <p:nvPr/>
+        </p:nvSpPr>
+        <p:spPr>
+          <a:xfrm rot="21112735">
+            <a:off x="9039575" y="2921101"/>
+            <a:ext cx="652765" cy="285000"/>
+          </a:xfrm>
+          <a:prstGeom prst="rightArrow">
+            <a:avLst/>
+          </a:prstGeom>
+        </p:spPr>
+        <p:style>
+          <a:lnRef idx="2">
+            <a:schemeClr val="accent2">
+              <a:shade val="50000"/>
+            </a:schemeClr>
+          </a:lnRef>
+          <a:fillRef idx="1">
+            <a:schemeClr val="accent2"/>
+          </a:fillRef>
+          <a:effectRef idx="0">
+            <a:schemeClr val="accent2"/>
+          </a:effectRef>
+          <a:fontRef idx="minor">
+            <a:schemeClr val="lt1"/>
+          </a:fontRef>
+        </p:style>
+        <p:txBody>
+          <a:bodyPr rtlCol="0" anchor="ctr"/>
+          <a:lstStyle/>
+          <a:p>
+            <a:pPr algn="ctr"/>
+            <a:endParaRPr lang="zh-CN" altLang="en-US"/>
+          </a:p>
+        </p:txBody>
+      </p:sp>
+      <p:sp>
+        <p:nvSpPr>
+          <p:cNvPr id="110" name="右箭头 109"/>
+          <p:cNvSpPr/>
+          <p:nvPr/>
+        </p:nvSpPr>
+        <p:spPr>
+          <a:xfrm rot="934913">
+            <a:off x="9061872" y="3341099"/>
+            <a:ext cx="652765" cy="285000"/>
+          </a:xfrm>
+          <a:prstGeom prst="rightArrow">
+            <a:avLst/>
+          </a:prstGeom>
+        </p:spPr>
+        <p:style>
+          <a:lnRef idx="2">
+            <a:schemeClr val="accent2">
+              <a:shade val="50000"/>
+            </a:schemeClr>
+          </a:lnRef>
+          <a:fillRef idx="1">
+            <a:schemeClr val="accent2"/>
+          </a:fillRef>
+          <a:effectRef idx="0">
+            <a:schemeClr val="accent2"/>
+          </a:effectRef>
+          <a:fontRef idx="minor">
+            <a:schemeClr val="lt1"/>
+          </a:fontRef>
+        </p:style>
+        <p:txBody>
+          <a:bodyPr rtlCol="0" anchor="ctr"/>
+          <a:lstStyle/>
+          <a:p>
+            <a:pPr algn="ctr"/>
+            <a:endParaRPr lang="zh-CN" altLang="en-US"/>
+          </a:p>
+        </p:txBody>
+      </p:sp>
+      <p:sp>
+        <p:nvSpPr>
+          <p:cNvPr id="111" name="右箭头 110"/>
+          <p:cNvSpPr/>
+          <p:nvPr/>
+        </p:nvSpPr>
+        <p:spPr>
+          <a:xfrm rot="21112735">
+            <a:off x="9079971" y="4096639"/>
+            <a:ext cx="652765" cy="285000"/>
+          </a:xfrm>
+          <a:prstGeom prst="rightArrow">
+            <a:avLst/>
+          </a:prstGeom>
+        </p:spPr>
+        <p:style>
+          <a:lnRef idx="2">
+            <a:schemeClr val="accent3">
+              <a:shade val="50000"/>
+            </a:schemeClr>
+          </a:lnRef>
+          <a:fillRef idx="1">
+            <a:schemeClr val="accent3"/>
+          </a:fillRef>
+          <a:effectRef idx="0">
+            <a:schemeClr val="accent3"/>
+          </a:effectRef>
+          <a:fontRef idx="minor">
+            <a:schemeClr val="lt1"/>
+          </a:fontRef>
+        </p:style>
+        <p:txBody>
+          <a:bodyPr rtlCol="0" anchor="ctr"/>
+          <a:lstStyle/>
+          <a:p>
+            <a:pPr algn="ctr"/>
+            <a:endParaRPr lang="zh-CN" altLang="en-US"/>
+          </a:p>
+        </p:txBody>
+      </p:sp>
+      <p:sp>
+        <p:nvSpPr>
+          <p:cNvPr id="112" name="右箭头 111"/>
+          <p:cNvSpPr/>
+          <p:nvPr/>
+        </p:nvSpPr>
+        <p:spPr>
+          <a:xfrm rot="934913">
+            <a:off x="9102268" y="4516637"/>
+            <a:ext cx="652765" cy="285000"/>
+          </a:xfrm>
+          <a:prstGeom prst="rightArrow">
+            <a:avLst/>
+          </a:prstGeom>
+        </p:spPr>
+        <p:style>
+          <a:lnRef idx="2">
+            <a:schemeClr val="accent3">
+              <a:shade val="50000"/>
+            </a:schemeClr>
+          </a:lnRef>
+          <a:fillRef idx="1">
+            <a:schemeClr val="accent3"/>
+          </a:fillRef>
+          <a:effectRef idx="0">
+            <a:schemeClr val="accent3"/>
+          </a:effectRef>
+          <a:fontRef idx="minor">
+            <a:schemeClr val="lt1"/>
+          </a:fontRef>
+        </p:style>
+        <p:txBody>
+          <a:bodyPr rtlCol="0" anchor="ctr"/>
+          <a:lstStyle/>
+          <a:p>
+            <a:pPr algn="ctr"/>
+            <a:endParaRPr lang="zh-CN" altLang="en-US"/>
+          </a:p>
+        </p:txBody>
+      </p:sp>
+      <p:sp>
+        <p:nvSpPr>
+          <p:cNvPr id="14" name="左弧形箭头 13"/>
+          <p:cNvSpPr/>
+          <p:nvPr/>
+        </p:nvSpPr>
+        <p:spPr>
+          <a:xfrm>
+            <a:off x="9384463" y="4229391"/>
+            <a:ext cx="301672" cy="442943"/>
+          </a:xfrm>
+          <a:prstGeom prst="curvedRightArrow">
+            <a:avLst/>
+          </a:prstGeom>
+        </p:spPr>
+        <p:style>
+          <a:lnRef idx="2">
+            <a:schemeClr val="accent3">
+              <a:shade val="50000"/>
+            </a:schemeClr>
+          </a:lnRef>
+          <a:fillRef idx="1">
+            <a:schemeClr val="accent3"/>
+          </a:fillRef>
+          <a:effectRef idx="0">
+            <a:schemeClr val="accent3"/>
+          </a:effectRef>
+          <a:fontRef idx="minor">
+            <a:schemeClr val="lt1"/>
+          </a:fontRef>
+        </p:style>
+        <p:txBody>
+          <a:bodyPr rtlCol="0" anchor="ctr"/>
+          <a:lstStyle/>
+          <a:p>
+            <a:pPr algn="ctr"/>
+            <a:endParaRPr lang="zh-CN" altLang="en-US">
+              <a:solidFill>
+                <a:schemeClr val="tx1"/>
+              </a:solidFill>
+            </a:endParaRPr>
+          </a:p>
+        </p:txBody>
+      </p:sp>
+      <p:sp>
+        <p:nvSpPr>
+          <p:cNvPr id="113" name="右箭头 112"/>
+          <p:cNvSpPr/>
+          <p:nvPr/>
+        </p:nvSpPr>
+        <p:spPr>
+          <a:xfrm rot="15048721">
+            <a:off x="10208493" y="2358731"/>
+            <a:ext cx="441744" cy="285000"/>
+          </a:xfrm>
+          <a:prstGeom prst="rightArrow">
+            <a:avLst/>
+          </a:prstGeom>
+        </p:spPr>
+        <p:style>
+          <a:lnRef idx="2">
+            <a:schemeClr val="accent5">
+              <a:shade val="50000"/>
+            </a:schemeClr>
+          </a:lnRef>
+          <a:fillRef idx="1">
+            <a:schemeClr val="accent5"/>
+          </a:fillRef>
+          <a:effectRef idx="0">
+            <a:schemeClr val="accent5"/>
+          </a:effectRef>
+          <a:fontRef idx="minor">
+            <a:schemeClr val="lt1"/>
+          </a:fontRef>
+        </p:style>
+        <p:txBody>
+          <a:bodyPr rtlCol="0" anchor="ctr"/>
+          <a:lstStyle/>
+          <a:p>
+            <a:pPr algn="ctr"/>
+            <a:endParaRPr lang="zh-CN" altLang="en-US"/>
+          </a:p>
+        </p:txBody>
+      </p:sp>
+      <p:sp>
+        <p:nvSpPr>
+          <p:cNvPr id="114" name="右箭头 113"/>
+          <p:cNvSpPr/>
+          <p:nvPr/>
+        </p:nvSpPr>
+        <p:spPr>
+          <a:xfrm rot="18030567">
+            <a:off x="10865115" y="2330967"/>
+            <a:ext cx="441744" cy="285000"/>
+          </a:xfrm>
+          <a:prstGeom prst="rightArrow">
+            <a:avLst/>
+          </a:prstGeom>
+        </p:spPr>
+        <p:style>
+          <a:lnRef idx="2">
+            <a:schemeClr val="accent5">
+              <a:shade val="50000"/>
+            </a:schemeClr>
+          </a:lnRef>
+          <a:fillRef idx="1">
+            <a:schemeClr val="accent5"/>
+          </a:fillRef>
+          <a:effectRef idx="0">
+            <a:schemeClr val="accent5"/>
+          </a:effectRef>
+          <a:fontRef idx="minor">
+            <a:schemeClr val="lt1"/>
+          </a:fontRef>
+        </p:style>
+        <p:txBody>
+          <a:bodyPr rtlCol="0" anchor="ctr"/>
+          <a:lstStyle/>
+          <a:p>
+            <a:pPr algn="ctr"/>
+            <a:endParaRPr lang="zh-CN" altLang="en-US"/>
+          </a:p>
+        </p:txBody>
+      </p:sp>
+      <p:sp>
+        <p:nvSpPr>
+          <p:cNvPr id="115" name="右箭头 114"/>
+          <p:cNvSpPr/>
+          <p:nvPr/>
+        </p:nvSpPr>
+        <p:spPr>
+          <a:xfrm rot="15422250">
+            <a:off x="9579320" y="2650481"/>
+            <a:ext cx="1086503" cy="285000"/>
+          </a:xfrm>
+          <a:prstGeom prst="rightArrow">
+            <a:avLst/>
+          </a:prstGeom>
+        </p:spPr>
+        <p:style>
+          <a:lnRef idx="2">
+            <a:schemeClr val="accent5">
+              <a:shade val="50000"/>
+            </a:schemeClr>
+          </a:lnRef>
+          <a:fillRef idx="1">
+            <a:schemeClr val="accent5"/>
+          </a:fillRef>
+          <a:effectRef idx="0">
+            <a:schemeClr val="accent5"/>
+          </a:effectRef>
+          <a:fontRef idx="minor">
+            <a:schemeClr val="lt1"/>
+          </a:fontRef>
+        </p:style>
+        <p:txBody>
+          <a:bodyPr rtlCol="0" anchor="ctr"/>
+          <a:lstStyle/>
+          <a:p>
+            <a:pPr algn="ctr"/>
+            <a:endParaRPr lang="zh-CN" altLang="en-US"/>
+          </a:p>
+        </p:txBody>
+      </p:sp>
+      <p:sp>
+        <p:nvSpPr>
+          <p:cNvPr id="116" name="右箭头 115"/>
+          <p:cNvSpPr/>
+          <p:nvPr/>
+        </p:nvSpPr>
+        <p:spPr>
+          <a:xfrm rot="16686337">
+            <a:off x="10851452" y="2655402"/>
+            <a:ext cx="1127139" cy="285000"/>
+          </a:xfrm>
+          <a:prstGeom prst="rightArrow">
+            <a:avLst/>
+          </a:prstGeom>
+        </p:spPr>
+        <p:style>
+          <a:lnRef idx="2">
+            <a:schemeClr val="accent5">
+              <a:shade val="50000"/>
+            </a:schemeClr>
+          </a:lnRef>
+          <a:fillRef idx="1">
+            <a:schemeClr val="accent5"/>
+          </a:fillRef>
+          <a:effectRef idx="0">
+            <a:schemeClr val="accent5"/>
+          </a:effectRef>
+          <a:fontRef idx="minor">
+            <a:schemeClr val="lt1"/>
+          </a:fontRef>
+        </p:style>
+        <p:txBody>
+          <a:bodyPr rtlCol="0" anchor="ctr"/>
+          <a:lstStyle/>
+          <a:p>
+            <a:pPr algn="ctr"/>
+            <a:endParaRPr lang="zh-CN" altLang="en-US"/>
+          </a:p>
+        </p:txBody>
+      </p:sp>
+      <p:sp>
+        <p:nvSpPr>
+          <p:cNvPr id="19" name="右弧形箭头 18"/>
+          <p:cNvSpPr/>
+          <p:nvPr/>
+        </p:nvSpPr>
+        <p:spPr>
+          <a:xfrm rot="10800000">
+            <a:off x="7577843" y="3061707"/>
+            <a:ext cx="301672" cy="1167683"/>
+          </a:xfrm>
+          <a:prstGeom prst="curvedLeftArrow">
+            <a:avLst/>
+          </a:prstGeom>
+        </p:spPr>
+        <p:style>
+          <a:lnRef idx="2">
+            <a:schemeClr val="accent1">
+              <a:shade val="50000"/>
+            </a:schemeClr>
+          </a:lnRef>
+          <a:fillRef idx="1">
+            <a:schemeClr val="accent1"/>
+          </a:fillRef>
+          <a:effectRef idx="0">
+            <a:schemeClr val="accent1"/>
+          </a:effectRef>
+          <a:fontRef idx="minor">
+            <a:schemeClr val="lt1"/>
+          </a:fontRef>
+        </p:style>
+        <p:txBody>
+          <a:bodyPr rtlCol="0" anchor="ctr"/>
+          <a:lstStyle/>
+          <a:p>
+            <a:pPr algn="ctr"/>
+            <a:endParaRPr lang="zh-CN" altLang="en-US">
+              <a:solidFill>
+                <a:schemeClr val="tx1"/>
+              </a:solidFill>
+            </a:endParaRPr>
+          </a:p>
+        </p:txBody>
+      </p:sp>
+      <p:sp>
+        <p:nvSpPr>
+          <p:cNvPr id="117" name="右弧形箭头 116"/>
+          <p:cNvSpPr/>
+          <p:nvPr/>
+        </p:nvSpPr>
+        <p:spPr>
+          <a:xfrm rot="10800000">
+            <a:off x="7622818" y="3429667"/>
+            <a:ext cx="301672" cy="1167683"/>
+          </a:xfrm>
+          <a:prstGeom prst="curvedLeftArrow">
+            <a:avLst/>
+          </a:prstGeom>
+        </p:spPr>
+        <p:style>
+          <a:lnRef idx="2">
+            <a:schemeClr val="accent1">
+              <a:shade val="50000"/>
+            </a:schemeClr>
+          </a:lnRef>
+          <a:fillRef idx="1">
+            <a:schemeClr val="accent1"/>
+          </a:fillRef>
+          <a:effectRef idx="0">
+            <a:schemeClr val="accent1"/>
+          </a:effectRef>
+          <a:fontRef idx="minor">
+            <a:schemeClr val="lt1"/>
+          </a:fontRef>
+        </p:style>
+        <p:txBody>
+          <a:bodyPr rtlCol="0" anchor="ctr"/>
+          <a:lstStyle/>
+          <a:p>
+            <a:pPr algn="ctr"/>
+            <a:endParaRPr lang="zh-CN" altLang="en-US">
+              <a:solidFill>
+                <a:schemeClr val="tx1"/>
+              </a:solidFill>
+            </a:endParaRPr>
+          </a:p>
+        </p:txBody>
+      </p:sp>
+      <p:sp>
+        <p:nvSpPr>
+          <p:cNvPr id="3" name="右大括号 2"/>
+          <p:cNvSpPr/>
+          <p:nvPr/>
+        </p:nvSpPr>
+        <p:spPr>
+          <a:xfrm>
+            <a:off x="3643752" y="1144860"/>
+            <a:ext cx="374740" cy="2096954"/>
+          </a:xfrm>
+          <a:prstGeom prst="rightBrace">
+            <a:avLst>
+              <a:gd name="adj1" fmla="val 8333"/>
+              <a:gd name="adj2" fmla="val 2760"/>
+            </a:avLst>
+          </a:prstGeom>
+          <a:ln w="76200"/>
+        </p:spPr>
+        <p:style>
+          <a:lnRef idx="1">
+            <a:schemeClr val="accent1"/>
+          </a:lnRef>
+          <a:fillRef idx="0">
+            <a:schemeClr val="accent1"/>
+          </a:fillRef>
+          <a:effectRef idx="0">
+            <a:schemeClr val="accent1"/>
+          </a:effectRef>
+          <a:fontRef idx="minor">
+            <a:schemeClr val="tx1"/>
+          </a:fontRef>
+        </p:style>
+        <p:txBody>
+          <a:bodyPr rtlCol="0" anchor="ctr"/>
+          <a:lstStyle/>
+          <a:p>
+            <a:pPr algn="ctr"/>
+            <a:endParaRPr lang="zh-CN" altLang="en-US"/>
+          </a:p>
+        </p:txBody>
+      </p:sp>
+      <p:sp>
+        <p:nvSpPr>
+          <p:cNvPr id="12" name="左箭头 11"/>
+          <p:cNvSpPr/>
+          <p:nvPr/>
+        </p:nvSpPr>
+        <p:spPr>
+          <a:xfrm rot="19385330">
+            <a:off x="3550650" y="959683"/>
+            <a:ext cx="1384015" cy="427707"/>
+          </a:xfrm>
+          <a:prstGeom prst="leftArrow">
+            <a:avLst/>
+          </a:prstGeom>
+        </p:spPr>
+        <p:style>
+          <a:lnRef idx="2">
+            <a:schemeClr val="accent1">
+              <a:shade val="50000"/>
+            </a:schemeClr>
+          </a:lnRef>
+          <a:fillRef idx="1">
+            <a:schemeClr val="accent1"/>
+          </a:fillRef>
+          <a:effectRef idx="0">
+            <a:schemeClr val="accent1"/>
+          </a:effectRef>
+          <a:fontRef idx="minor">
+            <a:schemeClr val="lt1"/>
+          </a:fontRef>
+        </p:style>
+        <p:txBody>
+          <a:bodyPr rtlCol="0" anchor="ctr"/>
+          <a:lstStyle/>
+          <a:p>
+            <a:pPr algn="ctr"/>
+            <a:r>
+              <a:rPr lang="en-US" altLang="zh-CN" dirty="0" err="1" smtClean="0"/>
+              <a:t>Read_mem</a:t>
+            </a:r>
+            <a:endParaRPr lang="zh-CN" altLang="en-US" dirty="0"/>
+          </a:p>
+        </p:txBody>
+      </p:sp>
+    </p:spTree>
+    <p:extLst>
+      <p:ext uri="{BB962C8B-B14F-4D97-AF65-F5344CB8AC3E}">
+        <p14:creationId xmlns:p14="http://schemas.microsoft.com/office/powerpoint/2010/main" val="906378574"/>
       </p:ext>
     </p:extLst>
   </p:cSld>
